--- a/Lectures/Lecture_7_Model_Fitting.pptx
+++ b/Lectures/Lecture_7_Model_Fitting.pptx
@@ -12773,7 +12773,7 @@
           <a:lstStyle/>
           <a:p>
             <a:r>
-              <a:rPr lang="en-US"/>
+              <a:rPr lang="en-US" dirty="0"/>
               <a:t>Optional Material</a:t>
             </a:r>
           </a:p>

--- a/Lectures/Lecture_7_Model_Fitting.pptx
+++ b/Lectures/Lecture_7_Model_Fitting.pptx
@@ -5,52 +5,62 @@
     <p:sldMasterId id="2147483648" r:id="rId1"/>
   </p:sldMasterIdLst>
   <p:notesMasterIdLst>
-    <p:notesMasterId r:id="rId45"/>
+    <p:notesMasterId r:id="rId55"/>
   </p:notesMasterIdLst>
   <p:sldIdLst>
     <p:sldId id="347" r:id="rId2"/>
-    <p:sldId id="257" r:id="rId3"/>
-    <p:sldId id="258" r:id="rId4"/>
-    <p:sldId id="260" r:id="rId5"/>
-    <p:sldId id="262" r:id="rId6"/>
-    <p:sldId id="263" r:id="rId7"/>
-    <p:sldId id="264" r:id="rId8"/>
-    <p:sldId id="265" r:id="rId9"/>
-    <p:sldId id="266" r:id="rId10"/>
-    <p:sldId id="267" r:id="rId11"/>
-    <p:sldId id="268" r:id="rId12"/>
-    <p:sldId id="269" r:id="rId13"/>
-    <p:sldId id="270" r:id="rId14"/>
-    <p:sldId id="271" r:id="rId15"/>
-    <p:sldId id="272" r:id="rId16"/>
-    <p:sldId id="300" r:id="rId17"/>
-    <p:sldId id="273" r:id="rId18"/>
-    <p:sldId id="274" r:id="rId19"/>
-    <p:sldId id="275" r:id="rId20"/>
-    <p:sldId id="276" r:id="rId21"/>
-    <p:sldId id="277" r:id="rId22"/>
-    <p:sldId id="278" r:id="rId23"/>
-    <p:sldId id="279" r:id="rId24"/>
-    <p:sldId id="280" r:id="rId25"/>
-    <p:sldId id="281" r:id="rId26"/>
-    <p:sldId id="348" r:id="rId27"/>
-    <p:sldId id="349" r:id="rId28"/>
-    <p:sldId id="283" r:id="rId29"/>
-    <p:sldId id="284" r:id="rId30"/>
-    <p:sldId id="285" r:id="rId31"/>
-    <p:sldId id="286" r:id="rId32"/>
-    <p:sldId id="350" r:id="rId33"/>
-    <p:sldId id="290" r:id="rId34"/>
-    <p:sldId id="291" r:id="rId35"/>
-    <p:sldId id="292" r:id="rId36"/>
-    <p:sldId id="351" r:id="rId37"/>
-    <p:sldId id="295" r:id="rId38"/>
-    <p:sldId id="293" r:id="rId39"/>
-    <p:sldId id="294" r:id="rId40"/>
-    <p:sldId id="298" r:id="rId41"/>
-    <p:sldId id="296" r:id="rId42"/>
-    <p:sldId id="297" r:id="rId43"/>
-    <p:sldId id="299" r:id="rId44"/>
+    <p:sldId id="352" r:id="rId3"/>
+    <p:sldId id="353" r:id="rId4"/>
+    <p:sldId id="258" r:id="rId5"/>
+    <p:sldId id="358" r:id="rId6"/>
+    <p:sldId id="356" r:id="rId7"/>
+    <p:sldId id="354" r:id="rId8"/>
+    <p:sldId id="355" r:id="rId9"/>
+    <p:sldId id="357" r:id="rId10"/>
+    <p:sldId id="359" r:id="rId11"/>
+    <p:sldId id="364" r:id="rId12"/>
+    <p:sldId id="369" r:id="rId13"/>
+    <p:sldId id="368" r:id="rId14"/>
+    <p:sldId id="260" r:id="rId15"/>
+    <p:sldId id="262" r:id="rId16"/>
+    <p:sldId id="263" r:id="rId17"/>
+    <p:sldId id="264" r:id="rId18"/>
+    <p:sldId id="265" r:id="rId19"/>
+    <p:sldId id="266" r:id="rId20"/>
+    <p:sldId id="267" r:id="rId21"/>
+    <p:sldId id="268" r:id="rId22"/>
+    <p:sldId id="269" r:id="rId23"/>
+    <p:sldId id="270" r:id="rId24"/>
+    <p:sldId id="271" r:id="rId25"/>
+    <p:sldId id="272" r:id="rId26"/>
+    <p:sldId id="300" r:id="rId27"/>
+    <p:sldId id="273" r:id="rId28"/>
+    <p:sldId id="274" r:id="rId29"/>
+    <p:sldId id="275" r:id="rId30"/>
+    <p:sldId id="276" r:id="rId31"/>
+    <p:sldId id="277" r:id="rId32"/>
+    <p:sldId id="278" r:id="rId33"/>
+    <p:sldId id="279" r:id="rId34"/>
+    <p:sldId id="280" r:id="rId35"/>
+    <p:sldId id="281" r:id="rId36"/>
+    <p:sldId id="348" r:id="rId37"/>
+    <p:sldId id="349" r:id="rId38"/>
+    <p:sldId id="283" r:id="rId39"/>
+    <p:sldId id="284" r:id="rId40"/>
+    <p:sldId id="285" r:id="rId41"/>
+    <p:sldId id="286" r:id="rId42"/>
+    <p:sldId id="350" r:id="rId43"/>
+    <p:sldId id="290" r:id="rId44"/>
+    <p:sldId id="291" r:id="rId45"/>
+    <p:sldId id="292" r:id="rId46"/>
+    <p:sldId id="351" r:id="rId47"/>
+    <p:sldId id="295" r:id="rId48"/>
+    <p:sldId id="293" r:id="rId49"/>
+    <p:sldId id="294" r:id="rId50"/>
+    <p:sldId id="298" r:id="rId51"/>
+    <p:sldId id="296" r:id="rId52"/>
+    <p:sldId id="297" r:id="rId53"/>
+    <p:sldId id="299" r:id="rId54"/>
   </p:sldIdLst>
   <p:sldSz cx="12192000" cy="6858000"/>
   <p:notesSz cx="6858000" cy="9144000"/>
@@ -587,6 +597,96 @@
     <p:extLst>
       <p:ext uri="{BB962C8B-B14F-4D97-AF65-F5344CB8AC3E}">
         <p14:creationId xmlns:p14="http://schemas.microsoft.com/office/powerpoint/2010/main" val="3632083010"/>
+      </p:ext>
+    </p:extLst>
+  </p:cSld>
+  <p:clrMapOvr>
+    <a:masterClrMapping/>
+  </p:clrMapOvr>
+</p:notes>
+</file>
+
+<file path=ppt/notesSlides/notesSlide2.xml><?xml version="1.0" encoding="utf-8"?>
+<p:notes xmlns:a="http://schemas.openxmlformats.org/drawingml/2006/main" xmlns:r="http://schemas.openxmlformats.org/officeDocument/2006/relationships" xmlns:p="http://schemas.openxmlformats.org/presentationml/2006/main">
+  <p:cSld>
+    <p:spTree>
+      <p:nvGrpSpPr>
+        <p:cNvPr id="1" name=""/>
+        <p:cNvGrpSpPr/>
+        <p:nvPr/>
+      </p:nvGrpSpPr>
+      <p:grpSpPr>
+        <a:xfrm>
+          <a:off x="0" y="0"/>
+          <a:ext cx="0" cy="0"/>
+          <a:chOff x="0" y="0"/>
+          <a:chExt cx="0" cy="0"/>
+        </a:xfrm>
+      </p:grpSpPr>
+      <p:sp>
+        <p:nvSpPr>
+          <p:cNvPr id="2" name="Slide Image Placeholder 1"/>
+          <p:cNvSpPr>
+            <a:spLocks noGrp="1" noRot="1" noChangeAspect="1"/>
+          </p:cNvSpPr>
+          <p:nvPr>
+            <p:ph type="sldImg"/>
+          </p:nvPr>
+        </p:nvSpPr>
+        <p:spPr/>
+      </p:sp>
+      <p:sp>
+        <p:nvSpPr>
+          <p:cNvPr id="3" name="Notes Placeholder 2"/>
+          <p:cNvSpPr>
+            <a:spLocks noGrp="1"/>
+          </p:cNvSpPr>
+          <p:nvPr>
+            <p:ph type="body" idx="1"/>
+          </p:nvPr>
+        </p:nvSpPr>
+        <p:spPr/>
+        <p:txBody>
+          <a:bodyPr/>
+          <a:lstStyle/>
+          <a:p>
+            <a:endParaRPr lang="en-US"/>
+          </a:p>
+        </p:txBody>
+      </p:sp>
+      <p:sp>
+        <p:nvSpPr>
+          <p:cNvPr id="4" name="Slide Number Placeholder 3"/>
+          <p:cNvSpPr>
+            <a:spLocks noGrp="1"/>
+          </p:cNvSpPr>
+          <p:nvPr>
+            <p:ph type="sldNum" sz="quarter" idx="5"/>
+          </p:nvPr>
+        </p:nvSpPr>
+        <p:spPr/>
+        <p:txBody>
+          <a:bodyPr/>
+          <a:lstStyle/>
+          <a:p>
+            <a:pPr>
+              <a:defRPr/>
+            </a:pPr>
+            <a:fld id="{1E3608CA-DBCA-4E8F-8DAB-6E1AFAF19782}" type="slidenum">
+              <a:rPr lang="en-US" altLang="x-none" smtClean="0"/>
+              <a:pPr>
+                <a:defRPr/>
+              </a:pPr>
+              <a:t>9</a:t>
+            </a:fld>
+            <a:endParaRPr lang="en-US" altLang="x-none"/>
+          </a:p>
+        </p:txBody>
+      </p:sp>
+    </p:spTree>
+    <p:extLst>
+      <p:ext uri="{BB962C8B-B14F-4D97-AF65-F5344CB8AC3E}">
+        <p14:creationId xmlns:p14="http://schemas.microsoft.com/office/powerpoint/2010/main" val="3991442114"/>
       </p:ext>
     </p:extLst>
   </p:cSld>
@@ -3514,7 +3614,7 @@
               <a:rPr lang="en-US" altLang="en-US" sz="4000" b="1" u="sng" dirty="0">
                 <a:ea typeface="ＭＳ Ｐゴシック" panose="020B0600070205080204" pitchFamily="34" charset="-128"/>
               </a:rPr>
-              <a:t>Fitting Models to Data</a:t>
+              <a:t>Overview of Fitting Models to Data</a:t>
             </a:r>
             <a:br>
               <a:rPr lang="en-US" altLang="en-US" b="1" dirty="0">
@@ -3631,6 +3731,4615 @@
 </file>
 
 <file path=ppt/slides/slide10.xml><?xml version="1.0" encoding="utf-8"?>
+<p:sld xmlns:a="http://schemas.openxmlformats.org/drawingml/2006/main" xmlns:r="http://schemas.openxmlformats.org/officeDocument/2006/relationships" xmlns:p="http://schemas.openxmlformats.org/presentationml/2006/main">
+  <p:cSld>
+    <p:spTree>
+      <p:nvGrpSpPr>
+        <p:cNvPr id="1" name=""/>
+        <p:cNvGrpSpPr/>
+        <p:nvPr/>
+      </p:nvGrpSpPr>
+      <p:grpSpPr>
+        <a:xfrm>
+          <a:off x="0" y="0"/>
+          <a:ext cx="0" cy="0"/>
+          <a:chOff x="0" y="0"/>
+          <a:chExt cx="0" cy="0"/>
+        </a:xfrm>
+      </p:grpSpPr>
+      <p:sp>
+        <p:nvSpPr>
+          <p:cNvPr id="2" name="Title 1">
+            <a:extLst>
+              <a:ext uri="{FF2B5EF4-FFF2-40B4-BE49-F238E27FC236}">
+                <a16:creationId xmlns:a16="http://schemas.microsoft.com/office/drawing/2014/main" id="{EDF021D6-61A7-274E-A332-2D0E2CA02CA3}"/>
+              </a:ext>
+            </a:extLst>
+          </p:cNvPr>
+          <p:cNvSpPr>
+            <a:spLocks noGrp="1"/>
+          </p:cNvSpPr>
+          <p:nvPr>
+            <p:ph type="title"/>
+          </p:nvPr>
+        </p:nvSpPr>
+        <p:spPr>
+          <a:xfrm>
+            <a:off x="838200" y="-266247"/>
+            <a:ext cx="10515600" cy="1325563"/>
+          </a:xfrm>
+        </p:spPr>
+        <p:txBody>
+          <a:bodyPr/>
+          <a:lstStyle/>
+          <a:p>
+            <a:r>
+              <a:rPr lang="en-US" dirty="0"/>
+              <a:t>What Residuals Tell Us About Models</a:t>
+            </a:r>
+          </a:p>
+        </p:txBody>
+      </p:sp>
+      <p:sp>
+        <p:nvSpPr>
+          <p:cNvPr id="3" name="Slide Number Placeholder 2">
+            <a:extLst>
+              <a:ext uri="{FF2B5EF4-FFF2-40B4-BE49-F238E27FC236}">
+                <a16:creationId xmlns:a16="http://schemas.microsoft.com/office/drawing/2014/main" id="{BA82D6E1-D053-7F46-B22C-11F5D8AD40BA}"/>
+              </a:ext>
+            </a:extLst>
+          </p:cNvPr>
+          <p:cNvSpPr>
+            <a:spLocks noGrp="1"/>
+          </p:cNvSpPr>
+          <p:nvPr>
+            <p:ph type="sldNum" sz="quarter" idx="11"/>
+          </p:nvPr>
+        </p:nvSpPr>
+        <p:spPr/>
+        <p:txBody>
+          <a:bodyPr/>
+          <a:lstStyle/>
+          <a:p>
+            <a:pPr>
+              <a:defRPr/>
+            </a:pPr>
+            <a:fld id="{2E4304A7-0FB2-4094-BC1E-DB17183AD0C1}" type="slidenum">
+              <a:rPr lang="en-US" altLang="x-none" smtClean="0"/>
+              <a:pPr>
+                <a:defRPr/>
+              </a:pPr>
+              <a:t>10</a:t>
+            </a:fld>
+            <a:endParaRPr lang="en-US" altLang="x-none"/>
+          </a:p>
+        </p:txBody>
+      </p:sp>
+      <p:grpSp>
+        <p:nvGrpSpPr>
+          <p:cNvPr id="17" name="Group 16">
+            <a:extLst>
+              <a:ext uri="{FF2B5EF4-FFF2-40B4-BE49-F238E27FC236}">
+                <a16:creationId xmlns:a16="http://schemas.microsoft.com/office/drawing/2014/main" id="{F073A3CB-0F31-3445-B8D3-1B08798BE47D}"/>
+              </a:ext>
+            </a:extLst>
+          </p:cNvPr>
+          <p:cNvGrpSpPr/>
+          <p:nvPr/>
+        </p:nvGrpSpPr>
+        <p:grpSpPr>
+          <a:xfrm>
+            <a:off x="6858000" y="791500"/>
+            <a:ext cx="2761606" cy="2789901"/>
+            <a:chOff x="5334000" y="791499"/>
+            <a:chExt cx="2761606" cy="2789901"/>
+          </a:xfrm>
+        </p:grpSpPr>
+        <p:pic>
+          <p:nvPicPr>
+            <p:cNvPr id="9" name="Picture 8">
+              <a:extLst>
+                <a:ext uri="{FF2B5EF4-FFF2-40B4-BE49-F238E27FC236}">
+                  <a16:creationId xmlns:a16="http://schemas.microsoft.com/office/drawing/2014/main" id="{19A1125C-DB23-BD43-A4FB-C38B33AE9CED}"/>
+                </a:ext>
+              </a:extLst>
+            </p:cNvPr>
+            <p:cNvPicPr>
+              <a:picLocks noChangeAspect="1"/>
+            </p:cNvPicPr>
+            <p:nvPr/>
+          </p:nvPicPr>
+          <p:blipFill>
+            <a:blip r:embed="rId2"/>
+            <a:stretch>
+              <a:fillRect/>
+            </a:stretch>
+          </p:blipFill>
+          <p:spPr>
+            <a:xfrm>
+              <a:off x="5334000" y="1219200"/>
+              <a:ext cx="2761606" cy="2362200"/>
+            </a:xfrm>
+            <a:prstGeom prst="rect">
+              <a:avLst/>
+            </a:prstGeom>
+          </p:spPr>
+        </p:pic>
+        <p:sp>
+          <p:nvSpPr>
+            <p:cNvPr id="10" name="TextBox 9">
+              <a:extLst>
+                <a:ext uri="{FF2B5EF4-FFF2-40B4-BE49-F238E27FC236}">
+                  <a16:creationId xmlns:a16="http://schemas.microsoft.com/office/drawing/2014/main" id="{C294F186-587E-5140-A35A-E0142D03A0E1}"/>
+                </a:ext>
+              </a:extLst>
+            </p:cNvPr>
+            <p:cNvSpPr txBox="1"/>
+            <p:nvPr/>
+          </p:nvSpPr>
+          <p:spPr>
+            <a:xfrm>
+              <a:off x="5562600" y="791499"/>
+              <a:ext cx="1760418" cy="400110"/>
+            </a:xfrm>
+            <a:prstGeom prst="rect">
+              <a:avLst/>
+            </a:prstGeom>
+            <a:noFill/>
+          </p:spPr>
+          <p:txBody>
+            <a:bodyPr wrap="none" rtlCol="0">
+              <a:spAutoFit/>
+            </a:bodyPr>
+            <a:lstStyle/>
+            <a:p>
+              <a:r>
+                <a:rPr lang="en-US" sz="2000" dirty="0"/>
+                <a:t>Functional Bias</a:t>
+              </a:r>
+            </a:p>
+          </p:txBody>
+        </p:sp>
+      </p:grpSp>
+      <p:grpSp>
+        <p:nvGrpSpPr>
+          <p:cNvPr id="16" name="Group 15">
+            <a:extLst>
+              <a:ext uri="{FF2B5EF4-FFF2-40B4-BE49-F238E27FC236}">
+                <a16:creationId xmlns:a16="http://schemas.microsoft.com/office/drawing/2014/main" id="{EDC4810E-683A-0C4C-8B89-DA843C76169F}"/>
+              </a:ext>
+            </a:extLst>
+          </p:cNvPr>
+          <p:cNvGrpSpPr/>
+          <p:nvPr/>
+        </p:nvGrpSpPr>
+        <p:grpSpPr>
+          <a:xfrm>
+            <a:off x="2398727" y="838200"/>
+            <a:ext cx="3390900" cy="3136900"/>
+            <a:chOff x="2876550" y="3703983"/>
+            <a:chExt cx="3390900" cy="3136900"/>
+          </a:xfrm>
+        </p:grpSpPr>
+        <p:pic>
+          <p:nvPicPr>
+            <p:cNvPr id="13" name="Picture 12">
+              <a:extLst>
+                <a:ext uri="{FF2B5EF4-FFF2-40B4-BE49-F238E27FC236}">
+                  <a16:creationId xmlns:a16="http://schemas.microsoft.com/office/drawing/2014/main" id="{3C30F030-9E6C-8F43-AEF9-08E7B4FB2333}"/>
+                </a:ext>
+              </a:extLst>
+            </p:cNvPr>
+            <p:cNvPicPr>
+              <a:picLocks noChangeAspect="1"/>
+            </p:cNvPicPr>
+            <p:nvPr/>
+          </p:nvPicPr>
+          <p:blipFill>
+            <a:blip r:embed="rId3"/>
+            <a:stretch>
+              <a:fillRect/>
+            </a:stretch>
+          </p:blipFill>
+          <p:spPr>
+            <a:xfrm>
+              <a:off x="2876550" y="3703983"/>
+              <a:ext cx="3390900" cy="3136900"/>
+            </a:xfrm>
+            <a:prstGeom prst="rect">
+              <a:avLst/>
+            </a:prstGeom>
+          </p:spPr>
+        </p:pic>
+        <p:sp>
+          <p:nvSpPr>
+            <p:cNvPr id="14" name="TextBox 13">
+              <a:extLst>
+                <a:ext uri="{FF2B5EF4-FFF2-40B4-BE49-F238E27FC236}">
+                  <a16:creationId xmlns:a16="http://schemas.microsoft.com/office/drawing/2014/main" id="{2B4F95A9-E797-574B-8241-5DDA4647FB38}"/>
+                </a:ext>
+              </a:extLst>
+            </p:cNvPr>
+            <p:cNvSpPr txBox="1"/>
+            <p:nvPr/>
+          </p:nvSpPr>
+          <p:spPr>
+            <a:xfrm>
+              <a:off x="4592622" y="3703983"/>
+              <a:ext cx="1548565" cy="400110"/>
+            </a:xfrm>
+            <a:prstGeom prst="rect">
+              <a:avLst/>
+            </a:prstGeom>
+            <a:noFill/>
+          </p:spPr>
+          <p:txBody>
+            <a:bodyPr wrap="none" rtlCol="0">
+              <a:spAutoFit/>
+            </a:bodyPr>
+            <a:lstStyle/>
+            <a:p>
+              <a:r>
+                <a:rPr lang="en-US" sz="2000" dirty="0"/>
+                <a:t>Likely Outlier</a:t>
+              </a:r>
+            </a:p>
+          </p:txBody>
+        </p:sp>
+      </p:grpSp>
+      <p:grpSp>
+        <p:nvGrpSpPr>
+          <p:cNvPr id="15" name="Group 14">
+            <a:extLst>
+              <a:ext uri="{FF2B5EF4-FFF2-40B4-BE49-F238E27FC236}">
+                <a16:creationId xmlns:a16="http://schemas.microsoft.com/office/drawing/2014/main" id="{53A85C2E-618D-AF4E-9FF0-752109F588F1}"/>
+              </a:ext>
+            </a:extLst>
+          </p:cNvPr>
+          <p:cNvGrpSpPr/>
+          <p:nvPr/>
+        </p:nvGrpSpPr>
+        <p:grpSpPr>
+          <a:xfrm>
+            <a:off x="2057400" y="4151684"/>
+            <a:ext cx="3810000" cy="2362105"/>
+            <a:chOff x="457200" y="1096299"/>
+            <a:chExt cx="3810000" cy="2362105"/>
+          </a:xfrm>
+          <a:solidFill>
+            <a:schemeClr val="bg1"/>
+          </a:solidFill>
+        </p:grpSpPr>
+        <p:pic>
+          <p:nvPicPr>
+            <p:cNvPr id="5" name="Picture 4">
+              <a:extLst>
+                <a:ext uri="{FF2B5EF4-FFF2-40B4-BE49-F238E27FC236}">
+                  <a16:creationId xmlns:a16="http://schemas.microsoft.com/office/drawing/2014/main" id="{43A6F7B3-8448-FA46-A70F-0013357393A1}"/>
+                </a:ext>
+              </a:extLst>
+            </p:cNvPr>
+            <p:cNvPicPr>
+              <a:picLocks noChangeAspect="1"/>
+            </p:cNvPicPr>
+            <p:nvPr/>
+          </p:nvPicPr>
+          <p:blipFill>
+            <a:blip r:embed="rId4"/>
+            <a:stretch>
+              <a:fillRect/>
+            </a:stretch>
+          </p:blipFill>
+          <p:spPr>
+            <a:xfrm>
+              <a:off x="914400" y="1267749"/>
+              <a:ext cx="3270250" cy="2152650"/>
+            </a:xfrm>
+            <a:prstGeom prst="rect">
+              <a:avLst/>
+            </a:prstGeom>
+            <a:grpFill/>
+          </p:spPr>
+        </p:pic>
+        <p:sp>
+          <p:nvSpPr>
+            <p:cNvPr id="6" name="Rectangle 5">
+              <a:extLst>
+                <a:ext uri="{FF2B5EF4-FFF2-40B4-BE49-F238E27FC236}">
+                  <a16:creationId xmlns:a16="http://schemas.microsoft.com/office/drawing/2014/main" id="{7D575970-1478-014D-99B7-3351955BDAF1}"/>
+                </a:ext>
+              </a:extLst>
+            </p:cNvPr>
+            <p:cNvSpPr/>
+            <p:nvPr/>
+          </p:nvSpPr>
+          <p:spPr>
+            <a:xfrm>
+              <a:off x="457200" y="1229743"/>
+              <a:ext cx="685800" cy="2228661"/>
+            </a:xfrm>
+            <a:prstGeom prst="rect">
+              <a:avLst/>
+            </a:prstGeom>
+            <a:grpFill/>
+            <a:ln>
+              <a:solidFill>
+                <a:schemeClr val="bg1"/>
+              </a:solidFill>
+            </a:ln>
+            <a:effectLst>
+              <a:outerShdw dist="23000" sx="1000" sy="1000" rotWithShape="0">
+                <a:srgbClr val="000000"/>
+              </a:outerShdw>
+            </a:effectLst>
+          </p:spPr>
+          <p:style>
+            <a:lnRef idx="1">
+              <a:schemeClr val="accent1"/>
+            </a:lnRef>
+            <a:fillRef idx="3">
+              <a:schemeClr val="accent1"/>
+            </a:fillRef>
+            <a:effectRef idx="2">
+              <a:schemeClr val="accent1"/>
+            </a:effectRef>
+            <a:fontRef idx="minor">
+              <a:schemeClr val="lt1"/>
+            </a:fontRef>
+          </p:style>
+          <p:txBody>
+            <a:bodyPr rtlCol="0" anchor="ctr"/>
+            <a:lstStyle/>
+            <a:p>
+              <a:pPr algn="ctr"/>
+              <a:endParaRPr lang="en-US"/>
+            </a:p>
+          </p:txBody>
+        </p:sp>
+        <p:sp>
+          <p:nvSpPr>
+            <p:cNvPr id="7" name="Rectangle 6">
+              <a:extLst>
+                <a:ext uri="{FF2B5EF4-FFF2-40B4-BE49-F238E27FC236}">
+                  <a16:creationId xmlns:a16="http://schemas.microsoft.com/office/drawing/2014/main" id="{7A3F0F30-4157-2C43-A7B7-4EFCFFC4DE98}"/>
+                </a:ext>
+              </a:extLst>
+            </p:cNvPr>
+            <p:cNvSpPr/>
+            <p:nvPr/>
+          </p:nvSpPr>
+          <p:spPr>
+            <a:xfrm>
+              <a:off x="571500" y="1096299"/>
+              <a:ext cx="3695700" cy="245803"/>
+            </a:xfrm>
+            <a:prstGeom prst="rect">
+              <a:avLst/>
+            </a:prstGeom>
+            <a:grpFill/>
+            <a:ln>
+              <a:solidFill>
+                <a:schemeClr val="bg1"/>
+              </a:solidFill>
+            </a:ln>
+            <a:effectLst>
+              <a:outerShdw dist="23000" sx="1000" sy="1000" rotWithShape="0">
+                <a:srgbClr val="000000"/>
+              </a:outerShdw>
+            </a:effectLst>
+          </p:spPr>
+          <p:style>
+            <a:lnRef idx="1">
+              <a:schemeClr val="accent1"/>
+            </a:lnRef>
+            <a:fillRef idx="3">
+              <a:schemeClr val="accent1"/>
+            </a:fillRef>
+            <a:effectRef idx="2">
+              <a:schemeClr val="accent1"/>
+            </a:effectRef>
+            <a:fontRef idx="minor">
+              <a:schemeClr val="lt1"/>
+            </a:fontRef>
+          </p:style>
+          <p:txBody>
+            <a:bodyPr rtlCol="0" anchor="ctr"/>
+            <a:lstStyle/>
+            <a:p>
+              <a:pPr algn="ctr"/>
+              <a:endParaRPr lang="en-US"/>
+            </a:p>
+          </p:txBody>
+        </p:sp>
+        <p:sp>
+          <p:nvSpPr>
+            <p:cNvPr id="11" name="TextBox 10">
+              <a:extLst>
+                <a:ext uri="{FF2B5EF4-FFF2-40B4-BE49-F238E27FC236}">
+                  <a16:creationId xmlns:a16="http://schemas.microsoft.com/office/drawing/2014/main" id="{168ED7C9-949E-4641-BB61-7C0673B533E5}"/>
+                </a:ext>
+              </a:extLst>
+            </p:cNvPr>
+            <p:cNvSpPr txBox="1"/>
+            <p:nvPr/>
+          </p:nvSpPr>
+          <p:spPr>
+            <a:xfrm>
+              <a:off x="1524000" y="1153389"/>
+              <a:ext cx="2255874" cy="400110"/>
+            </a:xfrm>
+            <a:prstGeom prst="rect">
+              <a:avLst/>
+            </a:prstGeom>
+            <a:grpFill/>
+          </p:spPr>
+          <p:txBody>
+            <a:bodyPr wrap="none" rtlCol="0">
+              <a:spAutoFit/>
+            </a:bodyPr>
+            <a:lstStyle/>
+            <a:p>
+              <a:r>
+                <a:rPr lang="en-US" sz="2000" dirty="0" err="1"/>
+                <a:t>Heteroschodasticity</a:t>
+              </a:r>
+              <a:endParaRPr lang="en-US" sz="2000" dirty="0"/>
+            </a:p>
+          </p:txBody>
+        </p:sp>
+      </p:grpSp>
+    </p:spTree>
+    <p:extLst>
+      <p:ext uri="{BB962C8B-B14F-4D97-AF65-F5344CB8AC3E}">
+        <p14:creationId xmlns:p14="http://schemas.microsoft.com/office/powerpoint/2010/main" val="3795647050"/>
+      </p:ext>
+    </p:extLst>
+  </p:cSld>
+  <p:clrMapOvr>
+    <a:masterClrMapping/>
+  </p:clrMapOvr>
+  <p:timing>
+    <p:tnLst>
+      <p:par>
+        <p:cTn id="1" dur="indefinite" restart="never" nodeType="tmRoot">
+          <p:childTnLst>
+            <p:seq concurrent="1" nextAc="seek">
+              <p:cTn id="2" dur="indefinite" nodeType="mainSeq">
+                <p:childTnLst>
+                  <p:par>
+                    <p:cTn id="3" fill="hold">
+                      <p:stCondLst>
+                        <p:cond delay="indefinite"/>
+                      </p:stCondLst>
+                      <p:childTnLst>
+                        <p:par>
+                          <p:cTn id="4" fill="hold">
+                            <p:stCondLst>
+                              <p:cond delay="0"/>
+                            </p:stCondLst>
+                            <p:childTnLst>
+                              <p:par>
+                                <p:cTn id="5" presetID="1" presetClass="entr" presetSubtype="0" fill="hold" nodeType="clickEffect">
+                                  <p:stCondLst>
+                                    <p:cond delay="0"/>
+                                  </p:stCondLst>
+                                  <p:childTnLst>
+                                    <p:set>
+                                      <p:cBhvr>
+                                        <p:cTn id="6" dur="1" fill="hold">
+                                          <p:stCondLst>
+                                            <p:cond delay="0"/>
+                                          </p:stCondLst>
+                                        </p:cTn>
+                                        <p:tgtEl>
+                                          <p:spTgt spid="16"/>
+                                        </p:tgtEl>
+                                        <p:attrNameLst>
+                                          <p:attrName>style.visibility</p:attrName>
+                                        </p:attrNameLst>
+                                      </p:cBhvr>
+                                      <p:to>
+                                        <p:strVal val="visible"/>
+                                      </p:to>
+                                    </p:set>
+                                  </p:childTnLst>
+                                </p:cTn>
+                              </p:par>
+                            </p:childTnLst>
+                          </p:cTn>
+                        </p:par>
+                      </p:childTnLst>
+                    </p:cTn>
+                  </p:par>
+                  <p:par>
+                    <p:cTn id="7" fill="hold">
+                      <p:stCondLst>
+                        <p:cond delay="indefinite"/>
+                      </p:stCondLst>
+                      <p:childTnLst>
+                        <p:par>
+                          <p:cTn id="8" fill="hold">
+                            <p:stCondLst>
+                              <p:cond delay="0"/>
+                            </p:stCondLst>
+                            <p:childTnLst>
+                              <p:par>
+                                <p:cTn id="9" presetID="1" presetClass="entr" presetSubtype="0" fill="hold" nodeType="clickEffect">
+                                  <p:stCondLst>
+                                    <p:cond delay="0"/>
+                                  </p:stCondLst>
+                                  <p:childTnLst>
+                                    <p:set>
+                                      <p:cBhvr>
+                                        <p:cTn id="10" dur="1" fill="hold">
+                                          <p:stCondLst>
+                                            <p:cond delay="0"/>
+                                          </p:stCondLst>
+                                        </p:cTn>
+                                        <p:tgtEl>
+                                          <p:spTgt spid="17"/>
+                                        </p:tgtEl>
+                                        <p:attrNameLst>
+                                          <p:attrName>style.visibility</p:attrName>
+                                        </p:attrNameLst>
+                                      </p:cBhvr>
+                                      <p:to>
+                                        <p:strVal val="visible"/>
+                                      </p:to>
+                                    </p:set>
+                                  </p:childTnLst>
+                                </p:cTn>
+                              </p:par>
+                            </p:childTnLst>
+                          </p:cTn>
+                        </p:par>
+                      </p:childTnLst>
+                    </p:cTn>
+                  </p:par>
+                  <p:par>
+                    <p:cTn id="11" fill="hold">
+                      <p:stCondLst>
+                        <p:cond delay="indefinite"/>
+                      </p:stCondLst>
+                      <p:childTnLst>
+                        <p:par>
+                          <p:cTn id="12" fill="hold">
+                            <p:stCondLst>
+                              <p:cond delay="0"/>
+                            </p:stCondLst>
+                            <p:childTnLst>
+                              <p:par>
+                                <p:cTn id="13" presetID="1" presetClass="entr" presetSubtype="0" fill="hold" nodeType="clickEffect">
+                                  <p:stCondLst>
+                                    <p:cond delay="0"/>
+                                  </p:stCondLst>
+                                  <p:childTnLst>
+                                    <p:set>
+                                      <p:cBhvr>
+                                        <p:cTn id="14" dur="1" fill="hold">
+                                          <p:stCondLst>
+                                            <p:cond delay="0"/>
+                                          </p:stCondLst>
+                                        </p:cTn>
+                                        <p:tgtEl>
+                                          <p:spTgt spid="15"/>
+                                        </p:tgtEl>
+                                        <p:attrNameLst>
+                                          <p:attrName>style.visibility</p:attrName>
+                                        </p:attrNameLst>
+                                      </p:cBhvr>
+                                      <p:to>
+                                        <p:strVal val="visible"/>
+                                      </p:to>
+                                    </p:set>
+                                  </p:childTnLst>
+                                </p:cTn>
+                              </p:par>
+                            </p:childTnLst>
+                          </p:cTn>
+                        </p:par>
+                      </p:childTnLst>
+                    </p:cTn>
+                  </p:par>
+                </p:childTnLst>
+              </p:cTn>
+              <p:prevCondLst>
+                <p:cond evt="onPrev" delay="0">
+                  <p:tgtEl>
+                    <p:sldTgt/>
+                  </p:tgtEl>
+                </p:cond>
+              </p:prevCondLst>
+              <p:nextCondLst>
+                <p:cond evt="onNext" delay="0">
+                  <p:tgtEl>
+                    <p:sldTgt/>
+                  </p:tgtEl>
+                </p:cond>
+              </p:nextCondLst>
+            </p:seq>
+          </p:childTnLst>
+        </p:cTn>
+      </p:par>
+    </p:tnLst>
+  </p:timing>
+</p:sld>
+</file>
+
+<file path=ppt/slides/slide11.xml><?xml version="1.0" encoding="utf-8"?>
+<p:sld xmlns:a="http://schemas.openxmlformats.org/drawingml/2006/main" xmlns:r="http://schemas.openxmlformats.org/officeDocument/2006/relationships" xmlns:p="http://schemas.openxmlformats.org/presentationml/2006/main">
+  <p:cSld>
+    <p:spTree>
+      <p:nvGrpSpPr>
+        <p:cNvPr id="1" name=""/>
+        <p:cNvGrpSpPr/>
+        <p:nvPr/>
+      </p:nvGrpSpPr>
+      <p:grpSpPr>
+        <a:xfrm>
+          <a:off x="0" y="0"/>
+          <a:ext cx="0" cy="0"/>
+          <a:chOff x="0" y="0"/>
+          <a:chExt cx="0" cy="0"/>
+        </a:xfrm>
+      </p:grpSpPr>
+      <mc:AlternateContent xmlns:mc="http://schemas.openxmlformats.org/markup-compatibility/2006">
+        <mc:Choice xmlns:a14="http://schemas.microsoft.com/office/drawing/2010/main" Requires="a14">
+          <p:sp>
+            <p:nvSpPr>
+              <p:cNvPr id="2" name="Title 1">
+                <a:extLst>
+                  <a:ext uri="{FF2B5EF4-FFF2-40B4-BE49-F238E27FC236}">
+                    <a16:creationId xmlns:a16="http://schemas.microsoft.com/office/drawing/2014/main" id="{8F25CC62-9A33-B347-96DA-4ACFB99F45D7}"/>
+                  </a:ext>
+                </a:extLst>
+              </p:cNvPr>
+              <p:cNvSpPr>
+                <a:spLocks noGrp="1"/>
+              </p:cNvSpPr>
+              <p:nvPr>
+                <p:ph type="title"/>
+              </p:nvPr>
+            </p:nvSpPr>
+            <p:spPr>
+              <a:xfrm>
+                <a:off x="838200" y="-135619"/>
+                <a:ext cx="10515600" cy="1325563"/>
+              </a:xfrm>
+            </p:spPr>
+            <p:txBody>
+              <a:bodyPr/>
+              <a:lstStyle/>
+              <a:p>
+                <a:r>
+                  <a:rPr lang="en-US" dirty="0"/>
+                  <a:t>Quantifying Model Quality: </a:t>
+                </a:r>
+                <a14:m>
+                  <m:oMath xmlns:m="http://schemas.openxmlformats.org/officeDocument/2006/math">
+                    <m:sSup>
+                      <m:sSupPr>
+                        <m:ctrlPr>
+                          <a:rPr lang="en-US" b="1" i="1" smtClean="0">
+                            <a:latin typeface="Cambria Math" panose="02040503050406030204" pitchFamily="18" charset="0"/>
+                          </a:rPr>
+                        </m:ctrlPr>
+                      </m:sSupPr>
+                      <m:e>
+                        <m:r>
+                          <a:rPr lang="en-US" b="1" i="1" smtClean="0">
+                            <a:latin typeface="Cambria Math" panose="02040503050406030204" pitchFamily="18" charset="0"/>
+                          </a:rPr>
+                          <m:t>𝑹</m:t>
+                        </m:r>
+                      </m:e>
+                      <m:sup>
+                        <m:r>
+                          <a:rPr lang="en-US" b="1" i="1" smtClean="0">
+                            <a:latin typeface="Cambria Math" panose="02040503050406030204" pitchFamily="18" charset="0"/>
+                          </a:rPr>
+                          <m:t>𝟐</m:t>
+                        </m:r>
+                      </m:sup>
+                    </m:sSup>
+                  </m:oMath>
+                </a14:m>
+                <a:endParaRPr lang="en-US" dirty="0"/>
+              </a:p>
+            </p:txBody>
+          </p:sp>
+        </mc:Choice>
+        <mc:Fallback>
+          <p:sp>
+            <p:nvSpPr>
+              <p:cNvPr id="2" name="Title 1">
+                <a:extLst>
+                  <a:ext uri="{FF2B5EF4-FFF2-40B4-BE49-F238E27FC236}">
+                    <a16:creationId xmlns:a16="http://schemas.microsoft.com/office/drawing/2014/main" id="{8F25CC62-9A33-B347-96DA-4ACFB99F45D7}"/>
+                  </a:ext>
+                </a:extLst>
+              </p:cNvPr>
+              <p:cNvSpPr>
+                <a:spLocks noGrp="1" noRot="1" noChangeAspect="1" noMove="1" noResize="1" noEditPoints="1" noAdjustHandles="1" noChangeArrowheads="1" noChangeShapeType="1" noTextEdit="1"/>
+              </p:cNvSpPr>
+              <p:nvPr>
+                <p:ph type="title"/>
+              </p:nvPr>
+            </p:nvSpPr>
+            <p:spPr>
+              <a:xfrm>
+                <a:off x="838200" y="-135619"/>
+                <a:ext cx="10515600" cy="1325563"/>
+              </a:xfrm>
+              <a:blipFill>
+                <a:blip r:embed="rId2"/>
+                <a:stretch>
+                  <a:fillRect l="-2292"/>
+                </a:stretch>
+              </a:blipFill>
+            </p:spPr>
+            <p:txBody>
+              <a:bodyPr/>
+              <a:lstStyle/>
+              <a:p>
+                <a:r>
+                  <a:rPr lang="en-US">
+                    <a:noFill/>
+                  </a:rPr>
+                  <a:t> </a:t>
+                </a:r>
+              </a:p>
+            </p:txBody>
+          </p:sp>
+        </mc:Fallback>
+      </mc:AlternateContent>
+      <p:sp>
+        <p:nvSpPr>
+          <p:cNvPr id="3" name="Slide Number Placeholder 2">
+            <a:extLst>
+              <a:ext uri="{FF2B5EF4-FFF2-40B4-BE49-F238E27FC236}">
+                <a16:creationId xmlns:a16="http://schemas.microsoft.com/office/drawing/2014/main" id="{A669C8F2-1590-6F45-9CB2-1572F3279198}"/>
+              </a:ext>
+            </a:extLst>
+          </p:cNvPr>
+          <p:cNvSpPr>
+            <a:spLocks noGrp="1"/>
+          </p:cNvSpPr>
+          <p:nvPr>
+            <p:ph type="sldNum" sz="quarter" idx="11"/>
+          </p:nvPr>
+        </p:nvSpPr>
+        <p:spPr/>
+        <p:txBody>
+          <a:bodyPr/>
+          <a:lstStyle/>
+          <a:p>
+            <a:pPr>
+              <a:defRPr/>
+            </a:pPr>
+            <a:fld id="{2E4304A7-0FB2-4094-BC1E-DB17183AD0C1}" type="slidenum">
+              <a:rPr lang="en-US" altLang="x-none" smtClean="0"/>
+              <a:pPr>
+                <a:defRPr/>
+              </a:pPr>
+              <a:t>11</a:t>
+            </a:fld>
+            <a:endParaRPr lang="en-US" altLang="x-none"/>
+          </a:p>
+        </p:txBody>
+      </p:sp>
+      <p:pic>
+        <p:nvPicPr>
+          <p:cNvPr id="4" name="Picture 3">
+            <a:extLst>
+              <a:ext uri="{FF2B5EF4-FFF2-40B4-BE49-F238E27FC236}">
+                <a16:creationId xmlns:a16="http://schemas.microsoft.com/office/drawing/2014/main" id="{C7D92168-3C78-5E43-9449-B628AADE85CF}"/>
+              </a:ext>
+            </a:extLst>
+          </p:cNvPr>
+          <p:cNvPicPr>
+            <a:picLocks noChangeAspect="1"/>
+          </p:cNvPicPr>
+          <p:nvPr/>
+        </p:nvPicPr>
+        <p:blipFill>
+          <a:blip r:embed="rId3"/>
+          <a:stretch>
+            <a:fillRect/>
+          </a:stretch>
+        </p:blipFill>
+        <p:spPr>
+          <a:xfrm>
+            <a:off x="3051811" y="2239758"/>
+            <a:ext cx="2743200" cy="1904104"/>
+          </a:xfrm>
+          <a:prstGeom prst="rect">
+            <a:avLst/>
+          </a:prstGeom>
+        </p:spPr>
+      </p:pic>
+      <p:pic>
+        <p:nvPicPr>
+          <p:cNvPr id="5" name="Picture 4">
+            <a:extLst>
+              <a:ext uri="{FF2B5EF4-FFF2-40B4-BE49-F238E27FC236}">
+                <a16:creationId xmlns:a16="http://schemas.microsoft.com/office/drawing/2014/main" id="{47926247-FAA6-8C4B-B960-C11A5BC1B228}"/>
+              </a:ext>
+            </a:extLst>
+          </p:cNvPr>
+          <p:cNvPicPr>
+            <a:picLocks noChangeAspect="1"/>
+          </p:cNvPicPr>
+          <p:nvPr/>
+        </p:nvPicPr>
+        <p:blipFill>
+          <a:blip r:embed="rId4"/>
+          <a:stretch>
+            <a:fillRect/>
+          </a:stretch>
+        </p:blipFill>
+        <p:spPr>
+          <a:xfrm>
+            <a:off x="6099812" y="2254532"/>
+            <a:ext cx="2745499" cy="1860268"/>
+          </a:xfrm>
+          <a:prstGeom prst="rect">
+            <a:avLst/>
+          </a:prstGeom>
+        </p:spPr>
+      </p:pic>
+      <mc:AlternateContent xmlns:mc="http://schemas.openxmlformats.org/markup-compatibility/2006">
+        <mc:Choice xmlns:a14="http://schemas.microsoft.com/office/drawing/2010/main" Requires="a14">
+          <p:sp>
+            <p:nvSpPr>
+              <p:cNvPr id="6" name="TextBox 5">
+                <a:extLst>
+                  <a:ext uri="{FF2B5EF4-FFF2-40B4-BE49-F238E27FC236}">
+                    <a16:creationId xmlns:a16="http://schemas.microsoft.com/office/drawing/2014/main" id="{191DB443-7981-CB40-871D-3875693439E0}"/>
+                  </a:ext>
+                </a:extLst>
+              </p:cNvPr>
+              <p:cNvSpPr txBox="1"/>
+              <p:nvPr/>
+            </p:nvSpPr>
+            <p:spPr>
+              <a:xfrm>
+                <a:off x="3509011" y="1905001"/>
+                <a:ext cx="1163780" cy="276999"/>
+              </a:xfrm>
+              <a:prstGeom prst="rect">
+                <a:avLst/>
+              </a:prstGeom>
+              <a:noFill/>
+            </p:spPr>
+            <p:txBody>
+              <a:bodyPr wrap="none" lIns="0" tIns="0" rIns="0" bIns="0" rtlCol="0">
+                <a:spAutoFit/>
+              </a:bodyPr>
+              <a:lstStyle/>
+              <a:p>
+                <a:pPr/>
+                <a14:m>
+                  <m:oMathPara xmlns:m="http://schemas.openxmlformats.org/officeDocument/2006/math">
+                    <m:oMathParaPr>
+                      <m:jc m:val="centerGroup"/>
+                    </m:oMathParaPr>
+                    <m:oMath xmlns:m="http://schemas.openxmlformats.org/officeDocument/2006/math">
+                      <m:r>
+                        <a:rPr lang="en-US" i="1">
+                          <a:latin typeface="Cambria Math" panose="02040503050406030204" pitchFamily="18" charset="0"/>
+                        </a:rPr>
+                        <m:t>𝑦</m:t>
+                      </m:r>
+                      <m:r>
+                        <a:rPr lang="en-US" i="1">
+                          <a:latin typeface="Cambria Math" panose="02040503050406030204" pitchFamily="18" charset="0"/>
+                        </a:rPr>
+                        <m:t>=</m:t>
+                      </m:r>
+                      <m:r>
+                        <a:rPr lang="en-US" i="1">
+                          <a:latin typeface="Cambria Math" panose="02040503050406030204" pitchFamily="18" charset="0"/>
+                        </a:rPr>
+                        <m:t>𝑎𝑥</m:t>
+                      </m:r>
+                      <m:r>
+                        <a:rPr lang="en-US" i="1">
+                          <a:latin typeface="Cambria Math" panose="02040503050406030204" pitchFamily="18" charset="0"/>
+                        </a:rPr>
+                        <m:t>+</m:t>
+                      </m:r>
+                      <m:r>
+                        <a:rPr lang="en-US" i="1">
+                          <a:latin typeface="Cambria Math" panose="02040503050406030204" pitchFamily="18" charset="0"/>
+                        </a:rPr>
+                        <m:t>𝑏</m:t>
+                      </m:r>
+                    </m:oMath>
+                  </m:oMathPara>
+                </a14:m>
+                <a:endParaRPr lang="en-US" dirty="0"/>
+              </a:p>
+            </p:txBody>
+          </p:sp>
+        </mc:Choice>
+        <mc:Fallback>
+          <p:sp>
+            <p:nvSpPr>
+              <p:cNvPr id="6" name="TextBox 5">
+                <a:extLst>
+                  <a:ext uri="{FF2B5EF4-FFF2-40B4-BE49-F238E27FC236}">
+                    <a16:creationId xmlns:a16="http://schemas.microsoft.com/office/drawing/2014/main" id="{191DB443-7981-CB40-871D-3875693439E0}"/>
+                  </a:ext>
+                </a:extLst>
+              </p:cNvPr>
+              <p:cNvSpPr txBox="1">
+                <a:spLocks noRot="1" noChangeAspect="1" noMove="1" noResize="1" noEditPoints="1" noAdjustHandles="1" noChangeArrowheads="1" noChangeShapeType="1" noTextEdit="1"/>
+              </p:cNvSpPr>
+              <p:nvPr/>
+            </p:nvSpPr>
+            <p:spPr>
+              <a:xfrm>
+                <a:off x="3509011" y="1905001"/>
+                <a:ext cx="1163780" cy="276999"/>
+              </a:xfrm>
+              <a:prstGeom prst="rect">
+                <a:avLst/>
+              </a:prstGeom>
+              <a:blipFill>
+                <a:blip r:embed="rId5"/>
+                <a:stretch>
+                  <a:fillRect l="-4348" r="-3261" b="-21739"/>
+                </a:stretch>
+              </a:blipFill>
+            </p:spPr>
+            <p:txBody>
+              <a:bodyPr/>
+              <a:lstStyle/>
+              <a:p>
+                <a:r>
+                  <a:rPr lang="en-US">
+                    <a:noFill/>
+                  </a:rPr>
+                  <a:t> </a:t>
+                </a:r>
+              </a:p>
+            </p:txBody>
+          </p:sp>
+        </mc:Fallback>
+      </mc:AlternateContent>
+      <mc:AlternateContent xmlns:mc="http://schemas.openxmlformats.org/markup-compatibility/2006">
+        <mc:Choice xmlns:a14="http://schemas.microsoft.com/office/drawing/2010/main" Requires="a14">
+          <p:sp>
+            <p:nvSpPr>
+              <p:cNvPr id="7" name="TextBox 6">
+                <a:extLst>
+                  <a:ext uri="{FF2B5EF4-FFF2-40B4-BE49-F238E27FC236}">
+                    <a16:creationId xmlns:a16="http://schemas.microsoft.com/office/drawing/2014/main" id="{4E25F017-BCE8-1249-8C93-20491398FD4F}"/>
+                  </a:ext>
+                </a:extLst>
+              </p:cNvPr>
+              <p:cNvSpPr txBox="1"/>
+              <p:nvPr/>
+            </p:nvSpPr>
+            <p:spPr>
+              <a:xfrm>
+                <a:off x="6330710" y="1880345"/>
+                <a:ext cx="3529876" cy="276999"/>
+              </a:xfrm>
+              <a:prstGeom prst="rect">
+                <a:avLst/>
+              </a:prstGeom>
+              <a:noFill/>
+            </p:spPr>
+            <p:txBody>
+              <a:bodyPr wrap="none" lIns="0" tIns="0" rIns="0" bIns="0" rtlCol="0">
+                <a:spAutoFit/>
+              </a:bodyPr>
+              <a:lstStyle/>
+              <a:p>
+                <a:pPr/>
+                <a14:m>
+                  <m:oMathPara xmlns:m="http://schemas.openxmlformats.org/officeDocument/2006/math">
+                    <m:oMathParaPr>
+                      <m:jc m:val="centerGroup"/>
+                    </m:oMathParaPr>
+                    <m:oMath xmlns:m="http://schemas.openxmlformats.org/officeDocument/2006/math">
+                      <m:r>
+                        <a:rPr lang="en-US" i="1">
+                          <a:latin typeface="Cambria Math" panose="02040503050406030204" pitchFamily="18" charset="0"/>
+                        </a:rPr>
+                        <m:t>𝑦</m:t>
+                      </m:r>
+                      <m:r>
+                        <a:rPr lang="en-US" i="1">
+                          <a:latin typeface="Cambria Math" panose="02040503050406030204" pitchFamily="18" charset="0"/>
+                        </a:rPr>
+                        <m:t>=</m:t>
+                      </m:r>
+                      <m:sSub>
+                        <m:sSubPr>
+                          <m:ctrlPr>
+                            <a:rPr lang="en-US" i="1">
+                              <a:latin typeface="Cambria Math" panose="02040503050406030204" pitchFamily="18" charset="0"/>
+                            </a:rPr>
+                          </m:ctrlPr>
+                        </m:sSubPr>
+                        <m:e>
+                          <m:r>
+                            <a:rPr lang="en-US" i="1">
+                              <a:latin typeface="Cambria Math" panose="02040503050406030204" pitchFamily="18" charset="0"/>
+                            </a:rPr>
+                            <m:t>𝑎</m:t>
+                          </m:r>
+                        </m:e>
+                        <m:sub>
+                          <m:r>
+                            <a:rPr lang="en-US" i="1">
+                              <a:latin typeface="Cambria Math" panose="02040503050406030204" pitchFamily="18" charset="0"/>
+                            </a:rPr>
+                            <m:t>1</m:t>
+                          </m:r>
+                        </m:sub>
+                      </m:sSub>
+                      <m:r>
+                        <a:rPr lang="en-US" i="1">
+                          <a:latin typeface="Cambria Math" panose="02040503050406030204" pitchFamily="18" charset="0"/>
+                        </a:rPr>
+                        <m:t>𝑥</m:t>
+                      </m:r>
+                      <m:r>
+                        <a:rPr lang="en-US" i="1">
+                          <a:latin typeface="Cambria Math" panose="02040503050406030204" pitchFamily="18" charset="0"/>
+                        </a:rPr>
+                        <m:t>+</m:t>
+                      </m:r>
+                      <m:sSub>
+                        <m:sSubPr>
+                          <m:ctrlPr>
+                            <a:rPr lang="en-US" i="1">
+                              <a:latin typeface="Cambria Math" panose="02040503050406030204" pitchFamily="18" charset="0"/>
+                            </a:rPr>
+                          </m:ctrlPr>
+                        </m:sSubPr>
+                        <m:e>
+                          <m:r>
+                            <a:rPr lang="en-US" i="1">
+                              <a:latin typeface="Cambria Math" panose="02040503050406030204" pitchFamily="18" charset="0"/>
+                            </a:rPr>
+                            <m:t>𝑎</m:t>
+                          </m:r>
+                        </m:e>
+                        <m:sub>
+                          <m:r>
+                            <a:rPr lang="en-US" i="1">
+                              <a:latin typeface="Cambria Math" panose="02040503050406030204" pitchFamily="18" charset="0"/>
+                            </a:rPr>
+                            <m:t>2</m:t>
+                          </m:r>
+                        </m:sub>
+                      </m:sSub>
+                      <m:sSup>
+                        <m:sSupPr>
+                          <m:ctrlPr>
+                            <a:rPr lang="en-US" i="1">
+                              <a:latin typeface="Cambria Math" panose="02040503050406030204" pitchFamily="18" charset="0"/>
+                            </a:rPr>
+                          </m:ctrlPr>
+                        </m:sSupPr>
+                        <m:e>
+                          <m:r>
+                            <a:rPr lang="en-US" i="1">
+                              <a:latin typeface="Cambria Math" panose="02040503050406030204" pitchFamily="18" charset="0"/>
+                            </a:rPr>
+                            <m:t>𝑥</m:t>
+                          </m:r>
+                        </m:e>
+                        <m:sup>
+                          <m:r>
+                            <a:rPr lang="en-US" i="1">
+                              <a:latin typeface="Cambria Math" panose="02040503050406030204" pitchFamily="18" charset="0"/>
+                            </a:rPr>
+                            <m:t>2</m:t>
+                          </m:r>
+                        </m:sup>
+                      </m:sSup>
+                      <m:r>
+                        <a:rPr lang="en-US" i="1">
+                          <a:latin typeface="Cambria Math" panose="02040503050406030204" pitchFamily="18" charset="0"/>
+                        </a:rPr>
+                        <m:t>+</m:t>
+                      </m:r>
+                      <m:sSub>
+                        <m:sSubPr>
+                          <m:ctrlPr>
+                            <a:rPr lang="en-US" i="1">
+                              <a:latin typeface="Cambria Math" panose="02040503050406030204" pitchFamily="18" charset="0"/>
+                            </a:rPr>
+                          </m:ctrlPr>
+                        </m:sSubPr>
+                        <m:e>
+                          <m:r>
+                            <a:rPr lang="en-US" i="1">
+                              <a:latin typeface="Cambria Math" panose="02040503050406030204" pitchFamily="18" charset="0"/>
+                            </a:rPr>
+                            <m:t>𝑎</m:t>
+                          </m:r>
+                        </m:e>
+                        <m:sub>
+                          <m:r>
+                            <a:rPr lang="en-US" i="1">
+                              <a:latin typeface="Cambria Math" panose="02040503050406030204" pitchFamily="18" charset="0"/>
+                            </a:rPr>
+                            <m:t>3</m:t>
+                          </m:r>
+                        </m:sub>
+                      </m:sSub>
+                      <m:sSup>
+                        <m:sSupPr>
+                          <m:ctrlPr>
+                            <a:rPr lang="en-US" i="1">
+                              <a:latin typeface="Cambria Math" panose="02040503050406030204" pitchFamily="18" charset="0"/>
+                            </a:rPr>
+                          </m:ctrlPr>
+                        </m:sSupPr>
+                        <m:e>
+                          <m:r>
+                            <a:rPr lang="en-US" i="1">
+                              <a:latin typeface="Cambria Math" panose="02040503050406030204" pitchFamily="18" charset="0"/>
+                            </a:rPr>
+                            <m:t>𝑥</m:t>
+                          </m:r>
+                        </m:e>
+                        <m:sup>
+                          <m:r>
+                            <a:rPr lang="en-US" i="1">
+                              <a:latin typeface="Cambria Math" panose="02040503050406030204" pitchFamily="18" charset="0"/>
+                            </a:rPr>
+                            <m:t>3</m:t>
+                          </m:r>
+                        </m:sup>
+                      </m:sSup>
+                      <m:r>
+                        <a:rPr lang="en-US" i="1">
+                          <a:latin typeface="Cambria Math" panose="02040503050406030204" pitchFamily="18" charset="0"/>
+                        </a:rPr>
+                        <m:t>+</m:t>
+                      </m:r>
+                      <m:sSub>
+                        <m:sSubPr>
+                          <m:ctrlPr>
+                            <a:rPr lang="en-US" i="1">
+                              <a:latin typeface="Cambria Math" panose="02040503050406030204" pitchFamily="18" charset="0"/>
+                            </a:rPr>
+                          </m:ctrlPr>
+                        </m:sSubPr>
+                        <m:e>
+                          <m:r>
+                            <a:rPr lang="en-US" i="1">
+                              <a:latin typeface="Cambria Math" panose="02040503050406030204" pitchFamily="18" charset="0"/>
+                            </a:rPr>
+                            <m:t>𝑎</m:t>
+                          </m:r>
+                        </m:e>
+                        <m:sub>
+                          <m:r>
+                            <a:rPr lang="en-US" i="1">
+                              <a:latin typeface="Cambria Math" panose="02040503050406030204" pitchFamily="18" charset="0"/>
+                            </a:rPr>
+                            <m:t>4</m:t>
+                          </m:r>
+                        </m:sub>
+                      </m:sSub>
+                      <m:sSup>
+                        <m:sSupPr>
+                          <m:ctrlPr>
+                            <a:rPr lang="en-US" i="1">
+                              <a:latin typeface="Cambria Math" panose="02040503050406030204" pitchFamily="18" charset="0"/>
+                            </a:rPr>
+                          </m:ctrlPr>
+                        </m:sSupPr>
+                        <m:e>
+                          <m:r>
+                            <a:rPr lang="en-US" i="1">
+                              <a:latin typeface="Cambria Math" panose="02040503050406030204" pitchFamily="18" charset="0"/>
+                            </a:rPr>
+                            <m:t>𝑥</m:t>
+                          </m:r>
+                        </m:e>
+                        <m:sup>
+                          <m:r>
+                            <a:rPr lang="en-US" i="1">
+                              <a:latin typeface="Cambria Math" panose="02040503050406030204" pitchFamily="18" charset="0"/>
+                            </a:rPr>
+                            <m:t>4</m:t>
+                          </m:r>
+                        </m:sup>
+                      </m:sSup>
+                      <m:r>
+                        <a:rPr lang="en-US" i="1">
+                          <a:latin typeface="Cambria Math" panose="02040503050406030204" pitchFamily="18" charset="0"/>
+                        </a:rPr>
+                        <m:t>+</m:t>
+                      </m:r>
+                      <m:r>
+                        <a:rPr lang="en-US" i="1">
+                          <a:latin typeface="Cambria Math" panose="02040503050406030204" pitchFamily="18" charset="0"/>
+                        </a:rPr>
+                        <m:t>𝑏</m:t>
+                      </m:r>
+                    </m:oMath>
+                  </m:oMathPara>
+                </a14:m>
+                <a:endParaRPr lang="en-US" dirty="0"/>
+              </a:p>
+            </p:txBody>
+          </p:sp>
+        </mc:Choice>
+        <mc:Fallback>
+          <p:sp>
+            <p:nvSpPr>
+              <p:cNvPr id="7" name="TextBox 6">
+                <a:extLst>
+                  <a:ext uri="{FF2B5EF4-FFF2-40B4-BE49-F238E27FC236}">
+                    <a16:creationId xmlns:a16="http://schemas.microsoft.com/office/drawing/2014/main" id="{4E25F017-BCE8-1249-8C93-20491398FD4F}"/>
+                  </a:ext>
+                </a:extLst>
+              </p:cNvPr>
+              <p:cNvSpPr txBox="1">
+                <a:spLocks noRot="1" noChangeAspect="1" noMove="1" noResize="1" noEditPoints="1" noAdjustHandles="1" noChangeArrowheads="1" noChangeShapeType="1" noTextEdit="1"/>
+              </p:cNvSpPr>
+              <p:nvPr/>
+            </p:nvSpPr>
+            <p:spPr>
+              <a:xfrm>
+                <a:off x="6330710" y="1880345"/>
+                <a:ext cx="3529876" cy="276999"/>
+              </a:xfrm>
+              <a:prstGeom prst="rect">
+                <a:avLst/>
+              </a:prstGeom>
+              <a:blipFill>
+                <a:blip r:embed="rId6"/>
+                <a:stretch>
+                  <a:fillRect l="-717" t="-4348" r="-1075" b="-21739"/>
+                </a:stretch>
+              </a:blipFill>
+            </p:spPr>
+            <p:txBody>
+              <a:bodyPr/>
+              <a:lstStyle/>
+              <a:p>
+                <a:r>
+                  <a:rPr lang="en-US">
+                    <a:noFill/>
+                  </a:rPr>
+                  <a:t> </a:t>
+                </a:r>
+              </a:p>
+            </p:txBody>
+          </p:sp>
+        </mc:Fallback>
+      </mc:AlternateContent>
+      <mc:AlternateContent xmlns:mc="http://schemas.openxmlformats.org/markup-compatibility/2006">
+        <mc:Choice xmlns:a14="http://schemas.microsoft.com/office/drawing/2010/main" Requires="a14">
+          <p:sp>
+            <p:nvSpPr>
+              <p:cNvPr id="9" name="Rectangle 8">
+                <a:extLst>
+                  <a:ext uri="{FF2B5EF4-FFF2-40B4-BE49-F238E27FC236}">
+                    <a16:creationId xmlns:a16="http://schemas.microsoft.com/office/drawing/2014/main" id="{D8AD2DC4-9639-A44E-ABDF-3E6CC00A001F}"/>
+                  </a:ext>
+                </a:extLst>
+              </p:cNvPr>
+              <p:cNvSpPr/>
+              <p:nvPr/>
+            </p:nvSpPr>
+            <p:spPr>
+              <a:xfrm>
+                <a:off x="2247308" y="891274"/>
+                <a:ext cx="6134693" cy="861326"/>
+              </a:xfrm>
+              <a:prstGeom prst="rect">
+                <a:avLst/>
+              </a:prstGeom>
+            </p:spPr>
+            <p:txBody>
+              <a:bodyPr wrap="none">
+                <a:spAutoFit/>
+              </a:bodyPr>
+              <a:lstStyle/>
+              <a:p>
+                <a:pPr/>
+                <a14:m>
+                  <m:oMathPara xmlns:m="http://schemas.openxmlformats.org/officeDocument/2006/math">
+                    <m:oMathParaPr>
+                      <m:jc m:val="centerGroup"/>
+                    </m:oMathParaPr>
+                    <m:oMath xmlns:m="http://schemas.openxmlformats.org/officeDocument/2006/math">
+                      <m:sSup>
+                        <m:sSupPr>
+                          <m:ctrlPr>
+                            <a:rPr lang="en-US" sz="2400" i="1">
+                              <a:latin typeface="Cambria Math" panose="02040503050406030204" pitchFamily="18" charset="0"/>
+                            </a:rPr>
+                          </m:ctrlPr>
+                        </m:sSupPr>
+                        <m:e>
+                          <m:r>
+                            <a:rPr lang="en-US" sz="2400" i="1">
+                              <a:latin typeface="Cambria Math" panose="02040503050406030204" pitchFamily="18" charset="0"/>
+                            </a:rPr>
+                            <m:t>𝑅</m:t>
+                          </m:r>
+                        </m:e>
+                        <m:sup>
+                          <m:r>
+                            <a:rPr lang="en-US" sz="2400" i="1">
+                              <a:latin typeface="Cambria Math" panose="02040503050406030204" pitchFamily="18" charset="0"/>
+                            </a:rPr>
+                            <m:t>2</m:t>
+                          </m:r>
+                        </m:sup>
+                      </m:sSup>
+                      <m:r>
+                        <a:rPr lang="en-US" sz="2400" i="1">
+                          <a:latin typeface="Cambria Math" panose="02040503050406030204" pitchFamily="18" charset="0"/>
+                        </a:rPr>
+                        <m:t>=</m:t>
+                      </m:r>
+                      <m:f>
+                        <m:fPr>
+                          <m:ctrlPr>
+                            <a:rPr lang="en-US" sz="2400" i="1">
+                              <a:latin typeface="Cambria Math" panose="02040503050406030204" pitchFamily="18" charset="0"/>
+                            </a:rPr>
+                          </m:ctrlPr>
+                        </m:fPr>
+                        <m:num>
+                          <m:r>
+                            <a:rPr lang="en-US" sz="2400" i="1">
+                              <a:latin typeface="Cambria Math" panose="02040503050406030204" pitchFamily="18" charset="0"/>
+                            </a:rPr>
+                            <m:t>𝑣𝑎𝑟</m:t>
+                          </m:r>
+                          <m:r>
+                            <a:rPr lang="en-US" sz="2400" i="1">
+                              <a:latin typeface="Cambria Math" panose="02040503050406030204" pitchFamily="18" charset="0"/>
+                            </a:rPr>
+                            <m:t>(</m:t>
+                          </m:r>
+                          <m:r>
+                            <a:rPr lang="en-US" sz="2400" i="1">
+                              <a:latin typeface="Cambria Math" panose="02040503050406030204" pitchFamily="18" charset="0"/>
+                            </a:rPr>
+                            <m:t>𝑓𝑖𝑡𝑡𝑒𝑑</m:t>
+                          </m:r>
+                          <m:r>
+                            <a:rPr lang="en-US" sz="2400" i="1">
+                              <a:latin typeface="Cambria Math" panose="02040503050406030204" pitchFamily="18" charset="0"/>
+                            </a:rPr>
+                            <m:t>)</m:t>
+                          </m:r>
+                        </m:num>
+                        <m:den>
+                          <m:r>
+                            <a:rPr lang="en-US" sz="2400" i="1">
+                              <a:latin typeface="Cambria Math" panose="02040503050406030204" pitchFamily="18" charset="0"/>
+                            </a:rPr>
+                            <m:t>𝑣𝑎𝑟</m:t>
+                          </m:r>
+                          <m:r>
+                            <a:rPr lang="en-US" sz="2400" i="1">
+                              <a:latin typeface="Cambria Math" panose="02040503050406030204" pitchFamily="18" charset="0"/>
+                            </a:rPr>
+                            <m:t>(</m:t>
+                          </m:r>
+                          <m:r>
+                            <a:rPr lang="en-US" sz="2400" i="1">
+                              <a:latin typeface="Cambria Math" panose="02040503050406030204" pitchFamily="18" charset="0"/>
+                            </a:rPr>
+                            <m:t>𝑜𝑏𝑠𝑒𝑟𝑣𝑒𝑑</m:t>
+                          </m:r>
+                          <m:r>
+                            <a:rPr lang="en-US" sz="2400" i="1">
+                              <a:latin typeface="Cambria Math" panose="02040503050406030204" pitchFamily="18" charset="0"/>
+                            </a:rPr>
+                            <m:t>)</m:t>
+                          </m:r>
+                        </m:den>
+                      </m:f>
+                      <m:r>
+                        <a:rPr lang="en-US" sz="2400" i="1">
+                          <a:latin typeface="Cambria Math" panose="02040503050406030204" pitchFamily="18" charset="0"/>
+                        </a:rPr>
+                        <m:t>=1 −</m:t>
+                      </m:r>
+                      <m:f>
+                        <m:fPr>
+                          <m:ctrlPr>
+                            <a:rPr lang="en-US" sz="2400" i="1">
+                              <a:latin typeface="Cambria Math" panose="02040503050406030204" pitchFamily="18" charset="0"/>
+                            </a:rPr>
+                          </m:ctrlPr>
+                        </m:fPr>
+                        <m:num>
+                          <m:r>
+                            <a:rPr lang="en-US" sz="2400" i="1">
+                              <a:latin typeface="Cambria Math" panose="02040503050406030204" pitchFamily="18" charset="0"/>
+                            </a:rPr>
+                            <m:t>𝑣𝑎𝑟</m:t>
+                          </m:r>
+                          <m:r>
+                            <a:rPr lang="en-US" sz="2400" i="1">
+                              <a:latin typeface="Cambria Math" panose="02040503050406030204" pitchFamily="18" charset="0"/>
+                            </a:rPr>
+                            <m:t>(</m:t>
+                          </m:r>
+                          <m:r>
+                            <a:rPr lang="en-US" sz="2400" i="1">
+                              <a:latin typeface="Cambria Math" panose="02040503050406030204" pitchFamily="18" charset="0"/>
+                            </a:rPr>
+                            <m:t>𝑟𝑒𝑠𝑖𝑑𝑢𝑎𝑙𝑠</m:t>
+                          </m:r>
+                          <m:r>
+                            <a:rPr lang="en-US" sz="2400" i="1">
+                              <a:latin typeface="Cambria Math" panose="02040503050406030204" pitchFamily="18" charset="0"/>
+                            </a:rPr>
+                            <m:t>)</m:t>
+                          </m:r>
+                        </m:num>
+                        <m:den>
+                          <m:r>
+                            <a:rPr lang="en-US" sz="2400" i="1">
+                              <a:latin typeface="Cambria Math" panose="02040503050406030204" pitchFamily="18" charset="0"/>
+                            </a:rPr>
+                            <m:t>𝑣𝑎𝑟</m:t>
+                          </m:r>
+                          <m:r>
+                            <a:rPr lang="en-US" sz="2400" i="1">
+                              <a:latin typeface="Cambria Math" panose="02040503050406030204" pitchFamily="18" charset="0"/>
+                            </a:rPr>
+                            <m:t>(</m:t>
+                          </m:r>
+                          <m:r>
+                            <a:rPr lang="en-US" sz="2400" i="1">
+                              <a:latin typeface="Cambria Math" panose="02040503050406030204" pitchFamily="18" charset="0"/>
+                            </a:rPr>
+                            <m:t>𝑜𝑏𝑠𝑒𝑟𝑣𝑒𝑑</m:t>
+                          </m:r>
+                          <m:r>
+                            <a:rPr lang="en-US" sz="2400" i="1">
+                              <a:latin typeface="Cambria Math" panose="02040503050406030204" pitchFamily="18" charset="0"/>
+                            </a:rPr>
+                            <m:t>)</m:t>
+                          </m:r>
+                        </m:den>
+                      </m:f>
+                    </m:oMath>
+                  </m:oMathPara>
+                </a14:m>
+                <a:endParaRPr lang="en-US" sz="2400" dirty="0"/>
+              </a:p>
+            </p:txBody>
+          </p:sp>
+        </mc:Choice>
+        <mc:Fallback>
+          <p:sp>
+            <p:nvSpPr>
+              <p:cNvPr id="9" name="Rectangle 8">
+                <a:extLst>
+                  <a:ext uri="{FF2B5EF4-FFF2-40B4-BE49-F238E27FC236}">
+                    <a16:creationId xmlns:a16="http://schemas.microsoft.com/office/drawing/2014/main" id="{D8AD2DC4-9639-A44E-ABDF-3E6CC00A001F}"/>
+                  </a:ext>
+                </a:extLst>
+              </p:cNvPr>
+              <p:cNvSpPr>
+                <a:spLocks noRot="1" noChangeAspect="1" noMove="1" noResize="1" noEditPoints="1" noAdjustHandles="1" noChangeArrowheads="1" noChangeShapeType="1" noTextEdit="1"/>
+              </p:cNvSpPr>
+              <p:nvPr/>
+            </p:nvSpPr>
+            <p:spPr>
+              <a:xfrm>
+                <a:off x="2247308" y="891274"/>
+                <a:ext cx="6134693" cy="861326"/>
+              </a:xfrm>
+              <a:prstGeom prst="rect">
+                <a:avLst/>
+              </a:prstGeom>
+              <a:blipFill>
+                <a:blip r:embed="rId7"/>
+                <a:stretch>
+                  <a:fillRect b="-8696"/>
+                </a:stretch>
+              </a:blipFill>
+            </p:spPr>
+            <p:txBody>
+              <a:bodyPr/>
+              <a:lstStyle/>
+              <a:p>
+                <a:r>
+                  <a:rPr lang="en-US">
+                    <a:noFill/>
+                  </a:rPr>
+                  <a:t> </a:t>
+                </a:r>
+              </a:p>
+            </p:txBody>
+          </p:sp>
+        </mc:Fallback>
+      </mc:AlternateContent>
+      <p:pic>
+        <p:nvPicPr>
+          <p:cNvPr id="11" name="Picture 10">
+            <a:extLst>
+              <a:ext uri="{FF2B5EF4-FFF2-40B4-BE49-F238E27FC236}">
+                <a16:creationId xmlns:a16="http://schemas.microsoft.com/office/drawing/2014/main" id="{0308C791-94AE-8A40-A302-D19B253E92AB}"/>
+              </a:ext>
+            </a:extLst>
+          </p:cNvPr>
+          <p:cNvPicPr>
+            <a:picLocks noChangeAspect="1"/>
+          </p:cNvPicPr>
+          <p:nvPr/>
+        </p:nvPicPr>
+        <p:blipFill>
+          <a:blip r:embed="rId8"/>
+          <a:stretch>
+            <a:fillRect/>
+          </a:stretch>
+        </p:blipFill>
+        <p:spPr>
+          <a:xfrm>
+            <a:off x="6068575" y="3891459"/>
+            <a:ext cx="2807970" cy="2077766"/>
+          </a:xfrm>
+          <a:prstGeom prst="rect">
+            <a:avLst/>
+          </a:prstGeom>
+        </p:spPr>
+      </p:pic>
+      <p:pic>
+        <p:nvPicPr>
+          <p:cNvPr id="12" name="Picture 11">
+            <a:extLst>
+              <a:ext uri="{FF2B5EF4-FFF2-40B4-BE49-F238E27FC236}">
+                <a16:creationId xmlns:a16="http://schemas.microsoft.com/office/drawing/2014/main" id="{F1EAF5CF-0E7B-6C4E-827A-1B2BAA3F9B81}"/>
+              </a:ext>
+            </a:extLst>
+          </p:cNvPr>
+          <p:cNvPicPr>
+            <a:picLocks noChangeAspect="1"/>
+          </p:cNvPicPr>
+          <p:nvPr/>
+        </p:nvPicPr>
+        <p:blipFill>
+          <a:blip r:embed="rId9"/>
+          <a:stretch>
+            <a:fillRect/>
+          </a:stretch>
+        </p:blipFill>
+        <p:spPr>
+          <a:xfrm>
+            <a:off x="3048001" y="3927902"/>
+            <a:ext cx="2747011" cy="1848220"/>
+          </a:xfrm>
+          <a:prstGeom prst="rect">
+            <a:avLst/>
+          </a:prstGeom>
+        </p:spPr>
+      </p:pic>
+      <p:sp>
+        <p:nvSpPr>
+          <p:cNvPr id="13" name="TextBox 12">
+            <a:extLst>
+              <a:ext uri="{FF2B5EF4-FFF2-40B4-BE49-F238E27FC236}">
+                <a16:creationId xmlns:a16="http://schemas.microsoft.com/office/drawing/2014/main" id="{8F725332-8B67-1B46-94F2-9CA7F06D7093}"/>
+              </a:ext>
+            </a:extLst>
+          </p:cNvPr>
+          <p:cNvSpPr txBox="1"/>
+          <p:nvPr/>
+        </p:nvSpPr>
+        <p:spPr>
+          <a:xfrm>
+            <a:off x="1828801" y="2743200"/>
+            <a:ext cx="790473" cy="369332"/>
+          </a:xfrm>
+          <a:prstGeom prst="rect">
+            <a:avLst/>
+          </a:prstGeom>
+          <a:noFill/>
+        </p:spPr>
+        <p:txBody>
+          <a:bodyPr wrap="none" rtlCol="0">
+            <a:spAutoFit/>
+          </a:bodyPr>
+          <a:lstStyle/>
+          <a:p>
+            <a:r>
+              <a:rPr lang="en-US" dirty="0"/>
+              <a:t>Data 1</a:t>
+            </a:r>
+          </a:p>
+        </p:txBody>
+      </p:sp>
+      <p:sp>
+        <p:nvSpPr>
+          <p:cNvPr id="14" name="TextBox 13">
+            <a:extLst>
+              <a:ext uri="{FF2B5EF4-FFF2-40B4-BE49-F238E27FC236}">
+                <a16:creationId xmlns:a16="http://schemas.microsoft.com/office/drawing/2014/main" id="{C099A52B-DBFF-2443-90C6-83AB8DA994B9}"/>
+              </a:ext>
+            </a:extLst>
+          </p:cNvPr>
+          <p:cNvSpPr txBox="1"/>
+          <p:nvPr/>
+        </p:nvSpPr>
+        <p:spPr>
+          <a:xfrm>
+            <a:off x="1828801" y="4507468"/>
+            <a:ext cx="790473" cy="369332"/>
+          </a:xfrm>
+          <a:prstGeom prst="rect">
+            <a:avLst/>
+          </a:prstGeom>
+          <a:noFill/>
+        </p:spPr>
+        <p:txBody>
+          <a:bodyPr wrap="none" rtlCol="0">
+            <a:spAutoFit/>
+          </a:bodyPr>
+          <a:lstStyle/>
+          <a:p>
+            <a:r>
+              <a:rPr lang="en-US" dirty="0"/>
+              <a:t>Data 2</a:t>
+            </a:r>
+          </a:p>
+        </p:txBody>
+      </p:sp>
+      <p:sp>
+        <p:nvSpPr>
+          <p:cNvPr id="15" name="TextBox 14">
+            <a:extLst>
+              <a:ext uri="{FF2B5EF4-FFF2-40B4-BE49-F238E27FC236}">
+                <a16:creationId xmlns:a16="http://schemas.microsoft.com/office/drawing/2014/main" id="{2EB17513-4996-A94F-A515-C5FBF8C63838}"/>
+              </a:ext>
+            </a:extLst>
+          </p:cNvPr>
+          <p:cNvSpPr txBox="1"/>
+          <p:nvPr/>
+        </p:nvSpPr>
+        <p:spPr>
+          <a:xfrm>
+            <a:off x="3569447" y="2368034"/>
+            <a:ext cx="593432" cy="369332"/>
+          </a:xfrm>
+          <a:prstGeom prst="rect">
+            <a:avLst/>
+          </a:prstGeom>
+          <a:noFill/>
+        </p:spPr>
+        <p:txBody>
+          <a:bodyPr wrap="none" rtlCol="0">
+            <a:spAutoFit/>
+          </a:bodyPr>
+          <a:lstStyle/>
+          <a:p>
+            <a:r>
+              <a:rPr lang="en-US" dirty="0"/>
+              <a:t>0.85</a:t>
+            </a:r>
+          </a:p>
+        </p:txBody>
+      </p:sp>
+      <p:sp>
+        <p:nvSpPr>
+          <p:cNvPr id="16" name="TextBox 15">
+            <a:extLst>
+              <a:ext uri="{FF2B5EF4-FFF2-40B4-BE49-F238E27FC236}">
+                <a16:creationId xmlns:a16="http://schemas.microsoft.com/office/drawing/2014/main" id="{26E9DBAE-701B-424E-B8F6-7549FC30E75E}"/>
+              </a:ext>
+            </a:extLst>
+          </p:cNvPr>
+          <p:cNvSpPr txBox="1"/>
+          <p:nvPr/>
+        </p:nvSpPr>
+        <p:spPr>
+          <a:xfrm>
+            <a:off x="6579347" y="2368034"/>
+            <a:ext cx="593432" cy="369332"/>
+          </a:xfrm>
+          <a:prstGeom prst="rect">
+            <a:avLst/>
+          </a:prstGeom>
+          <a:noFill/>
+        </p:spPr>
+        <p:txBody>
+          <a:bodyPr wrap="none" rtlCol="0">
+            <a:spAutoFit/>
+          </a:bodyPr>
+          <a:lstStyle/>
+          <a:p>
+            <a:r>
+              <a:rPr lang="en-US" dirty="0"/>
+              <a:t>0.97</a:t>
+            </a:r>
+          </a:p>
+        </p:txBody>
+      </p:sp>
+      <p:sp>
+        <p:nvSpPr>
+          <p:cNvPr id="17" name="TextBox 16">
+            <a:extLst>
+              <a:ext uri="{FF2B5EF4-FFF2-40B4-BE49-F238E27FC236}">
+                <a16:creationId xmlns:a16="http://schemas.microsoft.com/office/drawing/2014/main" id="{5DCC45D4-814E-BB40-9784-CC59CC192CB7}"/>
+              </a:ext>
+            </a:extLst>
+          </p:cNvPr>
+          <p:cNvSpPr txBox="1"/>
+          <p:nvPr/>
+        </p:nvSpPr>
+        <p:spPr>
+          <a:xfrm>
+            <a:off x="3569447" y="4082534"/>
+            <a:ext cx="593432" cy="369332"/>
+          </a:xfrm>
+          <a:prstGeom prst="rect">
+            <a:avLst/>
+          </a:prstGeom>
+          <a:noFill/>
+        </p:spPr>
+        <p:txBody>
+          <a:bodyPr wrap="none" rtlCol="0">
+            <a:spAutoFit/>
+          </a:bodyPr>
+          <a:lstStyle/>
+          <a:p>
+            <a:r>
+              <a:rPr lang="en-US" dirty="0"/>
+              <a:t>0.85</a:t>
+            </a:r>
+          </a:p>
+        </p:txBody>
+      </p:sp>
+      <p:sp>
+        <p:nvSpPr>
+          <p:cNvPr id="18" name="TextBox 17">
+            <a:extLst>
+              <a:ext uri="{FF2B5EF4-FFF2-40B4-BE49-F238E27FC236}">
+                <a16:creationId xmlns:a16="http://schemas.microsoft.com/office/drawing/2014/main" id="{45552AA5-C128-A240-AD3E-F9076B1B792F}"/>
+              </a:ext>
+            </a:extLst>
+          </p:cNvPr>
+          <p:cNvSpPr txBox="1"/>
+          <p:nvPr/>
+        </p:nvSpPr>
+        <p:spPr>
+          <a:xfrm>
+            <a:off x="6579347" y="4082534"/>
+            <a:ext cx="593432" cy="369332"/>
+          </a:xfrm>
+          <a:prstGeom prst="rect">
+            <a:avLst/>
+          </a:prstGeom>
+          <a:noFill/>
+        </p:spPr>
+        <p:txBody>
+          <a:bodyPr wrap="none" rtlCol="0">
+            <a:spAutoFit/>
+          </a:bodyPr>
+          <a:lstStyle/>
+          <a:p>
+            <a:r>
+              <a:rPr lang="en-US" dirty="0"/>
+              <a:t>0.76</a:t>
+            </a:r>
+          </a:p>
+        </p:txBody>
+      </p:sp>
+    </p:spTree>
+    <p:extLst>
+      <p:ext uri="{BB962C8B-B14F-4D97-AF65-F5344CB8AC3E}">
+        <p14:creationId xmlns:p14="http://schemas.microsoft.com/office/powerpoint/2010/main" val="4048624281"/>
+      </p:ext>
+    </p:extLst>
+  </p:cSld>
+  <p:clrMapOvr>
+    <a:masterClrMapping/>
+  </p:clrMapOvr>
+  <p:timing>
+    <p:tnLst>
+      <p:par>
+        <p:cTn id="1" dur="indefinite" restart="never" nodeType="tmRoot">
+          <p:childTnLst>
+            <p:seq concurrent="1" nextAc="seek">
+              <p:cTn id="2" dur="indefinite" nodeType="mainSeq">
+                <p:childTnLst>
+                  <p:par>
+                    <p:cTn id="3" fill="hold">
+                      <p:stCondLst>
+                        <p:cond delay="indefinite"/>
+                      </p:stCondLst>
+                      <p:childTnLst>
+                        <p:par>
+                          <p:cTn id="4" fill="hold">
+                            <p:stCondLst>
+                              <p:cond delay="0"/>
+                            </p:stCondLst>
+                            <p:childTnLst>
+                              <p:par>
+                                <p:cTn id="5" presetID="1" presetClass="entr" presetSubtype="0" fill="hold" grpId="0" nodeType="clickEffect">
+                                  <p:stCondLst>
+                                    <p:cond delay="0"/>
+                                  </p:stCondLst>
+                                  <p:childTnLst>
+                                    <p:set>
+                                      <p:cBhvr>
+                                        <p:cTn id="6" dur="1" fill="hold">
+                                          <p:stCondLst>
+                                            <p:cond delay="0"/>
+                                          </p:stCondLst>
+                                        </p:cTn>
+                                        <p:tgtEl>
+                                          <p:spTgt spid="13"/>
+                                        </p:tgtEl>
+                                        <p:attrNameLst>
+                                          <p:attrName>style.visibility</p:attrName>
+                                        </p:attrNameLst>
+                                      </p:cBhvr>
+                                      <p:to>
+                                        <p:strVal val="visible"/>
+                                      </p:to>
+                                    </p:set>
+                                  </p:childTnLst>
+                                </p:cTn>
+                              </p:par>
+                              <p:par>
+                                <p:cTn id="7" presetID="1" presetClass="entr" presetSubtype="0" fill="hold" nodeType="withEffect">
+                                  <p:stCondLst>
+                                    <p:cond delay="0"/>
+                                  </p:stCondLst>
+                                  <p:childTnLst>
+                                    <p:set>
+                                      <p:cBhvr>
+                                        <p:cTn id="8" dur="1" fill="hold">
+                                          <p:stCondLst>
+                                            <p:cond delay="0"/>
+                                          </p:stCondLst>
+                                        </p:cTn>
+                                        <p:tgtEl>
+                                          <p:spTgt spid="4"/>
+                                        </p:tgtEl>
+                                        <p:attrNameLst>
+                                          <p:attrName>style.visibility</p:attrName>
+                                        </p:attrNameLst>
+                                      </p:cBhvr>
+                                      <p:to>
+                                        <p:strVal val="visible"/>
+                                      </p:to>
+                                    </p:set>
+                                  </p:childTnLst>
+                                </p:cTn>
+                              </p:par>
+                              <p:par>
+                                <p:cTn id="9" presetID="1" presetClass="entr" presetSubtype="0" fill="hold" nodeType="withEffect">
+                                  <p:stCondLst>
+                                    <p:cond delay="0"/>
+                                  </p:stCondLst>
+                                  <p:childTnLst>
+                                    <p:set>
+                                      <p:cBhvr>
+                                        <p:cTn id="10" dur="1" fill="hold">
+                                          <p:stCondLst>
+                                            <p:cond delay="0"/>
+                                          </p:stCondLst>
+                                        </p:cTn>
+                                        <p:tgtEl>
+                                          <p:spTgt spid="5"/>
+                                        </p:tgtEl>
+                                        <p:attrNameLst>
+                                          <p:attrName>style.visibility</p:attrName>
+                                        </p:attrNameLst>
+                                      </p:cBhvr>
+                                      <p:to>
+                                        <p:strVal val="visible"/>
+                                      </p:to>
+                                    </p:set>
+                                  </p:childTnLst>
+                                </p:cTn>
+                              </p:par>
+                              <p:par>
+                                <p:cTn id="11" presetID="1" presetClass="entr" presetSubtype="0" fill="hold" grpId="0" nodeType="withEffect">
+                                  <p:stCondLst>
+                                    <p:cond delay="0"/>
+                                  </p:stCondLst>
+                                  <p:childTnLst>
+                                    <p:set>
+                                      <p:cBhvr>
+                                        <p:cTn id="12" dur="1" fill="hold">
+                                          <p:stCondLst>
+                                            <p:cond delay="0"/>
+                                          </p:stCondLst>
+                                        </p:cTn>
+                                        <p:tgtEl>
+                                          <p:spTgt spid="6"/>
+                                        </p:tgtEl>
+                                        <p:attrNameLst>
+                                          <p:attrName>style.visibility</p:attrName>
+                                        </p:attrNameLst>
+                                      </p:cBhvr>
+                                      <p:to>
+                                        <p:strVal val="visible"/>
+                                      </p:to>
+                                    </p:set>
+                                  </p:childTnLst>
+                                </p:cTn>
+                              </p:par>
+                              <p:par>
+                                <p:cTn id="13" presetID="1" presetClass="entr" presetSubtype="0" fill="hold" grpId="0" nodeType="withEffect">
+                                  <p:stCondLst>
+                                    <p:cond delay="0"/>
+                                  </p:stCondLst>
+                                  <p:childTnLst>
+                                    <p:set>
+                                      <p:cBhvr>
+                                        <p:cTn id="14" dur="1" fill="hold">
+                                          <p:stCondLst>
+                                            <p:cond delay="0"/>
+                                          </p:stCondLst>
+                                        </p:cTn>
+                                        <p:tgtEl>
+                                          <p:spTgt spid="7"/>
+                                        </p:tgtEl>
+                                        <p:attrNameLst>
+                                          <p:attrName>style.visibility</p:attrName>
+                                        </p:attrNameLst>
+                                      </p:cBhvr>
+                                      <p:to>
+                                        <p:strVal val="visible"/>
+                                      </p:to>
+                                    </p:set>
+                                  </p:childTnLst>
+                                </p:cTn>
+                              </p:par>
+                            </p:childTnLst>
+                          </p:cTn>
+                        </p:par>
+                      </p:childTnLst>
+                    </p:cTn>
+                  </p:par>
+                  <p:par>
+                    <p:cTn id="15" fill="hold">
+                      <p:stCondLst>
+                        <p:cond delay="indefinite"/>
+                      </p:stCondLst>
+                      <p:childTnLst>
+                        <p:par>
+                          <p:cTn id="16" fill="hold">
+                            <p:stCondLst>
+                              <p:cond delay="0"/>
+                            </p:stCondLst>
+                            <p:childTnLst>
+                              <p:par>
+                                <p:cTn id="17" presetID="1" presetClass="entr" presetSubtype="0" fill="hold" nodeType="clickEffect">
+                                  <p:stCondLst>
+                                    <p:cond delay="0"/>
+                                  </p:stCondLst>
+                                  <p:childTnLst>
+                                    <p:set>
+                                      <p:cBhvr>
+                                        <p:cTn id="18" dur="1" fill="hold">
+                                          <p:stCondLst>
+                                            <p:cond delay="0"/>
+                                          </p:stCondLst>
+                                        </p:cTn>
+                                        <p:tgtEl>
+                                          <p:spTgt spid="12"/>
+                                        </p:tgtEl>
+                                        <p:attrNameLst>
+                                          <p:attrName>style.visibility</p:attrName>
+                                        </p:attrNameLst>
+                                      </p:cBhvr>
+                                      <p:to>
+                                        <p:strVal val="visible"/>
+                                      </p:to>
+                                    </p:set>
+                                  </p:childTnLst>
+                                </p:cTn>
+                              </p:par>
+                              <p:par>
+                                <p:cTn id="19" presetID="1" presetClass="entr" presetSubtype="0" fill="hold" grpId="0" nodeType="withEffect">
+                                  <p:stCondLst>
+                                    <p:cond delay="0"/>
+                                  </p:stCondLst>
+                                  <p:childTnLst>
+                                    <p:set>
+                                      <p:cBhvr>
+                                        <p:cTn id="20" dur="1" fill="hold">
+                                          <p:stCondLst>
+                                            <p:cond delay="0"/>
+                                          </p:stCondLst>
+                                        </p:cTn>
+                                        <p:tgtEl>
+                                          <p:spTgt spid="14"/>
+                                        </p:tgtEl>
+                                        <p:attrNameLst>
+                                          <p:attrName>style.visibility</p:attrName>
+                                        </p:attrNameLst>
+                                      </p:cBhvr>
+                                      <p:to>
+                                        <p:strVal val="visible"/>
+                                      </p:to>
+                                    </p:set>
+                                  </p:childTnLst>
+                                </p:cTn>
+                              </p:par>
+                              <p:par>
+                                <p:cTn id="21" presetID="1" presetClass="entr" presetSubtype="0" fill="hold" nodeType="withEffect">
+                                  <p:stCondLst>
+                                    <p:cond delay="0"/>
+                                  </p:stCondLst>
+                                  <p:childTnLst>
+                                    <p:set>
+                                      <p:cBhvr>
+                                        <p:cTn id="22" dur="1" fill="hold">
+                                          <p:stCondLst>
+                                            <p:cond delay="0"/>
+                                          </p:stCondLst>
+                                        </p:cTn>
+                                        <p:tgtEl>
+                                          <p:spTgt spid="11"/>
+                                        </p:tgtEl>
+                                        <p:attrNameLst>
+                                          <p:attrName>style.visibility</p:attrName>
+                                        </p:attrNameLst>
+                                      </p:cBhvr>
+                                      <p:to>
+                                        <p:strVal val="visible"/>
+                                      </p:to>
+                                    </p:set>
+                                  </p:childTnLst>
+                                </p:cTn>
+                              </p:par>
+                            </p:childTnLst>
+                          </p:cTn>
+                        </p:par>
+                      </p:childTnLst>
+                    </p:cTn>
+                  </p:par>
+                  <p:par>
+                    <p:cTn id="23" fill="hold">
+                      <p:stCondLst>
+                        <p:cond delay="indefinite"/>
+                      </p:stCondLst>
+                      <p:childTnLst>
+                        <p:par>
+                          <p:cTn id="24" fill="hold">
+                            <p:stCondLst>
+                              <p:cond delay="0"/>
+                            </p:stCondLst>
+                            <p:childTnLst>
+                              <p:par>
+                                <p:cTn id="25" presetID="1" presetClass="entr" presetSubtype="0" fill="hold" grpId="0" nodeType="clickEffect">
+                                  <p:stCondLst>
+                                    <p:cond delay="0"/>
+                                  </p:stCondLst>
+                                  <p:childTnLst>
+                                    <p:set>
+                                      <p:cBhvr>
+                                        <p:cTn id="26" dur="1" fill="hold">
+                                          <p:stCondLst>
+                                            <p:cond delay="0"/>
+                                          </p:stCondLst>
+                                        </p:cTn>
+                                        <p:tgtEl>
+                                          <p:spTgt spid="15"/>
+                                        </p:tgtEl>
+                                        <p:attrNameLst>
+                                          <p:attrName>style.visibility</p:attrName>
+                                        </p:attrNameLst>
+                                      </p:cBhvr>
+                                      <p:to>
+                                        <p:strVal val="visible"/>
+                                      </p:to>
+                                    </p:set>
+                                  </p:childTnLst>
+                                </p:cTn>
+                              </p:par>
+                              <p:par>
+                                <p:cTn id="27" presetID="1" presetClass="entr" presetSubtype="0" fill="hold" grpId="0" nodeType="withEffect">
+                                  <p:stCondLst>
+                                    <p:cond delay="0"/>
+                                  </p:stCondLst>
+                                  <p:childTnLst>
+                                    <p:set>
+                                      <p:cBhvr>
+                                        <p:cTn id="28" dur="1" fill="hold">
+                                          <p:stCondLst>
+                                            <p:cond delay="0"/>
+                                          </p:stCondLst>
+                                        </p:cTn>
+                                        <p:tgtEl>
+                                          <p:spTgt spid="17"/>
+                                        </p:tgtEl>
+                                        <p:attrNameLst>
+                                          <p:attrName>style.visibility</p:attrName>
+                                        </p:attrNameLst>
+                                      </p:cBhvr>
+                                      <p:to>
+                                        <p:strVal val="visible"/>
+                                      </p:to>
+                                    </p:set>
+                                  </p:childTnLst>
+                                </p:cTn>
+                              </p:par>
+                            </p:childTnLst>
+                          </p:cTn>
+                        </p:par>
+                      </p:childTnLst>
+                    </p:cTn>
+                  </p:par>
+                  <p:par>
+                    <p:cTn id="29" fill="hold">
+                      <p:stCondLst>
+                        <p:cond delay="indefinite"/>
+                      </p:stCondLst>
+                      <p:childTnLst>
+                        <p:par>
+                          <p:cTn id="30" fill="hold">
+                            <p:stCondLst>
+                              <p:cond delay="0"/>
+                            </p:stCondLst>
+                            <p:childTnLst>
+                              <p:par>
+                                <p:cTn id="31" presetID="1" presetClass="entr" presetSubtype="0" fill="hold" grpId="0" nodeType="clickEffect">
+                                  <p:stCondLst>
+                                    <p:cond delay="0"/>
+                                  </p:stCondLst>
+                                  <p:childTnLst>
+                                    <p:set>
+                                      <p:cBhvr>
+                                        <p:cTn id="32" dur="1" fill="hold">
+                                          <p:stCondLst>
+                                            <p:cond delay="0"/>
+                                          </p:stCondLst>
+                                        </p:cTn>
+                                        <p:tgtEl>
+                                          <p:spTgt spid="16"/>
+                                        </p:tgtEl>
+                                        <p:attrNameLst>
+                                          <p:attrName>style.visibility</p:attrName>
+                                        </p:attrNameLst>
+                                      </p:cBhvr>
+                                      <p:to>
+                                        <p:strVal val="visible"/>
+                                      </p:to>
+                                    </p:set>
+                                  </p:childTnLst>
+                                </p:cTn>
+                              </p:par>
+                              <p:par>
+                                <p:cTn id="33" presetID="1" presetClass="entr" presetSubtype="0" fill="hold" grpId="0" nodeType="withEffect">
+                                  <p:stCondLst>
+                                    <p:cond delay="0"/>
+                                  </p:stCondLst>
+                                  <p:childTnLst>
+                                    <p:set>
+                                      <p:cBhvr>
+                                        <p:cTn id="34" dur="1" fill="hold">
+                                          <p:stCondLst>
+                                            <p:cond delay="0"/>
+                                          </p:stCondLst>
+                                        </p:cTn>
+                                        <p:tgtEl>
+                                          <p:spTgt spid="18"/>
+                                        </p:tgtEl>
+                                        <p:attrNameLst>
+                                          <p:attrName>style.visibility</p:attrName>
+                                        </p:attrNameLst>
+                                      </p:cBhvr>
+                                      <p:to>
+                                        <p:strVal val="visible"/>
+                                      </p:to>
+                                    </p:set>
+                                  </p:childTnLst>
+                                </p:cTn>
+                              </p:par>
+                            </p:childTnLst>
+                          </p:cTn>
+                        </p:par>
+                      </p:childTnLst>
+                    </p:cTn>
+                  </p:par>
+                </p:childTnLst>
+              </p:cTn>
+              <p:prevCondLst>
+                <p:cond evt="onPrev" delay="0">
+                  <p:tgtEl>
+                    <p:sldTgt/>
+                  </p:tgtEl>
+                </p:cond>
+              </p:prevCondLst>
+              <p:nextCondLst>
+                <p:cond evt="onNext" delay="0">
+                  <p:tgtEl>
+                    <p:sldTgt/>
+                  </p:tgtEl>
+                </p:cond>
+              </p:nextCondLst>
+            </p:seq>
+          </p:childTnLst>
+        </p:cTn>
+      </p:par>
+    </p:tnLst>
+    <p:bldLst>
+      <p:bldP spid="6" grpId="0"/>
+      <p:bldP spid="7" grpId="0"/>
+      <p:bldP spid="13" grpId="0"/>
+      <p:bldP spid="14" grpId="0"/>
+      <p:bldP spid="15" grpId="0"/>
+      <p:bldP spid="16" grpId="0"/>
+      <p:bldP spid="17" grpId="0"/>
+      <p:bldP spid="18" grpId="0"/>
+    </p:bldLst>
+  </p:timing>
+</p:sld>
+</file>
+
+<file path=ppt/slides/slide12.xml><?xml version="1.0" encoding="utf-8"?>
+<p:sld xmlns:a="http://schemas.openxmlformats.org/drawingml/2006/main" xmlns:r="http://schemas.openxmlformats.org/officeDocument/2006/relationships" xmlns:p="http://schemas.openxmlformats.org/presentationml/2006/main">
+  <p:cSld>
+    <p:spTree>
+      <p:nvGrpSpPr>
+        <p:cNvPr id="1" name=""/>
+        <p:cNvGrpSpPr/>
+        <p:nvPr/>
+      </p:nvGrpSpPr>
+      <p:grpSpPr>
+        <a:xfrm>
+          <a:off x="0" y="0"/>
+          <a:ext cx="0" cy="0"/>
+          <a:chOff x="0" y="0"/>
+          <a:chExt cx="0" cy="0"/>
+        </a:xfrm>
+      </p:grpSpPr>
+      <p:sp>
+        <p:nvSpPr>
+          <p:cNvPr id="2" name="Title 1">
+            <a:extLst>
+              <a:ext uri="{FF2B5EF4-FFF2-40B4-BE49-F238E27FC236}">
+                <a16:creationId xmlns:a16="http://schemas.microsoft.com/office/drawing/2014/main" id="{11CDC5BD-4594-BB4E-808F-9D3ED6CCF0BC}"/>
+              </a:ext>
+            </a:extLst>
+          </p:cNvPr>
+          <p:cNvSpPr>
+            <a:spLocks noGrp="1"/>
+          </p:cNvSpPr>
+          <p:nvPr>
+            <p:ph type="title"/>
+          </p:nvPr>
+        </p:nvSpPr>
+        <p:spPr/>
+        <p:txBody>
+          <a:bodyPr/>
+          <a:lstStyle/>
+          <a:p>
+            <a:r>
+              <a:rPr lang="en-US" dirty="0"/>
+              <a:t>How Least Squares Fits a Line to Data</a:t>
+            </a:r>
+          </a:p>
+        </p:txBody>
+      </p:sp>
+      <p:sp>
+        <p:nvSpPr>
+          <p:cNvPr id="4" name="Slide Number Placeholder 3">
+            <a:extLst>
+              <a:ext uri="{FF2B5EF4-FFF2-40B4-BE49-F238E27FC236}">
+                <a16:creationId xmlns:a16="http://schemas.microsoft.com/office/drawing/2014/main" id="{2E237798-D3DC-5A4C-B1B2-0B2B7272F977}"/>
+              </a:ext>
+            </a:extLst>
+          </p:cNvPr>
+          <p:cNvSpPr>
+            <a:spLocks noGrp="1"/>
+          </p:cNvSpPr>
+          <p:nvPr>
+            <p:ph type="sldNum" sz="quarter" idx="11"/>
+          </p:nvPr>
+        </p:nvSpPr>
+        <p:spPr/>
+        <p:txBody>
+          <a:bodyPr/>
+          <a:lstStyle/>
+          <a:p>
+            <a:pPr>
+              <a:defRPr/>
+            </a:pPr>
+            <a:fld id="{3EF4E9CC-9D91-476E-91FD-5BEEC1642931}" type="slidenum">
+              <a:rPr lang="en-US" altLang="x-none" smtClean="0"/>
+              <a:pPr>
+                <a:defRPr/>
+              </a:pPr>
+              <a:t>12</a:t>
+            </a:fld>
+            <a:endParaRPr lang="en-US" altLang="x-none"/>
+          </a:p>
+        </p:txBody>
+      </p:sp>
+      <p:pic>
+        <p:nvPicPr>
+          <p:cNvPr id="6" name="Picture 5">
+            <a:extLst>
+              <a:ext uri="{FF2B5EF4-FFF2-40B4-BE49-F238E27FC236}">
+                <a16:creationId xmlns:a16="http://schemas.microsoft.com/office/drawing/2014/main" id="{282EEF1C-04B4-7343-B023-FCB23E00A282}"/>
+              </a:ext>
+            </a:extLst>
+          </p:cNvPr>
+          <p:cNvPicPr>
+            <a:picLocks noChangeAspect="1"/>
+          </p:cNvPicPr>
+          <p:nvPr/>
+        </p:nvPicPr>
+        <p:blipFill>
+          <a:blip r:embed="rId2"/>
+          <a:stretch>
+            <a:fillRect/>
+          </a:stretch>
+        </p:blipFill>
+        <p:spPr>
+          <a:xfrm>
+            <a:off x="6769100" y="1945309"/>
+            <a:ext cx="2451100" cy="2425700"/>
+          </a:xfrm>
+          <a:prstGeom prst="rect">
+            <a:avLst/>
+          </a:prstGeom>
+        </p:spPr>
+      </p:pic>
+      <p:pic>
+        <p:nvPicPr>
+          <p:cNvPr id="8" name="Picture 7">
+            <a:extLst>
+              <a:ext uri="{FF2B5EF4-FFF2-40B4-BE49-F238E27FC236}">
+                <a16:creationId xmlns:a16="http://schemas.microsoft.com/office/drawing/2014/main" id="{22A695FB-81C0-954F-9BF5-B5ED170BD7D8}"/>
+              </a:ext>
+            </a:extLst>
+          </p:cNvPr>
+          <p:cNvPicPr>
+            <a:picLocks noChangeAspect="1"/>
+          </p:cNvPicPr>
+          <p:nvPr/>
+        </p:nvPicPr>
+        <p:blipFill>
+          <a:blip r:embed="rId3"/>
+          <a:stretch>
+            <a:fillRect/>
+          </a:stretch>
+        </p:blipFill>
+        <p:spPr>
+          <a:xfrm>
+            <a:off x="2743200" y="2057400"/>
+            <a:ext cx="2578100" cy="2413000"/>
+          </a:xfrm>
+          <a:prstGeom prst="rect">
+            <a:avLst/>
+          </a:prstGeom>
+        </p:spPr>
+      </p:pic>
+      <p:sp>
+        <p:nvSpPr>
+          <p:cNvPr id="9" name="Rectangle 8">
+            <a:extLst>
+              <a:ext uri="{FF2B5EF4-FFF2-40B4-BE49-F238E27FC236}">
+                <a16:creationId xmlns:a16="http://schemas.microsoft.com/office/drawing/2014/main" id="{1C73C6C1-2C89-8F49-B6A0-7ACC17A83B0B}"/>
+              </a:ext>
+            </a:extLst>
+          </p:cNvPr>
+          <p:cNvSpPr/>
+          <p:nvPr/>
+        </p:nvSpPr>
+        <p:spPr>
+          <a:xfrm>
+            <a:off x="3194050" y="4398618"/>
+            <a:ext cx="1676400" cy="685800"/>
+          </a:xfrm>
+          <a:prstGeom prst="rect">
+            <a:avLst/>
+          </a:prstGeom>
+          <a:solidFill>
+            <a:schemeClr val="bg1"/>
+          </a:solidFill>
+          <a:ln>
+            <a:noFill/>
+          </a:ln>
+          <a:effectLst/>
+        </p:spPr>
+        <p:style>
+          <a:lnRef idx="1">
+            <a:schemeClr val="accent1"/>
+          </a:lnRef>
+          <a:fillRef idx="3">
+            <a:schemeClr val="accent1"/>
+          </a:fillRef>
+          <a:effectRef idx="2">
+            <a:schemeClr val="accent1"/>
+          </a:effectRef>
+          <a:fontRef idx="minor">
+            <a:schemeClr val="lt1"/>
+          </a:fontRef>
+        </p:style>
+        <p:txBody>
+          <a:bodyPr rtlCol="0" anchor="ctr"/>
+          <a:lstStyle/>
+          <a:p>
+            <a:pPr algn="ctr"/>
+            <a:endParaRPr lang="en-US"/>
+          </a:p>
+        </p:txBody>
+      </p:sp>
+      <p:sp>
+        <p:nvSpPr>
+          <p:cNvPr id="10" name="Rectangle 9">
+            <a:extLst>
+              <a:ext uri="{FF2B5EF4-FFF2-40B4-BE49-F238E27FC236}">
+                <a16:creationId xmlns:a16="http://schemas.microsoft.com/office/drawing/2014/main" id="{48D0579C-908D-F64C-9C4B-4740234EF7B7}"/>
+              </a:ext>
+            </a:extLst>
+          </p:cNvPr>
+          <p:cNvSpPr/>
+          <p:nvPr/>
+        </p:nvSpPr>
+        <p:spPr>
+          <a:xfrm>
+            <a:off x="7010400" y="4319104"/>
+            <a:ext cx="2057400" cy="685800"/>
+          </a:xfrm>
+          <a:prstGeom prst="rect">
+            <a:avLst/>
+          </a:prstGeom>
+          <a:solidFill>
+            <a:schemeClr val="bg1"/>
+          </a:solidFill>
+          <a:ln>
+            <a:noFill/>
+          </a:ln>
+          <a:effectLst/>
+        </p:spPr>
+        <p:style>
+          <a:lnRef idx="1">
+            <a:schemeClr val="accent1"/>
+          </a:lnRef>
+          <a:fillRef idx="3">
+            <a:schemeClr val="accent1"/>
+          </a:fillRef>
+          <a:effectRef idx="2">
+            <a:schemeClr val="accent1"/>
+          </a:effectRef>
+          <a:fontRef idx="minor">
+            <a:schemeClr val="lt1"/>
+          </a:fontRef>
+        </p:style>
+        <p:txBody>
+          <a:bodyPr rtlCol="0" anchor="ctr"/>
+          <a:lstStyle/>
+          <a:p>
+            <a:pPr algn="ctr"/>
+            <a:endParaRPr lang="en-US"/>
+          </a:p>
+        </p:txBody>
+      </p:sp>
+      <p:sp>
+        <p:nvSpPr>
+          <p:cNvPr id="11" name="TextBox 10">
+            <a:extLst>
+              <a:ext uri="{FF2B5EF4-FFF2-40B4-BE49-F238E27FC236}">
+                <a16:creationId xmlns:a16="http://schemas.microsoft.com/office/drawing/2014/main" id="{B40A2601-A16E-D344-AA1A-2C064126E135}"/>
+              </a:ext>
+            </a:extLst>
+          </p:cNvPr>
+          <p:cNvSpPr txBox="1"/>
+          <p:nvPr/>
+        </p:nvSpPr>
+        <p:spPr>
+          <a:xfrm>
+            <a:off x="6858000" y="4648200"/>
+            <a:ext cx="2362200" cy="923330"/>
+          </a:xfrm>
+          <a:prstGeom prst="rect">
+            <a:avLst/>
+          </a:prstGeom>
+          <a:noFill/>
+        </p:spPr>
+        <p:txBody>
+          <a:bodyPr wrap="square" rtlCol="0">
+            <a:spAutoFit/>
+          </a:bodyPr>
+          <a:lstStyle/>
+          <a:p>
+            <a:r>
+              <a:rPr lang="en-US" dirty="0"/>
+              <a:t>Line minimizes the sum of the squared residuals.</a:t>
+            </a:r>
+          </a:p>
+        </p:txBody>
+      </p:sp>
+    </p:spTree>
+    <p:extLst>
+      <p:ext uri="{BB962C8B-B14F-4D97-AF65-F5344CB8AC3E}">
+        <p14:creationId xmlns:p14="http://schemas.microsoft.com/office/powerpoint/2010/main" val="1653895197"/>
+      </p:ext>
+    </p:extLst>
+  </p:cSld>
+  <p:clrMapOvr>
+    <a:masterClrMapping/>
+  </p:clrMapOvr>
+  <p:timing>
+    <p:tnLst>
+      <p:par>
+        <p:cTn id="1" dur="indefinite" restart="never" nodeType="tmRoot">
+          <p:childTnLst>
+            <p:seq concurrent="1" nextAc="seek">
+              <p:cTn id="2" dur="indefinite" nodeType="mainSeq">
+                <p:childTnLst>
+                  <p:par>
+                    <p:cTn id="3" fill="hold">
+                      <p:stCondLst>
+                        <p:cond delay="indefinite"/>
+                      </p:stCondLst>
+                      <p:childTnLst>
+                        <p:par>
+                          <p:cTn id="4" fill="hold">
+                            <p:stCondLst>
+                              <p:cond delay="0"/>
+                            </p:stCondLst>
+                            <p:childTnLst>
+                              <p:par>
+                                <p:cTn id="5" presetID="1" presetClass="entr" presetSubtype="0" fill="hold" nodeType="clickEffect">
+                                  <p:stCondLst>
+                                    <p:cond delay="0"/>
+                                  </p:stCondLst>
+                                  <p:childTnLst>
+                                    <p:set>
+                                      <p:cBhvr>
+                                        <p:cTn id="6" dur="1" fill="hold">
+                                          <p:stCondLst>
+                                            <p:cond delay="0"/>
+                                          </p:stCondLst>
+                                        </p:cTn>
+                                        <p:tgtEl>
+                                          <p:spTgt spid="6"/>
+                                        </p:tgtEl>
+                                        <p:attrNameLst>
+                                          <p:attrName>style.visibility</p:attrName>
+                                        </p:attrNameLst>
+                                      </p:cBhvr>
+                                      <p:to>
+                                        <p:strVal val="visible"/>
+                                      </p:to>
+                                    </p:set>
+                                  </p:childTnLst>
+                                </p:cTn>
+                              </p:par>
+                              <p:par>
+                                <p:cTn id="7" presetID="1" presetClass="entr" presetSubtype="0" fill="hold" grpId="0" nodeType="withEffect">
+                                  <p:stCondLst>
+                                    <p:cond delay="0"/>
+                                  </p:stCondLst>
+                                  <p:childTnLst>
+                                    <p:set>
+                                      <p:cBhvr>
+                                        <p:cTn id="8" dur="1" fill="hold">
+                                          <p:stCondLst>
+                                            <p:cond delay="0"/>
+                                          </p:stCondLst>
+                                        </p:cTn>
+                                        <p:tgtEl>
+                                          <p:spTgt spid="11"/>
+                                        </p:tgtEl>
+                                        <p:attrNameLst>
+                                          <p:attrName>style.visibility</p:attrName>
+                                        </p:attrNameLst>
+                                      </p:cBhvr>
+                                      <p:to>
+                                        <p:strVal val="visible"/>
+                                      </p:to>
+                                    </p:set>
+                                  </p:childTnLst>
+                                </p:cTn>
+                              </p:par>
+                            </p:childTnLst>
+                          </p:cTn>
+                        </p:par>
+                      </p:childTnLst>
+                    </p:cTn>
+                  </p:par>
+                </p:childTnLst>
+              </p:cTn>
+              <p:prevCondLst>
+                <p:cond evt="onPrev" delay="0">
+                  <p:tgtEl>
+                    <p:sldTgt/>
+                  </p:tgtEl>
+                </p:cond>
+              </p:prevCondLst>
+              <p:nextCondLst>
+                <p:cond evt="onNext" delay="0">
+                  <p:tgtEl>
+                    <p:sldTgt/>
+                  </p:tgtEl>
+                </p:cond>
+              </p:nextCondLst>
+            </p:seq>
+          </p:childTnLst>
+        </p:cTn>
+      </p:par>
+    </p:tnLst>
+    <p:bldLst>
+      <p:bldP spid="11" grpId="0"/>
+    </p:bldLst>
+  </p:timing>
+</p:sld>
+</file>
+
+<file path=ppt/slides/slide13.xml><?xml version="1.0" encoding="utf-8"?>
+<p:sld xmlns:a="http://schemas.openxmlformats.org/drawingml/2006/main" xmlns:r="http://schemas.openxmlformats.org/officeDocument/2006/relationships" xmlns:p="http://schemas.openxmlformats.org/presentationml/2006/main">
+  <p:cSld>
+    <p:spTree>
+      <p:nvGrpSpPr>
+        <p:cNvPr id="1" name=""/>
+        <p:cNvGrpSpPr/>
+        <p:nvPr/>
+      </p:nvGrpSpPr>
+      <p:grpSpPr>
+        <a:xfrm>
+          <a:off x="0" y="0"/>
+          <a:ext cx="0" cy="0"/>
+          <a:chOff x="0" y="0"/>
+          <a:chExt cx="0" cy="0"/>
+        </a:xfrm>
+      </p:grpSpPr>
+      <p:sp>
+        <p:nvSpPr>
+          <p:cNvPr id="3" name="Slide Number Placeholder 2">
+            <a:extLst>
+              <a:ext uri="{FF2B5EF4-FFF2-40B4-BE49-F238E27FC236}">
+                <a16:creationId xmlns:a16="http://schemas.microsoft.com/office/drawing/2014/main" id="{D495E529-6A6C-C142-AFC1-616D004D7570}"/>
+              </a:ext>
+            </a:extLst>
+          </p:cNvPr>
+          <p:cNvSpPr>
+            <a:spLocks noGrp="1"/>
+          </p:cNvSpPr>
+          <p:nvPr>
+            <p:ph type="sldNum" sz="quarter" idx="11"/>
+          </p:nvPr>
+        </p:nvSpPr>
+        <p:spPr/>
+        <p:txBody>
+          <a:bodyPr/>
+          <a:lstStyle/>
+          <a:p>
+            <a:pPr>
+              <a:defRPr/>
+            </a:pPr>
+            <a:fld id="{2E4304A7-0FB2-4094-BC1E-DB17183AD0C1}" type="slidenum">
+              <a:rPr lang="en-US" altLang="x-none" smtClean="0"/>
+              <a:pPr>
+                <a:defRPr/>
+              </a:pPr>
+              <a:t>13</a:t>
+            </a:fld>
+            <a:endParaRPr lang="en-US" altLang="x-none"/>
+          </a:p>
+        </p:txBody>
+      </p:sp>
+      <p:pic>
+        <p:nvPicPr>
+          <p:cNvPr id="5" name="Picture 4">
+            <a:extLst>
+              <a:ext uri="{FF2B5EF4-FFF2-40B4-BE49-F238E27FC236}">
+                <a16:creationId xmlns:a16="http://schemas.microsoft.com/office/drawing/2014/main" id="{E941A1F2-26EC-2449-B9ED-42321FCA3796}"/>
+              </a:ext>
+            </a:extLst>
+          </p:cNvPr>
+          <p:cNvPicPr>
+            <a:picLocks noChangeAspect="1"/>
+          </p:cNvPicPr>
+          <p:nvPr/>
+        </p:nvPicPr>
+        <p:blipFill>
+          <a:blip r:embed="rId2"/>
+          <a:stretch>
+            <a:fillRect/>
+          </a:stretch>
+        </p:blipFill>
+        <p:spPr>
+          <a:xfrm>
+            <a:off x="6477000" y="2434507"/>
+            <a:ext cx="3644900" cy="2482594"/>
+          </a:xfrm>
+          <a:prstGeom prst="rect">
+            <a:avLst/>
+          </a:prstGeom>
+        </p:spPr>
+      </p:pic>
+      <p:pic>
+        <p:nvPicPr>
+          <p:cNvPr id="7" name="Picture 6">
+            <a:extLst>
+              <a:ext uri="{FF2B5EF4-FFF2-40B4-BE49-F238E27FC236}">
+                <a16:creationId xmlns:a16="http://schemas.microsoft.com/office/drawing/2014/main" id="{50C8608E-C5EE-754C-8CDA-CCE2364D5BC5}"/>
+              </a:ext>
+            </a:extLst>
+          </p:cNvPr>
+          <p:cNvPicPr>
+            <a:picLocks noChangeAspect="1"/>
+          </p:cNvPicPr>
+          <p:nvPr/>
+        </p:nvPicPr>
+        <p:blipFill>
+          <a:blip r:embed="rId3"/>
+          <a:stretch>
+            <a:fillRect/>
+          </a:stretch>
+        </p:blipFill>
+        <p:spPr>
+          <a:xfrm>
+            <a:off x="2209800" y="2434508"/>
+            <a:ext cx="3657600" cy="2518493"/>
+          </a:xfrm>
+          <a:prstGeom prst="rect">
+            <a:avLst/>
+          </a:prstGeom>
+        </p:spPr>
+      </p:pic>
+      <mc:AlternateContent xmlns:mc="http://schemas.openxmlformats.org/markup-compatibility/2006">
+        <mc:Choice xmlns:a14="http://schemas.microsoft.com/office/drawing/2010/main" Requires="a14">
+          <p:sp>
+            <p:nvSpPr>
+              <p:cNvPr id="4" name="TextBox 3">
+                <a:extLst>
+                  <a:ext uri="{FF2B5EF4-FFF2-40B4-BE49-F238E27FC236}">
+                    <a16:creationId xmlns:a16="http://schemas.microsoft.com/office/drawing/2014/main" id="{2F155A67-CDBC-DA45-A033-A1DCB23D98F3}"/>
+                  </a:ext>
+                </a:extLst>
+              </p:cNvPr>
+              <p:cNvSpPr txBox="1"/>
+              <p:nvPr/>
+            </p:nvSpPr>
+            <p:spPr>
+              <a:xfrm>
+                <a:off x="7391400" y="2891707"/>
+                <a:ext cx="1244508" cy="369332"/>
+              </a:xfrm>
+              <a:prstGeom prst="rect">
+                <a:avLst/>
+              </a:prstGeom>
+              <a:noFill/>
+            </p:spPr>
+            <p:txBody>
+              <a:bodyPr wrap="none" rtlCol="0">
+                <a:spAutoFit/>
+              </a:bodyPr>
+              <a:lstStyle/>
+              <a:p>
+                <a:pPr/>
+                <a14:m>
+                  <m:oMathPara xmlns:m="http://schemas.openxmlformats.org/officeDocument/2006/math">
+                    <m:oMathParaPr>
+                      <m:jc m:val="centerGroup"/>
+                    </m:oMathParaPr>
+                    <m:oMath xmlns:m="http://schemas.openxmlformats.org/officeDocument/2006/math">
+                      <m:sSup>
+                        <m:sSupPr>
+                          <m:ctrlPr>
+                            <a:rPr lang="en-US" i="1">
+                              <a:latin typeface="Cambria Math" panose="02040503050406030204" pitchFamily="18" charset="0"/>
+                            </a:rPr>
+                          </m:ctrlPr>
+                        </m:sSupPr>
+                        <m:e>
+                          <m:r>
+                            <a:rPr lang="en-US" i="1">
+                              <a:latin typeface="Cambria Math" panose="02040503050406030204" pitchFamily="18" charset="0"/>
+                            </a:rPr>
+                            <m:t>𝑅</m:t>
+                          </m:r>
+                        </m:e>
+                        <m:sup>
+                          <m:r>
+                            <a:rPr lang="en-US" i="1">
+                              <a:latin typeface="Cambria Math" panose="02040503050406030204" pitchFamily="18" charset="0"/>
+                            </a:rPr>
+                            <m:t>2</m:t>
+                          </m:r>
+                        </m:sup>
+                      </m:sSup>
+                      <m:r>
+                        <a:rPr lang="en-US" i="1">
+                          <a:latin typeface="Cambria Math" panose="02040503050406030204" pitchFamily="18" charset="0"/>
+                        </a:rPr>
+                        <m:t>=0.94</m:t>
+                      </m:r>
+                    </m:oMath>
+                  </m:oMathPara>
+                </a14:m>
+                <a:endParaRPr lang="en-US" dirty="0"/>
+              </a:p>
+            </p:txBody>
+          </p:sp>
+        </mc:Choice>
+        <mc:Fallback>
+          <p:sp>
+            <p:nvSpPr>
+              <p:cNvPr id="4" name="TextBox 3">
+                <a:extLst>
+                  <a:ext uri="{FF2B5EF4-FFF2-40B4-BE49-F238E27FC236}">
+                    <a16:creationId xmlns:a16="http://schemas.microsoft.com/office/drawing/2014/main" id="{2F155A67-CDBC-DA45-A033-A1DCB23D98F3}"/>
+                  </a:ext>
+                </a:extLst>
+              </p:cNvPr>
+              <p:cNvSpPr txBox="1">
+                <a:spLocks noRot="1" noChangeAspect="1" noMove="1" noResize="1" noEditPoints="1" noAdjustHandles="1" noChangeArrowheads="1" noChangeShapeType="1" noTextEdit="1"/>
+              </p:cNvSpPr>
+              <p:nvPr/>
+            </p:nvSpPr>
+            <p:spPr>
+              <a:xfrm>
+                <a:off x="7391400" y="2891707"/>
+                <a:ext cx="1244508" cy="369332"/>
+              </a:xfrm>
+              <a:prstGeom prst="rect">
+                <a:avLst/>
+              </a:prstGeom>
+              <a:blipFill>
+                <a:blip r:embed="rId4"/>
+                <a:stretch>
+                  <a:fillRect/>
+                </a:stretch>
+              </a:blipFill>
+            </p:spPr>
+            <p:txBody>
+              <a:bodyPr/>
+              <a:lstStyle/>
+              <a:p>
+                <a:r>
+                  <a:rPr lang="en-US">
+                    <a:noFill/>
+                  </a:rPr>
+                  <a:t> </a:t>
+                </a:r>
+              </a:p>
+            </p:txBody>
+          </p:sp>
+        </mc:Fallback>
+      </mc:AlternateContent>
+      <p:sp>
+        <p:nvSpPr>
+          <p:cNvPr id="8" name="Title 7">
+            <a:extLst>
+              <a:ext uri="{FF2B5EF4-FFF2-40B4-BE49-F238E27FC236}">
+                <a16:creationId xmlns:a16="http://schemas.microsoft.com/office/drawing/2014/main" id="{3D421A28-B056-9843-B6C7-32D511D32694}"/>
+              </a:ext>
+            </a:extLst>
+          </p:cNvPr>
+          <p:cNvSpPr>
+            <a:spLocks noGrp="1"/>
+          </p:cNvSpPr>
+          <p:nvPr>
+            <p:ph type="title"/>
+          </p:nvPr>
+        </p:nvSpPr>
+        <p:spPr>
+          <a:xfrm>
+            <a:off x="1981200" y="381000"/>
+            <a:ext cx="8229600" cy="838200"/>
+          </a:xfrm>
+        </p:spPr>
+        <p:txBody>
+          <a:bodyPr/>
+          <a:lstStyle/>
+          <a:p>
+            <a:r>
+              <a:rPr lang="en-US" dirty="0"/>
+              <a:t>Limitations of Least Squares</a:t>
+            </a:r>
+          </a:p>
+        </p:txBody>
+      </p:sp>
+      <p:sp>
+        <p:nvSpPr>
+          <p:cNvPr id="2" name="TextBox 1">
+            <a:extLst>
+              <a:ext uri="{FF2B5EF4-FFF2-40B4-BE49-F238E27FC236}">
+                <a16:creationId xmlns:a16="http://schemas.microsoft.com/office/drawing/2014/main" id="{BAA594DF-D73B-E141-B92A-4F4238AA0441}"/>
+              </a:ext>
+            </a:extLst>
+          </p:cNvPr>
+          <p:cNvSpPr txBox="1"/>
+          <p:nvPr/>
+        </p:nvSpPr>
+        <p:spPr>
+          <a:xfrm>
+            <a:off x="2372140" y="1565987"/>
+            <a:ext cx="3571461" cy="707886"/>
+          </a:xfrm>
+          <a:prstGeom prst="rect">
+            <a:avLst/>
+          </a:prstGeom>
+          <a:noFill/>
+        </p:spPr>
+        <p:txBody>
+          <a:bodyPr wrap="square" rtlCol="0">
+            <a:spAutoFit/>
+          </a:bodyPr>
+          <a:lstStyle/>
+          <a:p>
+            <a:r>
+              <a:rPr lang="en-US" sz="2000" dirty="0"/>
+              <a:t>What’s the least squares fit for these data?</a:t>
+            </a:r>
+          </a:p>
+        </p:txBody>
+      </p:sp>
+      <p:cxnSp>
+        <p:nvCxnSpPr>
+          <p:cNvPr id="9" name="Straight Connector 8">
+            <a:extLst>
+              <a:ext uri="{FF2B5EF4-FFF2-40B4-BE49-F238E27FC236}">
+                <a16:creationId xmlns:a16="http://schemas.microsoft.com/office/drawing/2014/main" id="{194DBC42-418D-C141-9DE9-FE598A4222EA}"/>
+              </a:ext>
+            </a:extLst>
+          </p:cNvPr>
+          <p:cNvCxnSpPr>
+            <a:cxnSpLocks/>
+          </p:cNvCxnSpPr>
+          <p:nvPr/>
+        </p:nvCxnSpPr>
+        <p:spPr>
+          <a:xfrm>
+            <a:off x="2514600" y="4419600"/>
+            <a:ext cx="3048000" cy="0"/>
+          </a:xfrm>
+          <a:prstGeom prst="line">
+            <a:avLst/>
+          </a:prstGeom>
+          <a:ln>
+            <a:solidFill>
+              <a:srgbClr val="FF0000"/>
+            </a:solidFill>
+          </a:ln>
+        </p:spPr>
+        <p:style>
+          <a:lnRef idx="2">
+            <a:schemeClr val="accent1"/>
+          </a:lnRef>
+          <a:fillRef idx="0">
+            <a:schemeClr val="accent1"/>
+          </a:fillRef>
+          <a:effectRef idx="1">
+            <a:schemeClr val="accent1"/>
+          </a:effectRef>
+          <a:fontRef idx="minor">
+            <a:schemeClr val="tx1"/>
+          </a:fontRef>
+        </p:style>
+      </p:cxnSp>
+      <p:sp>
+        <p:nvSpPr>
+          <p:cNvPr id="10" name="TextBox 9">
+            <a:extLst>
+              <a:ext uri="{FF2B5EF4-FFF2-40B4-BE49-F238E27FC236}">
+                <a16:creationId xmlns:a16="http://schemas.microsoft.com/office/drawing/2014/main" id="{B9398102-9873-3D47-904F-EA9774067EC8}"/>
+              </a:ext>
+            </a:extLst>
+          </p:cNvPr>
+          <p:cNvSpPr txBox="1"/>
+          <p:nvPr/>
+        </p:nvSpPr>
+        <p:spPr>
+          <a:xfrm>
+            <a:off x="2895600" y="3962400"/>
+            <a:ext cx="1331326" cy="369332"/>
+          </a:xfrm>
+          <a:prstGeom prst="rect">
+            <a:avLst/>
+          </a:prstGeom>
+          <a:noFill/>
+        </p:spPr>
+        <p:txBody>
+          <a:bodyPr wrap="none" rtlCol="0">
+            <a:spAutoFit/>
+          </a:bodyPr>
+          <a:lstStyle/>
+          <a:p>
+            <a:r>
+              <a:rPr lang="en-US" dirty="0">
+                <a:solidFill>
+                  <a:srgbClr val="FF0000"/>
+                </a:solidFill>
+              </a:rPr>
+              <a:t>Maybe this?</a:t>
+            </a:r>
+          </a:p>
+        </p:txBody>
+      </p:sp>
+      <p:cxnSp>
+        <p:nvCxnSpPr>
+          <p:cNvPr id="13" name="Straight Arrow Connector 12">
+            <a:extLst>
+              <a:ext uri="{FF2B5EF4-FFF2-40B4-BE49-F238E27FC236}">
+                <a16:creationId xmlns:a16="http://schemas.microsoft.com/office/drawing/2014/main" id="{4D17E7C7-BF93-CA4D-A989-86A68418EF81}"/>
+              </a:ext>
+            </a:extLst>
+          </p:cNvPr>
+          <p:cNvCxnSpPr/>
+          <p:nvPr/>
+        </p:nvCxnSpPr>
+        <p:spPr>
+          <a:xfrm>
+            <a:off x="5562600" y="2743200"/>
+            <a:ext cx="0" cy="1588532"/>
+          </a:xfrm>
+          <a:prstGeom prst="straightConnector1">
+            <a:avLst/>
+          </a:prstGeom>
+          <a:ln>
+            <a:solidFill>
+              <a:srgbClr val="FF0000"/>
+            </a:solidFill>
+            <a:prstDash val="sysDash"/>
+            <a:headEnd type="triangle"/>
+            <a:tailEnd type="triangle"/>
+          </a:ln>
+        </p:spPr>
+        <p:style>
+          <a:lnRef idx="2">
+            <a:schemeClr val="accent1"/>
+          </a:lnRef>
+          <a:fillRef idx="0">
+            <a:schemeClr val="accent1"/>
+          </a:fillRef>
+          <a:effectRef idx="1">
+            <a:schemeClr val="accent1"/>
+          </a:effectRef>
+          <a:fontRef idx="minor">
+            <a:schemeClr val="tx1"/>
+          </a:fontRef>
+        </p:style>
+      </p:cxnSp>
+      <p:sp>
+        <p:nvSpPr>
+          <p:cNvPr id="14" name="TextBox 13">
+            <a:extLst>
+              <a:ext uri="{FF2B5EF4-FFF2-40B4-BE49-F238E27FC236}">
+                <a16:creationId xmlns:a16="http://schemas.microsoft.com/office/drawing/2014/main" id="{FD8B5466-CA2A-2E43-B81C-832B9746C09E}"/>
+              </a:ext>
+            </a:extLst>
+          </p:cNvPr>
+          <p:cNvSpPr txBox="1"/>
+          <p:nvPr/>
+        </p:nvSpPr>
+        <p:spPr>
+          <a:xfrm>
+            <a:off x="3505200" y="2669738"/>
+            <a:ext cx="1981200" cy="923330"/>
+          </a:xfrm>
+          <a:prstGeom prst="rect">
+            <a:avLst/>
+          </a:prstGeom>
+          <a:noFill/>
+        </p:spPr>
+        <p:txBody>
+          <a:bodyPr wrap="square" rtlCol="0">
+            <a:spAutoFit/>
+          </a:bodyPr>
+          <a:lstStyle/>
+          <a:p>
+            <a:r>
+              <a:rPr lang="en-US" dirty="0">
+                <a:solidFill>
+                  <a:srgbClr val="FF0000"/>
+                </a:solidFill>
+              </a:rPr>
+              <a:t>But doesn’t give smallest squared residuals.</a:t>
+            </a:r>
+          </a:p>
+        </p:txBody>
+      </p:sp>
+      <p:sp>
+        <p:nvSpPr>
+          <p:cNvPr id="15" name="TextBox 14">
+            <a:extLst>
+              <a:ext uri="{FF2B5EF4-FFF2-40B4-BE49-F238E27FC236}">
+                <a16:creationId xmlns:a16="http://schemas.microsoft.com/office/drawing/2014/main" id="{A5EB9FD1-3E47-5B45-9F0E-027C7958C145}"/>
+              </a:ext>
+            </a:extLst>
+          </p:cNvPr>
+          <p:cNvSpPr txBox="1"/>
+          <p:nvPr/>
+        </p:nvSpPr>
+        <p:spPr>
+          <a:xfrm>
+            <a:off x="3058452" y="5674959"/>
+            <a:ext cx="2659639" cy="400110"/>
+          </a:xfrm>
+          <a:prstGeom prst="rect">
+            <a:avLst/>
+          </a:prstGeom>
+          <a:noFill/>
+        </p:spPr>
+        <p:txBody>
+          <a:bodyPr wrap="none" rtlCol="0">
+            <a:spAutoFit/>
+          </a:bodyPr>
+          <a:lstStyle/>
+          <a:p>
+            <a:r>
+              <a:rPr lang="en-US" sz="2000" b="1" dirty="0"/>
+              <a:t>Need outlier detection.</a:t>
+            </a:r>
+          </a:p>
+        </p:txBody>
+      </p:sp>
+    </p:spTree>
+    <p:extLst>
+      <p:ext uri="{BB962C8B-B14F-4D97-AF65-F5344CB8AC3E}">
+        <p14:creationId xmlns:p14="http://schemas.microsoft.com/office/powerpoint/2010/main" val="964714883"/>
+      </p:ext>
+    </p:extLst>
+  </p:cSld>
+  <p:clrMapOvr>
+    <a:masterClrMapping/>
+  </p:clrMapOvr>
+  <p:timing>
+    <p:tnLst>
+      <p:par>
+        <p:cTn id="1" dur="indefinite" restart="never" nodeType="tmRoot">
+          <p:childTnLst>
+            <p:seq concurrent="1" nextAc="seek">
+              <p:cTn id="2" dur="indefinite" nodeType="mainSeq">
+                <p:childTnLst>
+                  <p:par>
+                    <p:cTn id="3" fill="hold">
+                      <p:stCondLst>
+                        <p:cond delay="indefinite"/>
+                      </p:stCondLst>
+                      <p:childTnLst>
+                        <p:par>
+                          <p:cTn id="4" fill="hold">
+                            <p:stCondLst>
+                              <p:cond delay="0"/>
+                            </p:stCondLst>
+                            <p:childTnLst>
+                              <p:par>
+                                <p:cTn id="5" presetID="1" presetClass="entr" presetSubtype="0" fill="hold" grpId="0" nodeType="clickEffect">
+                                  <p:stCondLst>
+                                    <p:cond delay="0"/>
+                                  </p:stCondLst>
+                                  <p:childTnLst>
+                                    <p:set>
+                                      <p:cBhvr>
+                                        <p:cTn id="6" dur="1" fill="hold">
+                                          <p:stCondLst>
+                                            <p:cond delay="0"/>
+                                          </p:stCondLst>
+                                        </p:cTn>
+                                        <p:tgtEl>
+                                          <p:spTgt spid="10"/>
+                                        </p:tgtEl>
+                                        <p:attrNameLst>
+                                          <p:attrName>style.visibility</p:attrName>
+                                        </p:attrNameLst>
+                                      </p:cBhvr>
+                                      <p:to>
+                                        <p:strVal val="visible"/>
+                                      </p:to>
+                                    </p:set>
+                                  </p:childTnLst>
+                                </p:cTn>
+                              </p:par>
+                              <p:par>
+                                <p:cTn id="7" presetID="1" presetClass="entr" presetSubtype="0" fill="hold" nodeType="withEffect">
+                                  <p:stCondLst>
+                                    <p:cond delay="0"/>
+                                  </p:stCondLst>
+                                  <p:childTnLst>
+                                    <p:set>
+                                      <p:cBhvr>
+                                        <p:cTn id="8" dur="1" fill="hold">
+                                          <p:stCondLst>
+                                            <p:cond delay="0"/>
+                                          </p:stCondLst>
+                                        </p:cTn>
+                                        <p:tgtEl>
+                                          <p:spTgt spid="9"/>
+                                        </p:tgtEl>
+                                        <p:attrNameLst>
+                                          <p:attrName>style.visibility</p:attrName>
+                                        </p:attrNameLst>
+                                      </p:cBhvr>
+                                      <p:to>
+                                        <p:strVal val="visible"/>
+                                      </p:to>
+                                    </p:set>
+                                  </p:childTnLst>
+                                </p:cTn>
+                              </p:par>
+                            </p:childTnLst>
+                          </p:cTn>
+                        </p:par>
+                      </p:childTnLst>
+                    </p:cTn>
+                  </p:par>
+                  <p:par>
+                    <p:cTn id="9" fill="hold">
+                      <p:stCondLst>
+                        <p:cond delay="indefinite"/>
+                      </p:stCondLst>
+                      <p:childTnLst>
+                        <p:par>
+                          <p:cTn id="10" fill="hold">
+                            <p:stCondLst>
+                              <p:cond delay="0"/>
+                            </p:stCondLst>
+                            <p:childTnLst>
+                              <p:par>
+                                <p:cTn id="11" presetID="1" presetClass="entr" presetSubtype="0" fill="hold" grpId="0" nodeType="clickEffect">
+                                  <p:stCondLst>
+                                    <p:cond delay="0"/>
+                                  </p:stCondLst>
+                                  <p:childTnLst>
+                                    <p:set>
+                                      <p:cBhvr>
+                                        <p:cTn id="12" dur="1" fill="hold">
+                                          <p:stCondLst>
+                                            <p:cond delay="0"/>
+                                          </p:stCondLst>
+                                        </p:cTn>
+                                        <p:tgtEl>
+                                          <p:spTgt spid="14"/>
+                                        </p:tgtEl>
+                                        <p:attrNameLst>
+                                          <p:attrName>style.visibility</p:attrName>
+                                        </p:attrNameLst>
+                                      </p:cBhvr>
+                                      <p:to>
+                                        <p:strVal val="visible"/>
+                                      </p:to>
+                                    </p:set>
+                                  </p:childTnLst>
+                                </p:cTn>
+                              </p:par>
+                              <p:par>
+                                <p:cTn id="13" presetID="1" presetClass="entr" presetSubtype="0" fill="hold" nodeType="withEffect">
+                                  <p:stCondLst>
+                                    <p:cond delay="0"/>
+                                  </p:stCondLst>
+                                  <p:childTnLst>
+                                    <p:set>
+                                      <p:cBhvr>
+                                        <p:cTn id="14" dur="1" fill="hold">
+                                          <p:stCondLst>
+                                            <p:cond delay="0"/>
+                                          </p:stCondLst>
+                                        </p:cTn>
+                                        <p:tgtEl>
+                                          <p:spTgt spid="13"/>
+                                        </p:tgtEl>
+                                        <p:attrNameLst>
+                                          <p:attrName>style.visibility</p:attrName>
+                                        </p:attrNameLst>
+                                      </p:cBhvr>
+                                      <p:to>
+                                        <p:strVal val="visible"/>
+                                      </p:to>
+                                    </p:set>
+                                  </p:childTnLst>
+                                </p:cTn>
+                              </p:par>
+                            </p:childTnLst>
+                          </p:cTn>
+                        </p:par>
+                      </p:childTnLst>
+                    </p:cTn>
+                  </p:par>
+                  <p:par>
+                    <p:cTn id="15" fill="hold">
+                      <p:stCondLst>
+                        <p:cond delay="indefinite"/>
+                      </p:stCondLst>
+                      <p:childTnLst>
+                        <p:par>
+                          <p:cTn id="16" fill="hold">
+                            <p:stCondLst>
+                              <p:cond delay="0"/>
+                            </p:stCondLst>
+                            <p:childTnLst>
+                              <p:par>
+                                <p:cTn id="17" presetID="1" presetClass="entr" presetSubtype="0" fill="hold" nodeType="clickEffect">
+                                  <p:stCondLst>
+                                    <p:cond delay="0"/>
+                                  </p:stCondLst>
+                                  <p:childTnLst>
+                                    <p:set>
+                                      <p:cBhvr>
+                                        <p:cTn id="18" dur="1" fill="hold">
+                                          <p:stCondLst>
+                                            <p:cond delay="0"/>
+                                          </p:stCondLst>
+                                        </p:cTn>
+                                        <p:tgtEl>
+                                          <p:spTgt spid="5"/>
+                                        </p:tgtEl>
+                                        <p:attrNameLst>
+                                          <p:attrName>style.visibility</p:attrName>
+                                        </p:attrNameLst>
+                                      </p:cBhvr>
+                                      <p:to>
+                                        <p:strVal val="visible"/>
+                                      </p:to>
+                                    </p:set>
+                                  </p:childTnLst>
+                                </p:cTn>
+                              </p:par>
+                            </p:childTnLst>
+                          </p:cTn>
+                        </p:par>
+                      </p:childTnLst>
+                    </p:cTn>
+                  </p:par>
+                  <p:par>
+                    <p:cTn id="19" fill="hold">
+                      <p:stCondLst>
+                        <p:cond delay="indefinite"/>
+                      </p:stCondLst>
+                      <p:childTnLst>
+                        <p:par>
+                          <p:cTn id="20" fill="hold">
+                            <p:stCondLst>
+                              <p:cond delay="0"/>
+                            </p:stCondLst>
+                            <p:childTnLst>
+                              <p:par>
+                                <p:cTn id="21" presetID="1" presetClass="entr" presetSubtype="0" fill="hold" grpId="0" nodeType="clickEffect">
+                                  <p:stCondLst>
+                                    <p:cond delay="0"/>
+                                  </p:stCondLst>
+                                  <p:childTnLst>
+                                    <p:set>
+                                      <p:cBhvr>
+                                        <p:cTn id="22" dur="1" fill="hold">
+                                          <p:stCondLst>
+                                            <p:cond delay="0"/>
+                                          </p:stCondLst>
+                                        </p:cTn>
+                                        <p:tgtEl>
+                                          <p:spTgt spid="4"/>
+                                        </p:tgtEl>
+                                        <p:attrNameLst>
+                                          <p:attrName>style.visibility</p:attrName>
+                                        </p:attrNameLst>
+                                      </p:cBhvr>
+                                      <p:to>
+                                        <p:strVal val="visible"/>
+                                      </p:to>
+                                    </p:set>
+                                  </p:childTnLst>
+                                </p:cTn>
+                              </p:par>
+                            </p:childTnLst>
+                          </p:cTn>
+                        </p:par>
+                      </p:childTnLst>
+                    </p:cTn>
+                  </p:par>
+                  <p:par>
+                    <p:cTn id="23" fill="hold">
+                      <p:stCondLst>
+                        <p:cond delay="indefinite"/>
+                      </p:stCondLst>
+                      <p:childTnLst>
+                        <p:par>
+                          <p:cTn id="24" fill="hold">
+                            <p:stCondLst>
+                              <p:cond delay="0"/>
+                            </p:stCondLst>
+                            <p:childTnLst>
+                              <p:par>
+                                <p:cTn id="25" presetID="1" presetClass="entr" presetSubtype="0" fill="hold" grpId="0" nodeType="clickEffect">
+                                  <p:stCondLst>
+                                    <p:cond delay="0"/>
+                                  </p:stCondLst>
+                                  <p:childTnLst>
+                                    <p:set>
+                                      <p:cBhvr>
+                                        <p:cTn id="26" dur="1" fill="hold">
+                                          <p:stCondLst>
+                                            <p:cond delay="0"/>
+                                          </p:stCondLst>
+                                        </p:cTn>
+                                        <p:tgtEl>
+                                          <p:spTgt spid="15"/>
+                                        </p:tgtEl>
+                                        <p:attrNameLst>
+                                          <p:attrName>style.visibility</p:attrName>
+                                        </p:attrNameLst>
+                                      </p:cBhvr>
+                                      <p:to>
+                                        <p:strVal val="visible"/>
+                                      </p:to>
+                                    </p:set>
+                                  </p:childTnLst>
+                                </p:cTn>
+                              </p:par>
+                            </p:childTnLst>
+                          </p:cTn>
+                        </p:par>
+                      </p:childTnLst>
+                    </p:cTn>
+                  </p:par>
+                </p:childTnLst>
+              </p:cTn>
+              <p:prevCondLst>
+                <p:cond evt="onPrev" delay="0">
+                  <p:tgtEl>
+                    <p:sldTgt/>
+                  </p:tgtEl>
+                </p:cond>
+              </p:prevCondLst>
+              <p:nextCondLst>
+                <p:cond evt="onNext" delay="0">
+                  <p:tgtEl>
+                    <p:sldTgt/>
+                  </p:tgtEl>
+                </p:cond>
+              </p:nextCondLst>
+            </p:seq>
+          </p:childTnLst>
+        </p:cTn>
+      </p:par>
+    </p:tnLst>
+    <p:bldLst>
+      <p:bldP spid="4" grpId="0"/>
+      <p:bldP spid="10" grpId="0"/>
+      <p:bldP spid="14" grpId="0"/>
+      <p:bldP spid="15" grpId="0"/>
+    </p:bldLst>
+  </p:timing>
+</p:sld>
+</file>
+
+<file path=ppt/slides/slide14.xml><?xml version="1.0" encoding="utf-8"?>
+<p:sld xmlns:a="http://schemas.openxmlformats.org/drawingml/2006/main" xmlns:r="http://schemas.openxmlformats.org/officeDocument/2006/relationships" xmlns:p="http://schemas.openxmlformats.org/presentationml/2006/main">
+  <p:cSld>
+    <p:spTree>
+      <p:nvGrpSpPr>
+        <p:cNvPr id="1" name=""/>
+        <p:cNvGrpSpPr/>
+        <p:nvPr/>
+      </p:nvGrpSpPr>
+      <p:grpSpPr>
+        <a:xfrm>
+          <a:off x="0" y="0"/>
+          <a:ext cx="0" cy="0"/>
+          <a:chOff x="0" y="0"/>
+          <a:chExt cx="0" cy="0"/>
+        </a:xfrm>
+      </p:grpSpPr>
+      <p:sp>
+        <p:nvSpPr>
+          <p:cNvPr id="2" name="Title 1"/>
+          <p:cNvSpPr>
+            <a:spLocks noGrp="1"/>
+          </p:cNvSpPr>
+          <p:nvPr>
+            <p:ph type="title"/>
+          </p:nvPr>
+        </p:nvSpPr>
+        <p:spPr/>
+        <p:txBody>
+          <a:bodyPr/>
+          <a:lstStyle/>
+          <a:p>
+            <a:r>
+              <a:rPr lang="en-US" dirty="0"/>
+              <a:t>The various problems with fitting</a:t>
+            </a:r>
+          </a:p>
+        </p:txBody>
+      </p:sp>
+      <p:pic>
+        <p:nvPicPr>
+          <p:cNvPr id="8" name="Picture 7"/>
+          <p:cNvPicPr>
+            <a:picLocks noChangeAspect="1"/>
+          </p:cNvPicPr>
+          <p:nvPr/>
+        </p:nvPicPr>
+        <p:blipFill>
+          <a:blip r:embed="rId2"/>
+          <a:stretch>
+            <a:fillRect/>
+          </a:stretch>
+        </p:blipFill>
+        <p:spPr>
+          <a:xfrm>
+            <a:off x="756170" y="2280622"/>
+            <a:ext cx="4728056" cy="3485476"/>
+          </a:xfrm>
+          <a:prstGeom prst="rect">
+            <a:avLst/>
+          </a:prstGeom>
+        </p:spPr>
+      </p:pic>
+      <p:pic>
+        <p:nvPicPr>
+          <p:cNvPr id="2052" name="Picture 4" descr="Image result for cartoon nonlionear model fitting bad fits"/>
+          <p:cNvPicPr>
+            <a:picLocks noChangeAspect="1" noChangeArrowheads="1"/>
+          </p:cNvPicPr>
+          <p:nvPr/>
+        </p:nvPicPr>
+        <p:blipFill>
+          <a:blip r:embed="rId3" cstate="print">
+            <a:extLst>
+              <a:ext uri="{28A0092B-C50C-407E-A947-70E740481C1C}">
+                <a14:useLocalDpi xmlns:a14="http://schemas.microsoft.com/office/drawing/2010/main" val="0"/>
+              </a:ext>
+            </a:extLst>
+          </a:blip>
+          <a:srcRect/>
+          <a:stretch>
+            <a:fillRect/>
+          </a:stretch>
+        </p:blipFill>
+        <p:spPr bwMode="auto">
+          <a:xfrm>
+            <a:off x="5726539" y="2280622"/>
+            <a:ext cx="4127505" cy="3616923"/>
+          </a:xfrm>
+          <a:prstGeom prst="rect">
+            <a:avLst/>
+          </a:prstGeom>
+          <a:noFill/>
+          <a:extLst>
+            <a:ext uri="{909E8E84-426E-40DD-AFC4-6F175D3DCCD1}">
+              <a14:hiddenFill xmlns:a14="http://schemas.microsoft.com/office/drawing/2010/main">
+                <a:solidFill>
+                  <a:srgbClr val="FFFFFF"/>
+                </a:solidFill>
+              </a14:hiddenFill>
+            </a:ext>
+          </a:extLst>
+        </p:spPr>
+      </p:pic>
+      <p:sp>
+        <p:nvSpPr>
+          <p:cNvPr id="15" name="TextBox 14"/>
+          <p:cNvSpPr txBox="1"/>
+          <p:nvPr/>
+        </p:nvSpPr>
+        <p:spPr>
+          <a:xfrm>
+            <a:off x="989702" y="1690688"/>
+            <a:ext cx="3659720" cy="523220"/>
+          </a:xfrm>
+          <a:prstGeom prst="rect">
+            <a:avLst/>
+          </a:prstGeom>
+          <a:noFill/>
+        </p:spPr>
+        <p:txBody>
+          <a:bodyPr wrap="none" rtlCol="0">
+            <a:spAutoFit/>
+          </a:bodyPr>
+          <a:lstStyle/>
+          <a:p>
+            <a:r>
+              <a:rPr lang="en-US" sz="2800" dirty="0">
+                <a:solidFill>
+                  <a:srgbClr val="FF0000"/>
+                </a:solidFill>
+              </a:rPr>
+              <a:t>A Bad Fit: Wrong Model</a:t>
+            </a:r>
+          </a:p>
+        </p:txBody>
+      </p:sp>
+      <p:sp>
+        <p:nvSpPr>
+          <p:cNvPr id="16" name="TextBox 15"/>
+          <p:cNvSpPr txBox="1"/>
+          <p:nvPr/>
+        </p:nvSpPr>
+        <p:spPr>
+          <a:xfrm>
+            <a:off x="6551406" y="1583228"/>
+            <a:ext cx="2927148" cy="523220"/>
+          </a:xfrm>
+          <a:prstGeom prst="rect">
+            <a:avLst/>
+          </a:prstGeom>
+          <a:noFill/>
+        </p:spPr>
+        <p:txBody>
+          <a:bodyPr wrap="none" rtlCol="0">
+            <a:spAutoFit/>
+          </a:bodyPr>
+          <a:lstStyle/>
+          <a:p>
+            <a:r>
+              <a:rPr lang="en-US" sz="2800" dirty="0">
+                <a:solidFill>
+                  <a:srgbClr val="FF0000"/>
+                </a:solidFill>
+              </a:rPr>
+              <a:t>The Wrong Model!</a:t>
+            </a:r>
+          </a:p>
+        </p:txBody>
+      </p:sp>
+    </p:spTree>
+    <p:extLst>
+      <p:ext uri="{BB962C8B-B14F-4D97-AF65-F5344CB8AC3E}">
+        <p14:creationId xmlns:p14="http://schemas.microsoft.com/office/powerpoint/2010/main" val="1288000009"/>
+      </p:ext>
+    </p:extLst>
+  </p:cSld>
+  <p:clrMapOvr>
+    <a:masterClrMapping/>
+  </p:clrMapOvr>
+</p:sld>
+</file>
+
+<file path=ppt/slides/slide15.xml><?xml version="1.0" encoding="utf-8"?>
+<p:sld xmlns:a="http://schemas.openxmlformats.org/drawingml/2006/main" xmlns:r="http://schemas.openxmlformats.org/officeDocument/2006/relationships" xmlns:p="http://schemas.openxmlformats.org/presentationml/2006/main">
+  <p:cSld>
+    <p:spTree>
+      <p:nvGrpSpPr>
+        <p:cNvPr id="1" name=""/>
+        <p:cNvGrpSpPr/>
+        <p:nvPr/>
+      </p:nvGrpSpPr>
+      <p:grpSpPr>
+        <a:xfrm>
+          <a:off x="0" y="0"/>
+          <a:ext cx="0" cy="0"/>
+          <a:chOff x="0" y="0"/>
+          <a:chExt cx="0" cy="0"/>
+        </a:xfrm>
+      </p:grpSpPr>
+      <p:sp>
+        <p:nvSpPr>
+          <p:cNvPr id="2" name="Title 1"/>
+          <p:cNvSpPr>
+            <a:spLocks noGrp="1"/>
+          </p:cNvSpPr>
+          <p:nvPr>
+            <p:ph type="title"/>
+          </p:nvPr>
+        </p:nvSpPr>
+        <p:spPr/>
+        <p:txBody>
+          <a:bodyPr/>
+          <a:lstStyle/>
+          <a:p>
+            <a:r>
+              <a:rPr lang="en-US" dirty="0"/>
+              <a:t>You’ve probably seen this: Someone is a bit too enthusiastic with Excel</a:t>
+            </a:r>
+          </a:p>
+        </p:txBody>
+      </p:sp>
+      <p:sp>
+        <p:nvSpPr>
+          <p:cNvPr id="16" name="TextBox 15"/>
+          <p:cNvSpPr txBox="1"/>
+          <p:nvPr/>
+        </p:nvSpPr>
+        <p:spPr>
+          <a:xfrm>
+            <a:off x="4283616" y="1784291"/>
+            <a:ext cx="2872581" cy="830997"/>
+          </a:xfrm>
+          <a:prstGeom prst="rect">
+            <a:avLst/>
+          </a:prstGeom>
+          <a:noFill/>
+        </p:spPr>
+        <p:txBody>
+          <a:bodyPr wrap="none" rtlCol="0">
+            <a:spAutoFit/>
+          </a:bodyPr>
+          <a:lstStyle/>
+          <a:p>
+            <a:r>
+              <a:rPr lang="en-US" sz="4800" dirty="0">
+                <a:solidFill>
+                  <a:srgbClr val="FF0000"/>
+                </a:solidFill>
+              </a:rPr>
+              <a:t>Overfitting</a:t>
+            </a:r>
+          </a:p>
+        </p:txBody>
+      </p:sp>
+      <p:pic>
+        <p:nvPicPr>
+          <p:cNvPr id="3" name="Picture 2"/>
+          <p:cNvPicPr>
+            <a:picLocks noChangeAspect="1"/>
+          </p:cNvPicPr>
+          <p:nvPr/>
+        </p:nvPicPr>
+        <p:blipFill>
+          <a:blip r:embed="rId2"/>
+          <a:stretch>
+            <a:fillRect/>
+          </a:stretch>
+        </p:blipFill>
+        <p:spPr>
+          <a:xfrm>
+            <a:off x="565653" y="3016251"/>
+            <a:ext cx="4584589" cy="2755631"/>
+          </a:xfrm>
+          <a:prstGeom prst="rect">
+            <a:avLst/>
+          </a:prstGeom>
+        </p:spPr>
+      </p:pic>
+      <p:pic>
+        <p:nvPicPr>
+          <p:cNvPr id="4" name="Picture 3"/>
+          <p:cNvPicPr>
+            <a:picLocks noChangeAspect="1"/>
+          </p:cNvPicPr>
+          <p:nvPr/>
+        </p:nvPicPr>
+        <p:blipFill>
+          <a:blip r:embed="rId3"/>
+          <a:stretch>
+            <a:fillRect/>
+          </a:stretch>
+        </p:blipFill>
+        <p:spPr>
+          <a:xfrm>
+            <a:off x="5901446" y="2949771"/>
+            <a:ext cx="4584589" cy="2755631"/>
+          </a:xfrm>
+          <a:prstGeom prst="rect">
+            <a:avLst/>
+          </a:prstGeom>
+        </p:spPr>
+      </p:pic>
+    </p:spTree>
+    <p:extLst>
+      <p:ext uri="{BB962C8B-B14F-4D97-AF65-F5344CB8AC3E}">
+        <p14:creationId xmlns:p14="http://schemas.microsoft.com/office/powerpoint/2010/main" val="417111455"/>
+      </p:ext>
+    </p:extLst>
+  </p:cSld>
+  <p:clrMapOvr>
+    <a:masterClrMapping/>
+  </p:clrMapOvr>
+</p:sld>
+</file>
+
+<file path=ppt/slides/slide16.xml><?xml version="1.0" encoding="utf-8"?>
+<p:sld xmlns:a="http://schemas.openxmlformats.org/drawingml/2006/main" xmlns:r="http://schemas.openxmlformats.org/officeDocument/2006/relationships" xmlns:p="http://schemas.openxmlformats.org/presentationml/2006/main">
+  <p:cSld>
+    <p:spTree>
+      <p:nvGrpSpPr>
+        <p:cNvPr id="1" name=""/>
+        <p:cNvGrpSpPr/>
+        <p:nvPr/>
+      </p:nvGrpSpPr>
+      <p:grpSpPr>
+        <a:xfrm>
+          <a:off x="0" y="0"/>
+          <a:ext cx="0" cy="0"/>
+          <a:chOff x="0" y="0"/>
+          <a:chExt cx="0" cy="0"/>
+        </a:xfrm>
+      </p:grpSpPr>
+      <p:sp>
+        <p:nvSpPr>
+          <p:cNvPr id="2" name="Title 1"/>
+          <p:cNvSpPr>
+            <a:spLocks noGrp="1"/>
+          </p:cNvSpPr>
+          <p:nvPr>
+            <p:ph type="title"/>
+          </p:nvPr>
+        </p:nvSpPr>
+        <p:spPr/>
+        <p:txBody>
+          <a:bodyPr/>
+          <a:lstStyle/>
+          <a:p>
+            <a:r>
+              <a:rPr lang="en-US" dirty="0"/>
+              <a:t>Under fitting</a:t>
+            </a:r>
+          </a:p>
+        </p:txBody>
+      </p:sp>
+      <p:sp>
+        <p:nvSpPr>
+          <p:cNvPr id="16" name="TextBox 15"/>
+          <p:cNvSpPr txBox="1"/>
+          <p:nvPr/>
+        </p:nvSpPr>
+        <p:spPr>
+          <a:xfrm>
+            <a:off x="1656675" y="2025380"/>
+            <a:ext cx="2043893" cy="523220"/>
+          </a:xfrm>
+          <a:prstGeom prst="rect">
+            <a:avLst/>
+          </a:prstGeom>
+          <a:noFill/>
+        </p:spPr>
+        <p:txBody>
+          <a:bodyPr wrap="none" rtlCol="0">
+            <a:spAutoFit/>
+          </a:bodyPr>
+          <a:lstStyle/>
+          <a:p>
+            <a:r>
+              <a:rPr lang="en-US" sz="2800" dirty="0">
+                <a:solidFill>
+                  <a:srgbClr val="FF0000"/>
+                </a:solidFill>
+              </a:rPr>
+              <a:t>Under fitting</a:t>
+            </a:r>
+          </a:p>
+        </p:txBody>
+      </p:sp>
+      <p:pic>
+        <p:nvPicPr>
+          <p:cNvPr id="8" name="Picture 7"/>
+          <p:cNvPicPr>
+            <a:picLocks noChangeAspect="1"/>
+          </p:cNvPicPr>
+          <p:nvPr/>
+        </p:nvPicPr>
+        <p:blipFill>
+          <a:blip r:embed="rId2"/>
+          <a:stretch>
+            <a:fillRect/>
+          </a:stretch>
+        </p:blipFill>
+        <p:spPr>
+          <a:xfrm>
+            <a:off x="838200" y="2883292"/>
+            <a:ext cx="4572396" cy="2743438"/>
+          </a:xfrm>
+          <a:prstGeom prst="rect">
+            <a:avLst/>
+          </a:prstGeom>
+        </p:spPr>
+      </p:pic>
+      <p:pic>
+        <p:nvPicPr>
+          <p:cNvPr id="10" name="Picture 9"/>
+          <p:cNvPicPr>
+            <a:picLocks noChangeAspect="1"/>
+          </p:cNvPicPr>
+          <p:nvPr/>
+        </p:nvPicPr>
+        <p:blipFill>
+          <a:blip r:embed="rId3"/>
+          <a:stretch>
+            <a:fillRect/>
+          </a:stretch>
+        </p:blipFill>
+        <p:spPr>
+          <a:xfrm>
+            <a:off x="6219515" y="2883292"/>
+            <a:ext cx="4572396" cy="2743438"/>
+          </a:xfrm>
+          <a:prstGeom prst="rect">
+            <a:avLst/>
+          </a:prstGeom>
+        </p:spPr>
+      </p:pic>
+      <p:sp>
+        <p:nvSpPr>
+          <p:cNvPr id="12" name="TextBox 11"/>
+          <p:cNvSpPr txBox="1"/>
+          <p:nvPr/>
+        </p:nvSpPr>
+        <p:spPr>
+          <a:xfrm>
+            <a:off x="7360021" y="2025380"/>
+            <a:ext cx="2255105" cy="523220"/>
+          </a:xfrm>
+          <a:prstGeom prst="rect">
+            <a:avLst/>
+          </a:prstGeom>
+          <a:noFill/>
+        </p:spPr>
+        <p:txBody>
+          <a:bodyPr wrap="none" rtlCol="0">
+            <a:spAutoFit/>
+          </a:bodyPr>
+          <a:lstStyle/>
+          <a:p>
+            <a:r>
+              <a:rPr lang="en-US" sz="2800" dirty="0">
+                <a:solidFill>
+                  <a:srgbClr val="FF0000"/>
+                </a:solidFill>
+              </a:rPr>
+              <a:t>More Realistic</a:t>
+            </a:r>
+          </a:p>
+        </p:txBody>
+      </p:sp>
+    </p:spTree>
+    <p:extLst>
+      <p:ext uri="{BB962C8B-B14F-4D97-AF65-F5344CB8AC3E}">
+        <p14:creationId xmlns:p14="http://schemas.microsoft.com/office/powerpoint/2010/main" val="626356990"/>
+      </p:ext>
+    </p:extLst>
+  </p:cSld>
+  <p:clrMapOvr>
+    <a:masterClrMapping/>
+  </p:clrMapOvr>
+</p:sld>
+</file>
+
+<file path=ppt/slides/slide17.xml><?xml version="1.0" encoding="utf-8"?>
+<p:sld xmlns:a="http://schemas.openxmlformats.org/drawingml/2006/main" xmlns:r="http://schemas.openxmlformats.org/officeDocument/2006/relationships" xmlns:p="http://schemas.openxmlformats.org/presentationml/2006/main">
+  <p:cSld>
+    <p:spTree>
+      <p:nvGrpSpPr>
+        <p:cNvPr id="1" name=""/>
+        <p:cNvGrpSpPr/>
+        <p:nvPr/>
+      </p:nvGrpSpPr>
+      <p:grpSpPr>
+        <a:xfrm>
+          <a:off x="0" y="0"/>
+          <a:ext cx="0" cy="0"/>
+          <a:chOff x="0" y="0"/>
+          <a:chExt cx="0" cy="0"/>
+        </a:xfrm>
+      </p:grpSpPr>
+      <p:sp>
+        <p:nvSpPr>
+          <p:cNvPr id="2" name="Title 1"/>
+          <p:cNvSpPr>
+            <a:spLocks noGrp="1"/>
+          </p:cNvSpPr>
+          <p:nvPr>
+            <p:ph type="title"/>
+          </p:nvPr>
+        </p:nvSpPr>
+        <p:spPr>
+          <a:xfrm>
+            <a:off x="192101" y="365125"/>
+            <a:ext cx="11802673" cy="1325563"/>
+          </a:xfrm>
+        </p:spPr>
+        <p:txBody>
+          <a:bodyPr/>
+          <a:lstStyle/>
+          <a:p>
+            <a:r>
+              <a:rPr lang="en-US" dirty="0"/>
+              <a:t>Types of Questions Asked when Fitting: Chapter 9</a:t>
+            </a:r>
+          </a:p>
+        </p:txBody>
+      </p:sp>
+      <p:pic>
+        <p:nvPicPr>
+          <p:cNvPr id="4" name="Picture 3"/>
+          <p:cNvPicPr>
+            <a:picLocks noChangeAspect="1"/>
+          </p:cNvPicPr>
+          <p:nvPr/>
+        </p:nvPicPr>
+        <p:blipFill>
+          <a:blip r:embed="rId2"/>
+          <a:stretch>
+            <a:fillRect/>
+          </a:stretch>
+        </p:blipFill>
+        <p:spPr>
+          <a:xfrm>
+            <a:off x="1724025" y="1913572"/>
+            <a:ext cx="8743950" cy="3762375"/>
+          </a:xfrm>
+          <a:prstGeom prst="rect">
+            <a:avLst/>
+          </a:prstGeom>
+        </p:spPr>
+      </p:pic>
+    </p:spTree>
+    <p:extLst>
+      <p:ext uri="{BB962C8B-B14F-4D97-AF65-F5344CB8AC3E}">
+        <p14:creationId xmlns:p14="http://schemas.microsoft.com/office/powerpoint/2010/main" val="1005931164"/>
+      </p:ext>
+    </p:extLst>
+  </p:cSld>
+  <p:clrMapOvr>
+    <a:masterClrMapping/>
+  </p:clrMapOvr>
+</p:sld>
+</file>
+
+<file path=ppt/slides/slide18.xml><?xml version="1.0" encoding="utf-8"?>
+<p:sld xmlns:a="http://schemas.openxmlformats.org/drawingml/2006/main" xmlns:r="http://schemas.openxmlformats.org/officeDocument/2006/relationships" xmlns:p="http://schemas.openxmlformats.org/presentationml/2006/main">
+  <p:cSld>
+    <p:spTree>
+      <p:nvGrpSpPr>
+        <p:cNvPr id="1" name=""/>
+        <p:cNvGrpSpPr/>
+        <p:nvPr/>
+      </p:nvGrpSpPr>
+      <p:grpSpPr>
+        <a:xfrm>
+          <a:off x="0" y="0"/>
+          <a:ext cx="0" cy="0"/>
+          <a:chOff x="0" y="0"/>
+          <a:chExt cx="0" cy="0"/>
+        </a:xfrm>
+      </p:grpSpPr>
+      <p:sp>
+        <p:nvSpPr>
+          <p:cNvPr id="2" name="Title 1"/>
+          <p:cNvSpPr>
+            <a:spLocks noGrp="1"/>
+          </p:cNvSpPr>
+          <p:nvPr>
+            <p:ph type="title"/>
+          </p:nvPr>
+        </p:nvSpPr>
+        <p:spPr>
+          <a:xfrm>
+            <a:off x="278801" y="365125"/>
+            <a:ext cx="5723965" cy="1325563"/>
+          </a:xfrm>
+        </p:spPr>
+        <p:txBody>
+          <a:bodyPr/>
+          <a:lstStyle/>
+          <a:p>
+            <a:r>
+              <a:rPr lang="en-US" dirty="0"/>
+              <a:t>Model Fitting Work flow</a:t>
+            </a:r>
+          </a:p>
+        </p:txBody>
+      </p:sp>
+      <p:pic>
+        <p:nvPicPr>
+          <p:cNvPr id="4" name="Picture 3"/>
+          <p:cNvPicPr>
+            <a:picLocks noChangeAspect="1"/>
+          </p:cNvPicPr>
+          <p:nvPr/>
+        </p:nvPicPr>
+        <p:blipFill>
+          <a:blip r:embed="rId2"/>
+          <a:stretch>
+            <a:fillRect/>
+          </a:stretch>
+        </p:blipFill>
+        <p:spPr>
+          <a:xfrm>
+            <a:off x="3571539" y="1490835"/>
+            <a:ext cx="4397187" cy="5189328"/>
+          </a:xfrm>
+          <a:prstGeom prst="rect">
+            <a:avLst/>
+          </a:prstGeom>
+        </p:spPr>
+      </p:pic>
+    </p:spTree>
+    <p:extLst>
+      <p:ext uri="{BB962C8B-B14F-4D97-AF65-F5344CB8AC3E}">
+        <p14:creationId xmlns:p14="http://schemas.microsoft.com/office/powerpoint/2010/main" val="1685283647"/>
+      </p:ext>
+    </p:extLst>
+  </p:cSld>
+  <p:clrMapOvr>
+    <a:masterClrMapping/>
+  </p:clrMapOvr>
+</p:sld>
+</file>
+
+<file path=ppt/slides/slide19.xml><?xml version="1.0" encoding="utf-8"?>
+<p:sld xmlns:a="http://schemas.openxmlformats.org/drawingml/2006/main" xmlns:r="http://schemas.openxmlformats.org/officeDocument/2006/relationships" xmlns:p="http://schemas.openxmlformats.org/presentationml/2006/main">
+  <p:cSld>
+    <p:spTree>
+      <p:nvGrpSpPr>
+        <p:cNvPr id="1" name=""/>
+        <p:cNvGrpSpPr/>
+        <p:nvPr/>
+      </p:nvGrpSpPr>
+      <p:grpSpPr>
+        <a:xfrm>
+          <a:off x="0" y="0"/>
+          <a:ext cx="0" cy="0"/>
+          <a:chOff x="0" y="0"/>
+          <a:chExt cx="0" cy="0"/>
+        </a:xfrm>
+      </p:grpSpPr>
+      <p:sp>
+        <p:nvSpPr>
+          <p:cNvPr id="2" name="Title 1"/>
+          <p:cNvSpPr>
+            <a:spLocks noGrp="1"/>
+          </p:cNvSpPr>
+          <p:nvPr>
+            <p:ph type="title"/>
+          </p:nvPr>
+        </p:nvSpPr>
+        <p:spPr>
+          <a:xfrm>
+            <a:off x="278801" y="365125"/>
+            <a:ext cx="5723965" cy="1325563"/>
+          </a:xfrm>
+        </p:spPr>
+        <p:txBody>
+          <a:bodyPr/>
+          <a:lstStyle/>
+          <a:p>
+            <a:r>
+              <a:rPr lang="en-US" dirty="0"/>
+              <a:t>Fitting Models</a:t>
+            </a:r>
+          </a:p>
+        </p:txBody>
+      </p:sp>
+      <mc:AlternateContent xmlns:mc="http://schemas.openxmlformats.org/markup-compatibility/2006" xmlns:a14="http://schemas.microsoft.com/office/drawing/2010/main">
+        <mc:Choice Requires="a14">
+          <p:sp>
+            <p:nvSpPr>
+              <p:cNvPr id="3" name="TextBox 2"/>
+              <p:cNvSpPr txBox="1"/>
+              <p:nvPr/>
+            </p:nvSpPr>
+            <p:spPr>
+              <a:xfrm>
+                <a:off x="494852" y="2011680"/>
+                <a:ext cx="3608680" cy="1200329"/>
+              </a:xfrm>
+              <a:prstGeom prst="rect">
+                <a:avLst/>
+              </a:prstGeom>
+              <a:noFill/>
+            </p:spPr>
+            <p:txBody>
+              <a:bodyPr wrap="none" rtlCol="0">
+                <a:spAutoFit/>
+              </a:bodyPr>
+              <a:lstStyle/>
+              <a:p>
+                <a:r>
+                  <a:rPr lang="en-US" sz="2400" dirty="0"/>
+                  <a:t>Consider the simple model:</a:t>
+                </a:r>
+              </a:p>
+              <a:p>
+                <a:endParaRPr lang="en-US" sz="2400" dirty="0"/>
+              </a:p>
+              <a:p>
+                <a:pPr/>
+                <a14:m>
+                  <m:oMathPara xmlns:m="http://schemas.openxmlformats.org/officeDocument/2006/math">
+                    <m:oMathParaPr>
+                      <m:jc m:val="centerGroup"/>
+                    </m:oMathParaPr>
+                    <m:oMath xmlns:m="http://schemas.openxmlformats.org/officeDocument/2006/math">
+                      <m:sSub>
+                        <m:sSubPr>
+                          <m:ctrlPr>
+                            <a:rPr lang="en-US" sz="2400" b="0" i="1" smtClean="0">
+                              <a:latin typeface="Cambria Math" panose="02040503050406030204" pitchFamily="18" charset="0"/>
+                            </a:rPr>
+                          </m:ctrlPr>
+                        </m:sSubPr>
+                        <m:e>
+                          <m:r>
+                            <a:rPr lang="en-US" sz="2400" b="0" i="1" smtClean="0">
+                              <a:latin typeface="Cambria Math" panose="02040503050406030204" pitchFamily="18" charset="0"/>
+                            </a:rPr>
+                            <m:t>𝑆</m:t>
+                          </m:r>
+                        </m:e>
+                        <m:sub>
+                          <m:r>
+                            <a:rPr lang="en-US" sz="2400" b="0" i="1" smtClean="0">
+                              <a:latin typeface="Cambria Math" panose="02040503050406030204" pitchFamily="18" charset="0"/>
+                            </a:rPr>
+                            <m:t>1</m:t>
+                          </m:r>
+                        </m:sub>
+                      </m:sSub>
+                      <m:r>
+                        <a:rPr lang="en-US" sz="2400" b="0" i="1" smtClean="0">
+                          <a:latin typeface="Cambria Math" panose="02040503050406030204" pitchFamily="18" charset="0"/>
+                        </a:rPr>
+                        <m:t>→ </m:t>
+                      </m:r>
+                      <m:sSub>
+                        <m:sSubPr>
+                          <m:ctrlPr>
+                            <a:rPr lang="en-US" sz="2400" b="0" i="1" smtClean="0">
+                              <a:latin typeface="Cambria Math" panose="02040503050406030204" pitchFamily="18" charset="0"/>
+                            </a:rPr>
+                          </m:ctrlPr>
+                        </m:sSubPr>
+                        <m:e>
+                          <m:r>
+                            <a:rPr lang="en-US" sz="2400" b="0" i="1" smtClean="0">
+                              <a:latin typeface="Cambria Math" panose="02040503050406030204" pitchFamily="18" charset="0"/>
+                            </a:rPr>
+                            <m:t>𝑆</m:t>
+                          </m:r>
+                        </m:e>
+                        <m:sub>
+                          <m:r>
+                            <a:rPr lang="en-US" sz="2400" b="0" i="1" smtClean="0">
+                              <a:latin typeface="Cambria Math" panose="02040503050406030204" pitchFamily="18" charset="0"/>
+                            </a:rPr>
+                            <m:t>2</m:t>
+                          </m:r>
+                        </m:sub>
+                      </m:sSub>
+                    </m:oMath>
+                  </m:oMathPara>
+                </a14:m>
+                <a:endParaRPr lang="en-US" sz="2000" dirty="0"/>
+              </a:p>
+            </p:txBody>
+          </p:sp>
+        </mc:Choice>
+        <mc:Fallback xmlns="">
+          <p:sp>
+            <p:nvSpPr>
+              <p:cNvPr id="3" name="TextBox 2"/>
+              <p:cNvSpPr txBox="1">
+                <a:spLocks noRot="1" noChangeAspect="1" noMove="1" noResize="1" noEditPoints="1" noAdjustHandles="1" noChangeArrowheads="1" noChangeShapeType="1" noTextEdit="1"/>
+              </p:cNvSpPr>
+              <p:nvPr/>
+            </p:nvSpPr>
+            <p:spPr>
+              <a:xfrm>
+                <a:off x="494852" y="2011680"/>
+                <a:ext cx="3608680" cy="1200329"/>
+              </a:xfrm>
+              <a:prstGeom prst="rect">
+                <a:avLst/>
+              </a:prstGeom>
+              <a:blipFill>
+                <a:blip r:embed="rId2"/>
+                <a:stretch>
+                  <a:fillRect l="-2534" t="-4061" r="-1520"/>
+                </a:stretch>
+              </a:blipFill>
+            </p:spPr>
+            <p:txBody>
+              <a:bodyPr/>
+              <a:lstStyle/>
+              <a:p>
+                <a:r>
+                  <a:rPr lang="en-US">
+                    <a:noFill/>
+                  </a:rPr>
+                  <a:t> </a:t>
+                </a:r>
+              </a:p>
+            </p:txBody>
+          </p:sp>
+        </mc:Fallback>
+      </mc:AlternateContent>
+      <p:pic>
+        <p:nvPicPr>
+          <p:cNvPr id="5" name="Picture 4"/>
+          <p:cNvPicPr>
+            <a:picLocks noChangeAspect="1"/>
+          </p:cNvPicPr>
+          <p:nvPr/>
+        </p:nvPicPr>
+        <p:blipFill>
+          <a:blip r:embed="rId3"/>
+          <a:stretch>
+            <a:fillRect/>
+          </a:stretch>
+        </p:blipFill>
+        <p:spPr>
+          <a:xfrm>
+            <a:off x="4217670" y="1488309"/>
+            <a:ext cx="7048500" cy="4505325"/>
+          </a:xfrm>
+          <a:prstGeom prst="rect">
+            <a:avLst/>
+          </a:prstGeom>
+        </p:spPr>
+      </p:pic>
+      <mc:AlternateContent xmlns:mc="http://schemas.openxmlformats.org/markup-compatibility/2006" xmlns:a14="http://schemas.microsoft.com/office/drawing/2010/main">
+        <mc:Choice Requires="a14">
+          <p:sp>
+            <p:nvSpPr>
+              <p:cNvPr id="6" name="TextBox 5"/>
+              <p:cNvSpPr txBox="1"/>
+              <p:nvPr/>
+            </p:nvSpPr>
+            <p:spPr>
+              <a:xfrm>
+                <a:off x="594317" y="4246581"/>
+                <a:ext cx="2546466" cy="523220"/>
+              </a:xfrm>
+              <a:prstGeom prst="rect">
+                <a:avLst/>
+              </a:prstGeom>
+              <a:noFill/>
+            </p:spPr>
+            <p:txBody>
+              <a:bodyPr wrap="none" rtlCol="0">
+                <a:spAutoFit/>
+              </a:bodyPr>
+              <a:lstStyle/>
+              <a:p>
+                <a:pPr/>
+                <a14:m>
+                  <m:oMathPara xmlns:m="http://schemas.openxmlformats.org/officeDocument/2006/math">
+                    <m:oMathParaPr>
+                      <m:jc m:val="centerGroup"/>
+                    </m:oMathParaPr>
+                    <m:oMath xmlns:m="http://schemas.openxmlformats.org/officeDocument/2006/math">
+                      <m:sSub>
+                        <m:sSubPr>
+                          <m:ctrlPr>
+                            <a:rPr lang="en-US" sz="2800" b="0" i="1" smtClean="0">
+                              <a:latin typeface="Cambria Math" panose="02040503050406030204" pitchFamily="18" charset="0"/>
+                            </a:rPr>
+                          </m:ctrlPr>
+                        </m:sSubPr>
+                        <m:e>
+                          <m:r>
+                            <a:rPr lang="en-US" sz="2800" b="0" i="1" smtClean="0">
+                              <a:latin typeface="Cambria Math" panose="02040503050406030204" pitchFamily="18" charset="0"/>
+                            </a:rPr>
+                            <m:t>𝑒</m:t>
+                          </m:r>
+                        </m:e>
+                        <m:sub>
+                          <m:r>
+                            <a:rPr lang="en-US" sz="2800" b="0" i="1" smtClean="0">
+                              <a:latin typeface="Cambria Math" panose="02040503050406030204" pitchFamily="18" charset="0"/>
+                            </a:rPr>
+                            <m:t>𝑖</m:t>
+                          </m:r>
+                        </m:sub>
+                      </m:sSub>
+                      <m:r>
+                        <a:rPr lang="en-US" sz="2800" b="0" i="1" smtClean="0">
+                          <a:latin typeface="Cambria Math" panose="02040503050406030204" pitchFamily="18" charset="0"/>
+                        </a:rPr>
+                        <m:t>=</m:t>
+                      </m:r>
+                      <m:r>
+                        <a:rPr lang="en-US" sz="2800" b="0" i="1" smtClean="0">
+                          <a:latin typeface="Cambria Math" panose="02040503050406030204" pitchFamily="18" charset="0"/>
+                        </a:rPr>
+                        <m:t>𝑟𝑒𝑠𝑖𝑑𝑢𝑎𝑙𝑠</m:t>
+                      </m:r>
+                    </m:oMath>
+                  </m:oMathPara>
+                </a14:m>
+                <a:endParaRPr lang="en-US" sz="2800" dirty="0"/>
+              </a:p>
+            </p:txBody>
+          </p:sp>
+        </mc:Choice>
+        <mc:Fallback xmlns="">
+          <p:sp>
+            <p:nvSpPr>
+              <p:cNvPr id="6" name="TextBox 5"/>
+              <p:cNvSpPr txBox="1">
+                <a:spLocks noRot="1" noChangeAspect="1" noMove="1" noResize="1" noEditPoints="1" noAdjustHandles="1" noChangeArrowheads="1" noChangeShapeType="1" noTextEdit="1"/>
+              </p:cNvSpPr>
+              <p:nvPr/>
+            </p:nvSpPr>
+            <p:spPr>
+              <a:xfrm>
+                <a:off x="594317" y="4246581"/>
+                <a:ext cx="2546466" cy="523220"/>
+              </a:xfrm>
+              <a:prstGeom prst="rect">
+                <a:avLst/>
+              </a:prstGeom>
+              <a:blipFill>
+                <a:blip r:embed="rId4"/>
+                <a:stretch>
+                  <a:fillRect/>
+                </a:stretch>
+              </a:blipFill>
+            </p:spPr>
+            <p:txBody>
+              <a:bodyPr/>
+              <a:lstStyle/>
+              <a:p>
+                <a:r>
+                  <a:rPr lang="en-US">
+                    <a:noFill/>
+                  </a:rPr>
+                  <a:t> </a:t>
+                </a:r>
+              </a:p>
+            </p:txBody>
+          </p:sp>
+        </mc:Fallback>
+      </mc:AlternateContent>
+      <p:sp>
+        <p:nvSpPr>
+          <p:cNvPr id="7" name="Rounded Rectangle 6"/>
+          <p:cNvSpPr/>
+          <p:nvPr/>
+        </p:nvSpPr>
+        <p:spPr>
+          <a:xfrm>
+            <a:off x="408792" y="4077148"/>
+            <a:ext cx="3076687" cy="968188"/>
+          </a:xfrm>
+          <a:prstGeom prst="roundRect">
+            <a:avLst/>
+          </a:prstGeom>
+          <a:noFill/>
+          <a:ln w="28575"/>
+        </p:spPr>
+        <p:style>
+          <a:lnRef idx="2">
+            <a:schemeClr val="accent2"/>
+          </a:lnRef>
+          <a:fillRef idx="1">
+            <a:schemeClr val="lt1"/>
+          </a:fillRef>
+          <a:effectRef idx="0">
+            <a:schemeClr val="accent2"/>
+          </a:effectRef>
+          <a:fontRef idx="minor">
+            <a:schemeClr val="dk1"/>
+          </a:fontRef>
+        </p:style>
+        <p:txBody>
+          <a:bodyPr rtlCol="0" anchor="ctr"/>
+          <a:lstStyle/>
+          <a:p>
+            <a:pPr algn="ctr"/>
+            <a:endParaRPr lang="en-US"/>
+          </a:p>
+        </p:txBody>
+      </p:sp>
+    </p:spTree>
+    <p:extLst>
+      <p:ext uri="{BB962C8B-B14F-4D97-AF65-F5344CB8AC3E}">
+        <p14:creationId xmlns:p14="http://schemas.microsoft.com/office/powerpoint/2010/main" val="1200635942"/>
+      </p:ext>
+    </p:extLst>
+  </p:cSld>
+  <p:clrMapOvr>
+    <a:masterClrMapping/>
+  </p:clrMapOvr>
+</p:sld>
+</file>
+
+<file path=ppt/slides/slide2.xml><?xml version="1.0" encoding="utf-8"?>
+<p:sld xmlns:a="http://schemas.openxmlformats.org/drawingml/2006/main" xmlns:r="http://schemas.openxmlformats.org/officeDocument/2006/relationships" xmlns:p="http://schemas.openxmlformats.org/presentationml/2006/main">
+  <p:cSld>
+    <p:spTree>
+      <p:nvGrpSpPr>
+        <p:cNvPr id="1" name=""/>
+        <p:cNvGrpSpPr/>
+        <p:nvPr/>
+      </p:nvGrpSpPr>
+      <p:grpSpPr>
+        <a:xfrm>
+          <a:off x="0" y="0"/>
+          <a:ext cx="0" cy="0"/>
+          <a:chOff x="0" y="0"/>
+          <a:chExt cx="0" cy="0"/>
+        </a:xfrm>
+      </p:grpSpPr>
+      <p:sp>
+        <p:nvSpPr>
+          <p:cNvPr id="2" name="Title 1">
+            <a:extLst>
+              <a:ext uri="{FF2B5EF4-FFF2-40B4-BE49-F238E27FC236}">
+                <a16:creationId xmlns:a16="http://schemas.microsoft.com/office/drawing/2014/main" id="{076FDD52-7F22-F842-9383-BDD9573C2C16}"/>
+              </a:ext>
+            </a:extLst>
+          </p:cNvPr>
+          <p:cNvSpPr>
+            <a:spLocks noGrp="1"/>
+          </p:cNvSpPr>
+          <p:nvPr>
+            <p:ph type="title"/>
+          </p:nvPr>
+        </p:nvSpPr>
+        <p:spPr/>
+        <p:txBody>
+          <a:bodyPr/>
+          <a:lstStyle/>
+          <a:p>
+            <a:r>
+              <a:rPr lang="en-US" dirty="0"/>
+              <a:t>Agenda</a:t>
+            </a:r>
+          </a:p>
+        </p:txBody>
+      </p:sp>
+      <p:sp>
+        <p:nvSpPr>
+          <p:cNvPr id="3" name="Content Placeholder 2">
+            <a:extLst>
+              <a:ext uri="{FF2B5EF4-FFF2-40B4-BE49-F238E27FC236}">
+                <a16:creationId xmlns:a16="http://schemas.microsoft.com/office/drawing/2014/main" id="{5210665C-FD2D-9247-8704-B907B22A5BAD}"/>
+              </a:ext>
+            </a:extLst>
+          </p:cNvPr>
+          <p:cNvSpPr>
+            <a:spLocks noGrp="1"/>
+          </p:cNvSpPr>
+          <p:nvPr>
+            <p:ph idx="1"/>
+          </p:nvPr>
+        </p:nvSpPr>
+        <p:spPr/>
+        <p:txBody>
+          <a:bodyPr/>
+          <a:lstStyle/>
+          <a:p>
+            <a:r>
+              <a:rPr lang="en-US" dirty="0"/>
+              <a:t>Key concepts</a:t>
+            </a:r>
+          </a:p>
+          <a:p>
+            <a:r>
+              <a:rPr lang="en-US" dirty="0"/>
+              <a:t>Modeling fitting workflow</a:t>
+            </a:r>
+          </a:p>
+          <a:p>
+            <a:r>
+              <a:rPr lang="en-US" dirty="0"/>
+              <a:t>Parameter optimization</a:t>
+            </a:r>
+          </a:p>
+          <a:p>
+            <a:r>
+              <a:rPr lang="en-US" dirty="0"/>
+              <a:t>Computational framework</a:t>
+            </a:r>
+          </a:p>
+        </p:txBody>
+      </p:sp>
+    </p:spTree>
+    <p:extLst>
+      <p:ext uri="{BB962C8B-B14F-4D97-AF65-F5344CB8AC3E}">
+        <p14:creationId xmlns:p14="http://schemas.microsoft.com/office/powerpoint/2010/main" val="2220117952"/>
+      </p:ext>
+    </p:extLst>
+  </p:cSld>
+  <p:clrMapOvr>
+    <a:masterClrMapping/>
+  </p:clrMapOvr>
+</p:sld>
+</file>
+
+<file path=ppt/slides/slide20.xml><?xml version="1.0" encoding="utf-8"?>
 <p:sld xmlns:a="http://schemas.openxmlformats.org/drawingml/2006/main" xmlns:r="http://schemas.openxmlformats.org/officeDocument/2006/relationships" xmlns:p="http://schemas.openxmlformats.org/presentationml/2006/main">
   <p:cSld>
     <p:spTree>
@@ -4140,7 +8849,7 @@
 </p:sld>
 </file>
 
-<file path=ppt/slides/slide11.xml><?xml version="1.0" encoding="utf-8"?>
+<file path=ppt/slides/slide21.xml><?xml version="1.0" encoding="utf-8"?>
 <p:sld xmlns:a="http://schemas.openxmlformats.org/drawingml/2006/main" xmlns:r="http://schemas.openxmlformats.org/officeDocument/2006/relationships" xmlns:p="http://schemas.openxmlformats.org/presentationml/2006/main">
   <p:cSld>
     <p:spTree>
@@ -4641,7 +9350,7 @@
 </p:sld>
 </file>
 
-<file path=ppt/slides/slide12.xml><?xml version="1.0" encoding="utf-8"?>
+<file path=ppt/slides/slide22.xml><?xml version="1.0" encoding="utf-8"?>
 <p:sld xmlns:a="http://schemas.openxmlformats.org/drawingml/2006/main" xmlns:r="http://schemas.openxmlformats.org/officeDocument/2006/relationships" xmlns:p="http://schemas.openxmlformats.org/presentationml/2006/main">
   <p:cSld>
     <p:spTree>
@@ -5130,7 +9839,7 @@
 </p:sld>
 </file>
 
-<file path=ppt/slides/slide13.xml><?xml version="1.0" encoding="utf-8"?>
+<file path=ppt/slides/slide23.xml><?xml version="1.0" encoding="utf-8"?>
 <p:sld xmlns:a="http://schemas.openxmlformats.org/drawingml/2006/main" xmlns:r="http://schemas.openxmlformats.org/officeDocument/2006/relationships" xmlns:p="http://schemas.openxmlformats.org/presentationml/2006/main">
   <p:cSld>
     <p:spTree>
@@ -5585,7 +10294,7 @@
 </p:sld>
 </file>
 
-<file path=ppt/slides/slide14.xml><?xml version="1.0" encoding="utf-8"?>
+<file path=ppt/slides/slide24.xml><?xml version="1.0" encoding="utf-8"?>
 <p:sld xmlns:a="http://schemas.openxmlformats.org/drawingml/2006/main" xmlns:r="http://schemas.openxmlformats.org/officeDocument/2006/relationships" xmlns:p="http://schemas.openxmlformats.org/presentationml/2006/main">
   <p:cSld>
     <p:spTree>
@@ -5661,7 +10370,7 @@
 </p:sld>
 </file>
 
-<file path=ppt/slides/slide15.xml><?xml version="1.0" encoding="utf-8"?>
+<file path=ppt/slides/slide25.xml><?xml version="1.0" encoding="utf-8"?>
 <p:sld xmlns:a="http://schemas.openxmlformats.org/drawingml/2006/main" xmlns:r="http://schemas.openxmlformats.org/officeDocument/2006/relationships" xmlns:p="http://schemas.openxmlformats.org/presentationml/2006/main">
   <p:cSld>
     <p:spTree>
@@ -5826,7 +10535,7 @@
 </p:sld>
 </file>
 
-<file path=ppt/slides/slide16.xml><?xml version="1.0" encoding="utf-8"?>
+<file path=ppt/slides/slide26.xml><?xml version="1.0" encoding="utf-8"?>
 <p:sld xmlns:a="http://schemas.openxmlformats.org/drawingml/2006/main" xmlns:r="http://schemas.openxmlformats.org/officeDocument/2006/relationships" xmlns:p="http://schemas.openxmlformats.org/presentationml/2006/main">
   <p:cSld>
     <p:spTree>
@@ -6726,7 +11435,7 @@
 </p:sld>
 </file>
 
-<file path=ppt/slides/slide17.xml><?xml version="1.0" encoding="utf-8"?>
+<file path=ppt/slides/slide27.xml><?xml version="1.0" encoding="utf-8"?>
 <p:sld xmlns:a="http://schemas.openxmlformats.org/drawingml/2006/main" xmlns:r="http://schemas.openxmlformats.org/officeDocument/2006/relationships" xmlns:p="http://schemas.openxmlformats.org/presentationml/2006/main">
   <p:cSld>
     <p:spTree>
@@ -6828,7 +11537,7 @@
 </p:sld>
 </file>
 
-<file path=ppt/slides/slide18.xml><?xml version="1.0" encoding="utf-8"?>
+<file path=ppt/slides/slide28.xml><?xml version="1.0" encoding="utf-8"?>
 <p:sld xmlns:a="http://schemas.openxmlformats.org/drawingml/2006/main" xmlns:r="http://schemas.openxmlformats.org/officeDocument/2006/relationships" xmlns:p="http://schemas.openxmlformats.org/presentationml/2006/main">
   <p:cSld>
     <p:spTree>
@@ -7287,7 +11996,7 @@
 </p:sld>
 </file>
 
-<file path=ppt/slides/slide19.xml><?xml version="1.0" encoding="utf-8"?>
+<file path=ppt/slides/slide29.xml><?xml version="1.0" encoding="utf-8"?>
 <p:sld xmlns:a="http://schemas.openxmlformats.org/drawingml/2006/main" xmlns:r="http://schemas.openxmlformats.org/officeDocument/2006/relationships" xmlns:p="http://schemas.openxmlformats.org/presentationml/2006/main">
   <p:cSld>
     <p:spTree>
@@ -7702,7 +12411,7 @@
 </p:sld>
 </file>
 
-<file path=ppt/slides/slide2.xml><?xml version="1.0" encoding="utf-8"?>
+<file path=ppt/slides/slide3.xml><?xml version="1.0" encoding="utf-8"?>
 <p:sld xmlns:a="http://schemas.openxmlformats.org/drawingml/2006/main" xmlns:r="http://schemas.openxmlformats.org/officeDocument/2006/relationships" xmlns:p="http://schemas.openxmlformats.org/presentationml/2006/main">
   <p:cSld>
     <p:spTree>
@@ -7721,7 +12430,13 @@
       </p:grpSpPr>
       <p:sp>
         <p:nvSpPr>
-          <p:cNvPr id="2" name="Title 1"/>
+          <p:cNvPr id="4" name="Title 3">
+            <a:extLst>
+              <a:ext uri="{FF2B5EF4-FFF2-40B4-BE49-F238E27FC236}">
+                <a16:creationId xmlns:a16="http://schemas.microsoft.com/office/drawing/2014/main" id="{86217129-D535-F343-B931-854FF883C359}"/>
+              </a:ext>
+            </a:extLst>
+          </p:cNvPr>
           <p:cNvSpPr>
             <a:spLocks noGrp="1"/>
           </p:cNvSpPr>
@@ -7729,90 +12444,29 @@
             <p:ph type="title"/>
           </p:nvPr>
         </p:nvSpPr>
-        <p:spPr/>
-        <p:txBody>
-          <a:bodyPr/>
-          <a:lstStyle/>
-          <a:p>
-            <a:r>
-              <a:rPr lang="en-US" dirty="0"/>
-              <a:t>Fitting</a:t>
-            </a:r>
-          </a:p>
-        </p:txBody>
-      </p:sp>
-      <p:sp>
-        <p:nvSpPr>
-          <p:cNvPr id="3" name="Content Placeholder 2"/>
-          <p:cNvSpPr>
-            <a:spLocks noGrp="1"/>
-          </p:cNvSpPr>
-          <p:nvPr>
-            <p:ph idx="1"/>
-          </p:nvPr>
-        </p:nvSpPr>
         <p:spPr>
           <a:xfrm>
-            <a:off x="838200" y="1825625"/>
-            <a:ext cx="10515600" cy="982121"/>
+            <a:off x="3741919" y="2366312"/>
+            <a:ext cx="4708161" cy="1325563"/>
           </a:xfrm>
         </p:spPr>
         <p:txBody>
-          <a:bodyPr/>
+          <a:bodyPr>
+            <a:normAutofit/>
+          </a:bodyPr>
           <a:lstStyle/>
           <a:p>
             <a:r>
-              <a:rPr lang="en-US" dirty="0"/>
-              <a:t>The act of adjusting parameters in a model so that the model matches as best it can a set of experimental data.</a:t>
+              <a:rPr lang="en-US" sz="5400" b="1" dirty="0"/>
+              <a:t>Key Concepts</a:t>
             </a:r>
           </a:p>
         </p:txBody>
       </p:sp>
-      <p:pic>
-        <p:nvPicPr>
-          <p:cNvPr id="1026" name="Picture 2" descr="Linear regression"/>
-          <p:cNvPicPr>
-            <a:picLocks noChangeAspect="1" noChangeArrowheads="1"/>
-          </p:cNvPicPr>
-          <p:nvPr/>
-        </p:nvPicPr>
-        <p:blipFill>
-          <a:blip r:embed="rId2">
-            <a:extLst>
-              <a:ext uri="{28A0092B-C50C-407E-A947-70E740481C1C}">
-                <a14:useLocalDpi xmlns:a14="http://schemas.microsoft.com/office/drawing/2010/main" val="0"/>
-              </a:ext>
-            </a:extLst>
-          </a:blip>
-          <a:srcRect/>
-          <a:stretch>
-            <a:fillRect/>
-          </a:stretch>
-        </p:blipFill>
-        <p:spPr bwMode="auto">
-          <a:xfrm>
-            <a:off x="3049384" y="2942683"/>
-            <a:ext cx="4480970" cy="3519707"/>
-          </a:xfrm>
-          <a:prstGeom prst="rect">
-            <a:avLst/>
-          </a:prstGeom>
-          <a:noFill/>
-          <a:extLst>
-            <a:ext uri="{909E8E84-426E-40DD-AFC4-6F175D3DCCD1}">
-              <a14:hiddenFill xmlns:a14="http://schemas.microsoft.com/office/drawing/2010/main">
-                <a:solidFill>
-                  <a:srgbClr val="FFFFFF"/>
-                </a:solidFill>
-              </a14:hiddenFill>
-            </a:ext>
-          </a:extLst>
-        </p:spPr>
-      </p:pic>
     </p:spTree>
     <p:extLst>
       <p:ext uri="{BB962C8B-B14F-4D97-AF65-F5344CB8AC3E}">
-        <p14:creationId xmlns:p14="http://schemas.microsoft.com/office/powerpoint/2010/main" val="2114828977"/>
+        <p14:creationId xmlns:p14="http://schemas.microsoft.com/office/powerpoint/2010/main" val="3813575048"/>
       </p:ext>
     </p:extLst>
   </p:cSld>
@@ -7822,7 +12476,7 @@
 </p:sld>
 </file>
 
-<file path=ppt/slides/slide20.xml><?xml version="1.0" encoding="utf-8"?>
+<file path=ppt/slides/slide30.xml><?xml version="1.0" encoding="utf-8"?>
 <p:sld xmlns:a="http://schemas.openxmlformats.org/drawingml/2006/main" xmlns:r="http://schemas.openxmlformats.org/officeDocument/2006/relationships" xmlns:p="http://schemas.openxmlformats.org/presentationml/2006/main">
   <p:cSld>
     <p:spTree>
@@ -8242,7 +12896,7 @@
 </p:sld>
 </file>
 
-<file path=ppt/slides/slide21.xml><?xml version="1.0" encoding="utf-8"?>
+<file path=ppt/slides/slide31.xml><?xml version="1.0" encoding="utf-8"?>
 <p:sld xmlns:a="http://schemas.openxmlformats.org/drawingml/2006/main" xmlns:r="http://schemas.openxmlformats.org/officeDocument/2006/relationships" xmlns:p="http://schemas.openxmlformats.org/presentationml/2006/main">
   <p:cSld>
     <p:spTree>
@@ -8796,7 +13450,7 @@
 </p:sld>
 </file>
 
-<file path=ppt/slides/slide22.xml><?xml version="1.0" encoding="utf-8"?>
+<file path=ppt/slides/slide32.xml><?xml version="1.0" encoding="utf-8"?>
 <p:sld xmlns:a="http://schemas.openxmlformats.org/drawingml/2006/main" xmlns:r="http://schemas.openxmlformats.org/officeDocument/2006/relationships" xmlns:p="http://schemas.openxmlformats.org/presentationml/2006/main">
   <p:cSld>
     <p:spTree>
@@ -9290,7 +13944,7 @@
 </p:sld>
 </file>
 
-<file path=ppt/slides/slide23.xml><?xml version="1.0" encoding="utf-8"?>
+<file path=ppt/slides/slide33.xml><?xml version="1.0" encoding="utf-8"?>
 <p:sld xmlns:a="http://schemas.openxmlformats.org/drawingml/2006/main" xmlns:r="http://schemas.openxmlformats.org/officeDocument/2006/relationships" xmlns:p="http://schemas.openxmlformats.org/presentationml/2006/main">
   <p:cSld>
     <p:spTree>
@@ -9405,7 +14059,7 @@
 </p:sld>
 </file>
 
-<file path=ppt/slides/slide24.xml><?xml version="1.0" encoding="utf-8"?>
+<file path=ppt/slides/slide34.xml><?xml version="1.0" encoding="utf-8"?>
 <p:sld xmlns:a="http://schemas.openxmlformats.org/drawingml/2006/main" xmlns:r="http://schemas.openxmlformats.org/officeDocument/2006/relationships" xmlns:p="http://schemas.openxmlformats.org/presentationml/2006/main">
   <p:cSld>
     <p:spTree>
@@ -9544,7 +14198,7 @@
 </p:sld>
 </file>
 
-<file path=ppt/slides/slide25.xml><?xml version="1.0" encoding="utf-8"?>
+<file path=ppt/slides/slide35.xml><?xml version="1.0" encoding="utf-8"?>
 <p:sld xmlns:a="http://schemas.openxmlformats.org/drawingml/2006/main" xmlns:r="http://schemas.openxmlformats.org/officeDocument/2006/relationships" xmlns:p="http://schemas.openxmlformats.org/presentationml/2006/main">
   <p:cSld>
     <p:spTree>
@@ -9730,7 +14384,7 @@
 </p:sld>
 </file>
 
-<file path=ppt/slides/slide26.xml><?xml version="1.0" encoding="utf-8"?>
+<file path=ppt/slides/slide36.xml><?xml version="1.0" encoding="utf-8"?>
 <p:sld xmlns:a="http://schemas.openxmlformats.org/drawingml/2006/main" xmlns:r="http://schemas.openxmlformats.org/officeDocument/2006/relationships" xmlns:p="http://schemas.openxmlformats.org/presentationml/2006/main">
   <p:cSld>
     <p:spTree>
@@ -9857,7 +14511,7 @@
 </p:sld>
 </file>
 
-<file path=ppt/slides/slide27.xml><?xml version="1.0" encoding="utf-8"?>
+<file path=ppt/slides/slide37.xml><?xml version="1.0" encoding="utf-8"?>
 <p:sld xmlns:a="http://schemas.openxmlformats.org/drawingml/2006/main" xmlns:r="http://schemas.openxmlformats.org/officeDocument/2006/relationships" xmlns:p="http://schemas.openxmlformats.org/presentationml/2006/main">
   <p:cSld>
     <p:spTree>
@@ -10531,7 +15185,7 @@
 </p:sld>
 </file>
 
-<file path=ppt/slides/slide28.xml><?xml version="1.0" encoding="utf-8"?>
+<file path=ppt/slides/slide38.xml><?xml version="1.0" encoding="utf-8"?>
 <p:sld xmlns:a="http://schemas.openxmlformats.org/drawingml/2006/main" xmlns:r="http://schemas.openxmlformats.org/officeDocument/2006/relationships" xmlns:p="http://schemas.openxmlformats.org/presentationml/2006/main">
   <p:cSld>
     <p:spTree>
@@ -10638,7 +15292,7 @@
 </p:sld>
 </file>
 
-<file path=ppt/slides/slide29.xml><?xml version="1.0" encoding="utf-8"?>
+<file path=ppt/slides/slide39.xml><?xml version="1.0" encoding="utf-8"?>
 <p:sld xmlns:a="http://schemas.openxmlformats.org/drawingml/2006/main" xmlns:r="http://schemas.openxmlformats.org/officeDocument/2006/relationships" xmlns:p="http://schemas.openxmlformats.org/presentationml/2006/main">
   <p:cSld>
     <p:spTree>
@@ -10872,7 +15526,7 @@
 </p:sld>
 </file>
 
-<file path=ppt/slides/slide3.xml><?xml version="1.0" encoding="utf-8"?>
+<file path=ppt/slides/slide4.xml><?xml version="1.0" encoding="utf-8"?>
 <p:sld xmlns:a="http://schemas.openxmlformats.org/drawingml/2006/main" xmlns:r="http://schemas.openxmlformats.org/officeDocument/2006/relationships" xmlns:p="http://schemas.openxmlformats.org/presentationml/2006/main">
   <p:cSld>
     <p:spTree>
@@ -11171,7 +15825,7 @@
     </p:spTree>
     <p:extLst>
       <p:ext uri="{BB962C8B-B14F-4D97-AF65-F5344CB8AC3E}">
-        <p14:creationId xmlns:p14="http://schemas.microsoft.com/office/powerpoint/2010/main" val="642513443"/>
+        <p14:creationId xmlns:p14="http://schemas.microsoft.com/office/powerpoint/2010/main" val="1144597209"/>
       </p:ext>
     </p:extLst>
   </p:cSld>
@@ -11181,7 +15835,7 @@
 </p:sld>
 </file>
 
-<file path=ppt/slides/slide30.xml><?xml version="1.0" encoding="utf-8"?>
+<file path=ppt/slides/slide40.xml><?xml version="1.0" encoding="utf-8"?>
 <p:sld xmlns:a="http://schemas.openxmlformats.org/drawingml/2006/main" xmlns:r="http://schemas.openxmlformats.org/officeDocument/2006/relationships" xmlns:p="http://schemas.openxmlformats.org/presentationml/2006/main">
   <p:cSld>
     <p:spTree>
@@ -11381,7 +16035,7 @@
 </p:sld>
 </file>
 
-<file path=ppt/slides/slide31.xml><?xml version="1.0" encoding="utf-8"?>
+<file path=ppt/slides/slide41.xml><?xml version="1.0" encoding="utf-8"?>
 <p:sld xmlns:a="http://schemas.openxmlformats.org/drawingml/2006/main" xmlns:r="http://schemas.openxmlformats.org/officeDocument/2006/relationships" xmlns:p="http://schemas.openxmlformats.org/presentationml/2006/main">
   <p:cSld>
     <p:spTree>
@@ -11822,7 +16476,7 @@
 </p:sld>
 </file>
 
-<file path=ppt/slides/slide32.xml><?xml version="1.0" encoding="utf-8"?>
+<file path=ppt/slides/slide42.xml><?xml version="1.0" encoding="utf-8"?>
 <p:sld xmlns:a="http://schemas.openxmlformats.org/drawingml/2006/main" xmlns:r="http://schemas.openxmlformats.org/officeDocument/2006/relationships" xmlns:p="http://schemas.openxmlformats.org/presentationml/2006/main">
   <p:cSld>
     <p:spTree>
@@ -11921,7 +16575,7 @@
 </p:sld>
 </file>
 
-<file path=ppt/slides/slide33.xml><?xml version="1.0" encoding="utf-8"?>
+<file path=ppt/slides/slide43.xml><?xml version="1.0" encoding="utf-8"?>
 <p:sld xmlns:a="http://schemas.openxmlformats.org/drawingml/2006/main" xmlns:r="http://schemas.openxmlformats.org/officeDocument/2006/relationships" xmlns:p="http://schemas.openxmlformats.org/presentationml/2006/main">
   <p:cSld>
     <p:spTree>
@@ -12288,7 +16942,7 @@
 </p:sld>
 </file>
 
-<file path=ppt/slides/slide34.xml><?xml version="1.0" encoding="utf-8"?>
+<file path=ppt/slides/slide44.xml><?xml version="1.0" encoding="utf-8"?>
 <p:sld xmlns:a="http://schemas.openxmlformats.org/drawingml/2006/main" xmlns:r="http://schemas.openxmlformats.org/officeDocument/2006/relationships" xmlns:p="http://schemas.openxmlformats.org/presentationml/2006/main">
   <p:cSld>
     <p:spTree>
@@ -12580,7 +17234,7 @@
 </p:sld>
 </file>
 
-<file path=ppt/slides/slide35.xml><?xml version="1.0" encoding="utf-8"?>
+<file path=ppt/slides/slide45.xml><?xml version="1.0" encoding="utf-8"?>
 <p:sld xmlns:a="http://schemas.openxmlformats.org/drawingml/2006/main" xmlns:r="http://schemas.openxmlformats.org/officeDocument/2006/relationships" xmlns:p="http://schemas.openxmlformats.org/presentationml/2006/main">
   <p:cSld>
     <p:spTree>
@@ -12734,7 +17388,7 @@
 </p:sld>
 </file>
 
-<file path=ppt/slides/slide36.xml><?xml version="1.0" encoding="utf-8"?>
+<file path=ppt/slides/slide46.xml><?xml version="1.0" encoding="utf-8"?>
 <p:sld xmlns:a="http://schemas.openxmlformats.org/drawingml/2006/main" xmlns:r="http://schemas.openxmlformats.org/officeDocument/2006/relationships" xmlns:p="http://schemas.openxmlformats.org/presentationml/2006/main">
   <p:cSld>
     <p:spTree>
@@ -12817,7 +17471,7 @@
 </p:sld>
 </file>
 
-<file path=ppt/slides/slide37.xml><?xml version="1.0" encoding="utf-8"?>
+<file path=ppt/slides/slide47.xml><?xml version="1.0" encoding="utf-8"?>
 <p:sld xmlns:a="http://schemas.openxmlformats.org/drawingml/2006/main" xmlns:r="http://schemas.openxmlformats.org/officeDocument/2006/relationships" xmlns:p="http://schemas.openxmlformats.org/presentationml/2006/main">
   <p:cSld>
     <p:spTree>
@@ -13045,7 +17699,7 @@
 </p:sld>
 </file>
 
-<file path=ppt/slides/slide38.xml><?xml version="1.0" encoding="utf-8"?>
+<file path=ppt/slides/slide48.xml><?xml version="1.0" encoding="utf-8"?>
 <p:sld xmlns:a="http://schemas.openxmlformats.org/drawingml/2006/main" xmlns:r="http://schemas.openxmlformats.org/officeDocument/2006/relationships" xmlns:p="http://schemas.openxmlformats.org/presentationml/2006/main">
   <p:cSld>
     <p:spTree>
@@ -13255,7 +17909,7 @@
 </p:sld>
 </file>
 
-<file path=ppt/slides/slide39.xml><?xml version="1.0" encoding="utf-8"?>
+<file path=ppt/slides/slide49.xml><?xml version="1.0" encoding="utf-8"?>
 <p:sld xmlns:a="http://schemas.openxmlformats.org/drawingml/2006/main" xmlns:r="http://schemas.openxmlformats.org/officeDocument/2006/relationships" xmlns:p="http://schemas.openxmlformats.org/presentationml/2006/main">
   <p:cSld>
     <p:spTree>
@@ -13383,7 +18037,369 @@
 </p:sld>
 </file>
 
-<file path=ppt/slides/slide4.xml><?xml version="1.0" encoding="utf-8"?>
+<file path=ppt/slides/slide5.xml><?xml version="1.0" encoding="utf-8"?>
+<p:sld xmlns:a="http://schemas.openxmlformats.org/drawingml/2006/main" xmlns:r="http://schemas.openxmlformats.org/officeDocument/2006/relationships" xmlns:p="http://schemas.openxmlformats.org/presentationml/2006/main">
+  <p:cSld>
+    <p:spTree>
+      <p:nvGrpSpPr>
+        <p:cNvPr id="1" name=""/>
+        <p:cNvGrpSpPr/>
+        <p:nvPr/>
+      </p:nvGrpSpPr>
+      <p:grpSpPr>
+        <a:xfrm>
+          <a:off x="0" y="0"/>
+          <a:ext cx="0" cy="0"/>
+          <a:chOff x="0" y="0"/>
+          <a:chExt cx="0" cy="0"/>
+        </a:xfrm>
+      </p:grpSpPr>
+      <p:sp>
+        <p:nvSpPr>
+          <p:cNvPr id="2" name="Title 1">
+            <a:extLst>
+              <a:ext uri="{FF2B5EF4-FFF2-40B4-BE49-F238E27FC236}">
+                <a16:creationId xmlns:a16="http://schemas.microsoft.com/office/drawing/2014/main" id="{157647EC-2273-C246-B982-C90A0FA9BE99}"/>
+              </a:ext>
+            </a:extLst>
+          </p:cNvPr>
+          <p:cNvSpPr>
+            <a:spLocks noGrp="1"/>
+          </p:cNvSpPr>
+          <p:nvPr>
+            <p:ph type="title"/>
+          </p:nvPr>
+        </p:nvSpPr>
+        <p:spPr/>
+        <p:txBody>
+          <a:bodyPr/>
+          <a:lstStyle/>
+          <a:p>
+            <a:r>
+              <a:rPr lang="en-US" dirty="0"/>
+              <a:t>Residuals = Experimental - Fitted</a:t>
+            </a:r>
+          </a:p>
+        </p:txBody>
+      </p:sp>
+      <p:sp>
+        <p:nvSpPr>
+          <p:cNvPr id="3" name="Slide Number Placeholder 2">
+            <a:extLst>
+              <a:ext uri="{FF2B5EF4-FFF2-40B4-BE49-F238E27FC236}">
+                <a16:creationId xmlns:a16="http://schemas.microsoft.com/office/drawing/2014/main" id="{9FE64618-E75A-EE41-B4C4-64AA42339C37}"/>
+              </a:ext>
+            </a:extLst>
+          </p:cNvPr>
+          <p:cNvSpPr>
+            <a:spLocks noGrp="1"/>
+          </p:cNvSpPr>
+          <p:nvPr>
+            <p:ph type="sldNum" sz="quarter" idx="11"/>
+          </p:nvPr>
+        </p:nvSpPr>
+        <p:spPr/>
+        <p:txBody>
+          <a:bodyPr/>
+          <a:lstStyle/>
+          <a:p>
+            <a:pPr>
+              <a:defRPr/>
+            </a:pPr>
+            <a:fld id="{2E4304A7-0FB2-4094-BC1E-DB17183AD0C1}" type="slidenum">
+              <a:rPr lang="en-US" altLang="x-none" smtClean="0"/>
+              <a:pPr>
+                <a:defRPr/>
+              </a:pPr>
+              <a:t>5</a:t>
+            </a:fld>
+            <a:endParaRPr lang="en-US" altLang="x-none"/>
+          </a:p>
+        </p:txBody>
+      </p:sp>
+      <p:pic>
+        <p:nvPicPr>
+          <p:cNvPr id="5" name="Picture 4">
+            <a:extLst>
+              <a:ext uri="{FF2B5EF4-FFF2-40B4-BE49-F238E27FC236}">
+                <a16:creationId xmlns:a16="http://schemas.microsoft.com/office/drawing/2014/main" id="{BB8839B1-A77F-6240-9BC5-6FA584AA1D45}"/>
+              </a:ext>
+            </a:extLst>
+          </p:cNvPr>
+          <p:cNvPicPr>
+            <a:picLocks noChangeAspect="1"/>
+          </p:cNvPicPr>
+          <p:nvPr/>
+        </p:nvPicPr>
+        <p:blipFill>
+          <a:blip r:embed="rId2"/>
+          <a:stretch>
+            <a:fillRect/>
+          </a:stretch>
+        </p:blipFill>
+        <p:spPr>
+          <a:xfrm>
+            <a:off x="1981200" y="1289050"/>
+            <a:ext cx="7810500" cy="4813300"/>
+          </a:xfrm>
+          <a:prstGeom prst="rect">
+            <a:avLst/>
+          </a:prstGeom>
+        </p:spPr>
+      </p:pic>
+      <p:sp>
+        <p:nvSpPr>
+          <p:cNvPr id="4" name="TextBox 3">
+            <a:extLst>
+              <a:ext uri="{FF2B5EF4-FFF2-40B4-BE49-F238E27FC236}">
+                <a16:creationId xmlns:a16="http://schemas.microsoft.com/office/drawing/2014/main" id="{7242F071-6745-2E48-84D0-0E93BF8AA5D9}"/>
+              </a:ext>
+            </a:extLst>
+          </p:cNvPr>
+          <p:cNvSpPr txBox="1"/>
+          <p:nvPr/>
+        </p:nvSpPr>
+        <p:spPr>
+          <a:xfrm>
+            <a:off x="4511074" y="4648201"/>
+            <a:ext cx="1232453" cy="461665"/>
+          </a:xfrm>
+          <a:prstGeom prst="rect">
+            <a:avLst/>
+          </a:prstGeom>
+          <a:noFill/>
+        </p:spPr>
+        <p:txBody>
+          <a:bodyPr wrap="none" rtlCol="0">
+            <a:spAutoFit/>
+          </a:bodyPr>
+          <a:lstStyle/>
+          <a:p>
+            <a:r>
+              <a:rPr lang="en-US" sz="2400" dirty="0"/>
+              <a:t>Residual</a:t>
+            </a:r>
+          </a:p>
+        </p:txBody>
+      </p:sp>
+      <p:cxnSp>
+        <p:nvCxnSpPr>
+          <p:cNvPr id="7" name="Straight Arrow Connector 6">
+            <a:extLst>
+              <a:ext uri="{FF2B5EF4-FFF2-40B4-BE49-F238E27FC236}">
+                <a16:creationId xmlns:a16="http://schemas.microsoft.com/office/drawing/2014/main" id="{292EC1D5-9C92-CD4B-9B79-B86612FFD6C8}"/>
+              </a:ext>
+            </a:extLst>
+          </p:cNvPr>
+          <p:cNvCxnSpPr>
+            <a:stCxn id="4" idx="0"/>
+          </p:cNvCxnSpPr>
+          <p:nvPr/>
+        </p:nvCxnSpPr>
+        <p:spPr>
+          <a:xfrm flipH="1" flipV="1">
+            <a:off x="5029202" y="4114800"/>
+            <a:ext cx="98099" cy="533400"/>
+          </a:xfrm>
+          <a:prstGeom prst="straightConnector1">
+            <a:avLst/>
+          </a:prstGeom>
+          <a:ln>
+            <a:solidFill>
+              <a:srgbClr val="FF0000"/>
+            </a:solidFill>
+            <a:tailEnd type="arrow"/>
+          </a:ln>
+        </p:spPr>
+        <p:style>
+          <a:lnRef idx="2">
+            <a:schemeClr val="accent1"/>
+          </a:lnRef>
+          <a:fillRef idx="0">
+            <a:schemeClr val="accent1"/>
+          </a:fillRef>
+          <a:effectRef idx="1">
+            <a:schemeClr val="accent1"/>
+          </a:effectRef>
+          <a:fontRef idx="minor">
+            <a:schemeClr val="tx1"/>
+          </a:fontRef>
+        </p:style>
+      </p:cxnSp>
+      <p:sp>
+        <p:nvSpPr>
+          <p:cNvPr id="6" name="TextBox 5">
+            <a:extLst>
+              <a:ext uri="{FF2B5EF4-FFF2-40B4-BE49-F238E27FC236}">
+                <a16:creationId xmlns:a16="http://schemas.microsoft.com/office/drawing/2014/main" id="{7703516B-9505-0248-AF4B-8BA80EBC288A}"/>
+              </a:ext>
+            </a:extLst>
+          </p:cNvPr>
+          <p:cNvSpPr txBox="1"/>
+          <p:nvPr/>
+        </p:nvSpPr>
+        <p:spPr>
+          <a:xfrm>
+            <a:off x="665746" y="5199618"/>
+            <a:ext cx="1791131" cy="923330"/>
+          </a:xfrm>
+          <a:prstGeom prst="rect">
+            <a:avLst/>
+          </a:prstGeom>
+          <a:noFill/>
+        </p:spPr>
+        <p:txBody>
+          <a:bodyPr wrap="none" rtlCol="0">
+            <a:spAutoFit/>
+          </a:bodyPr>
+          <a:lstStyle/>
+          <a:p>
+            <a:r>
+              <a:rPr lang="en-US" dirty="0"/>
+              <a:t>Missing concepts</a:t>
+            </a:r>
+          </a:p>
+          <a:p>
+            <a:pPr marL="285750" indent="-285750">
+              <a:buFont typeface="Arial" panose="020B0604020202020204" pitchFamily="34" charset="0"/>
+              <a:buChar char="•"/>
+            </a:pPr>
+            <a:r>
+              <a:rPr lang="en-US" dirty="0"/>
+              <a:t>Model quality</a:t>
+            </a:r>
+          </a:p>
+          <a:p>
+            <a:pPr marL="285750" indent="-285750">
+              <a:buFont typeface="Arial" panose="020B0604020202020204" pitchFamily="34" charset="0"/>
+              <a:buChar char="•"/>
+            </a:pPr>
+            <a:r>
+              <a:rPr lang="en-US" dirty="0"/>
+              <a:t>Parameters</a:t>
+            </a:r>
+          </a:p>
+        </p:txBody>
+      </p:sp>
+    </p:spTree>
+    <p:extLst>
+      <p:ext uri="{BB962C8B-B14F-4D97-AF65-F5344CB8AC3E}">
+        <p14:creationId xmlns:p14="http://schemas.microsoft.com/office/powerpoint/2010/main" val="2413951361"/>
+      </p:ext>
+    </p:extLst>
+  </p:cSld>
+  <p:clrMapOvr>
+    <a:masterClrMapping/>
+  </p:clrMapOvr>
+  <p:timing>
+    <p:tnLst>
+      <p:par>
+        <p:cTn id="1" dur="indefinite" restart="never" nodeType="tmRoot">
+          <p:childTnLst>
+            <p:seq concurrent="1" nextAc="seek">
+              <p:cTn id="2" dur="indefinite" nodeType="mainSeq">
+                <p:childTnLst>
+                  <p:par>
+                    <p:cTn id="3" fill="hold">
+                      <p:stCondLst>
+                        <p:cond delay="indefinite"/>
+                      </p:stCondLst>
+                      <p:childTnLst>
+                        <p:par>
+                          <p:cTn id="4" fill="hold">
+                            <p:stCondLst>
+                              <p:cond delay="0"/>
+                            </p:stCondLst>
+                            <p:childTnLst>
+                              <p:par>
+                                <p:cTn id="5" presetID="1" presetClass="entr" presetSubtype="0" fill="hold" nodeType="clickEffect">
+                                  <p:stCondLst>
+                                    <p:cond delay="0"/>
+                                  </p:stCondLst>
+                                  <p:childTnLst>
+                                    <p:set>
+                                      <p:cBhvr>
+                                        <p:cTn id="6" dur="1" fill="hold">
+                                          <p:stCondLst>
+                                            <p:cond delay="0"/>
+                                          </p:stCondLst>
+                                        </p:cTn>
+                                        <p:tgtEl>
+                                          <p:spTgt spid="7"/>
+                                        </p:tgtEl>
+                                        <p:attrNameLst>
+                                          <p:attrName>style.visibility</p:attrName>
+                                        </p:attrNameLst>
+                                      </p:cBhvr>
+                                      <p:to>
+                                        <p:strVal val="visible"/>
+                                      </p:to>
+                                    </p:set>
+                                  </p:childTnLst>
+                                </p:cTn>
+                              </p:par>
+                              <p:par>
+                                <p:cTn id="7" presetID="1" presetClass="entr" presetSubtype="0" fill="hold" grpId="0" nodeType="withEffect">
+                                  <p:stCondLst>
+                                    <p:cond delay="0"/>
+                                  </p:stCondLst>
+                                  <p:childTnLst>
+                                    <p:set>
+                                      <p:cBhvr>
+                                        <p:cTn id="8" dur="1" fill="hold">
+                                          <p:stCondLst>
+                                            <p:cond delay="0"/>
+                                          </p:stCondLst>
+                                        </p:cTn>
+                                        <p:tgtEl>
+                                          <p:spTgt spid="4"/>
+                                        </p:tgtEl>
+                                        <p:attrNameLst>
+                                          <p:attrName>style.visibility</p:attrName>
+                                        </p:attrNameLst>
+                                      </p:cBhvr>
+                                      <p:to>
+                                        <p:strVal val="visible"/>
+                                      </p:to>
+                                    </p:set>
+                                  </p:childTnLst>
+                                </p:cTn>
+                              </p:par>
+                            </p:childTnLst>
+                          </p:cTn>
+                        </p:par>
+                      </p:childTnLst>
+                    </p:cTn>
+                  </p:par>
+                </p:childTnLst>
+              </p:cTn>
+              <p:prevCondLst>
+                <p:cond evt="onPrev" delay="0">
+                  <p:tgtEl>
+                    <p:sldTgt/>
+                  </p:tgtEl>
+                </p:cond>
+              </p:prevCondLst>
+              <p:nextCondLst>
+                <p:cond evt="onNext" delay="0">
+                  <p:tgtEl>
+                    <p:sldTgt/>
+                  </p:tgtEl>
+                </p:cond>
+              </p:nextCondLst>
+            </p:seq>
+          </p:childTnLst>
+        </p:cTn>
+      </p:par>
+    </p:tnLst>
+    <p:bldLst>
+      <p:bldP spid="4" grpId="0"/>
+    </p:bldLst>
+  </p:timing>
+</p:sld>
+</file>
+
+<file path=ppt/slides/slide50.xml><?xml version="1.0" encoding="utf-8"?>
 <p:sld xmlns:a="http://schemas.openxmlformats.org/drawingml/2006/main" xmlns:r="http://schemas.openxmlformats.org/officeDocument/2006/relationships" xmlns:p="http://schemas.openxmlformats.org/presentationml/2006/main">
   <p:cSld>
     <p:spTree>
@@ -13415,189 +18431,6 @@
           <a:bodyPr/>
           <a:lstStyle/>
           <a:p>
-            <a:r>
-              <a:rPr lang="en-US" dirty="0"/>
-              <a:t>The various problems with fitting</a:t>
-            </a:r>
-          </a:p>
-        </p:txBody>
-      </p:sp>
-      <p:pic>
-        <p:nvPicPr>
-          <p:cNvPr id="8" name="Picture 7"/>
-          <p:cNvPicPr>
-            <a:picLocks noChangeAspect="1"/>
-          </p:cNvPicPr>
-          <p:nvPr/>
-        </p:nvPicPr>
-        <p:blipFill>
-          <a:blip r:embed="rId2"/>
-          <a:stretch>
-            <a:fillRect/>
-          </a:stretch>
-        </p:blipFill>
-        <p:spPr>
-          <a:xfrm>
-            <a:off x="756170" y="2280622"/>
-            <a:ext cx="4728056" cy="3485476"/>
-          </a:xfrm>
-          <a:prstGeom prst="rect">
-            <a:avLst/>
-          </a:prstGeom>
-        </p:spPr>
-      </p:pic>
-      <p:pic>
-        <p:nvPicPr>
-          <p:cNvPr id="2052" name="Picture 4" descr="Image result for cartoon nonlionear model fitting bad fits"/>
-          <p:cNvPicPr>
-            <a:picLocks noChangeAspect="1" noChangeArrowheads="1"/>
-          </p:cNvPicPr>
-          <p:nvPr/>
-        </p:nvPicPr>
-        <p:blipFill>
-          <a:blip r:embed="rId3" cstate="print">
-            <a:extLst>
-              <a:ext uri="{28A0092B-C50C-407E-A947-70E740481C1C}">
-                <a14:useLocalDpi xmlns:a14="http://schemas.microsoft.com/office/drawing/2010/main" val="0"/>
-              </a:ext>
-            </a:extLst>
-          </a:blip>
-          <a:srcRect/>
-          <a:stretch>
-            <a:fillRect/>
-          </a:stretch>
-        </p:blipFill>
-        <p:spPr bwMode="auto">
-          <a:xfrm>
-            <a:off x="5726539" y="2280622"/>
-            <a:ext cx="4127505" cy="3616923"/>
-          </a:xfrm>
-          <a:prstGeom prst="rect">
-            <a:avLst/>
-          </a:prstGeom>
-          <a:noFill/>
-          <a:extLst>
-            <a:ext uri="{909E8E84-426E-40DD-AFC4-6F175D3DCCD1}">
-              <a14:hiddenFill xmlns:a14="http://schemas.microsoft.com/office/drawing/2010/main">
-                <a:solidFill>
-                  <a:srgbClr val="FFFFFF"/>
-                </a:solidFill>
-              </a14:hiddenFill>
-            </a:ext>
-          </a:extLst>
-        </p:spPr>
-      </p:pic>
-      <p:sp>
-        <p:nvSpPr>
-          <p:cNvPr id="15" name="TextBox 14"/>
-          <p:cNvSpPr txBox="1"/>
-          <p:nvPr/>
-        </p:nvSpPr>
-        <p:spPr>
-          <a:xfrm>
-            <a:off x="989702" y="1690688"/>
-            <a:ext cx="3659720" cy="523220"/>
-          </a:xfrm>
-          <a:prstGeom prst="rect">
-            <a:avLst/>
-          </a:prstGeom>
-          <a:noFill/>
-        </p:spPr>
-        <p:txBody>
-          <a:bodyPr wrap="none" rtlCol="0">
-            <a:spAutoFit/>
-          </a:bodyPr>
-          <a:lstStyle/>
-          <a:p>
-            <a:r>
-              <a:rPr lang="en-US" sz="2800" dirty="0">
-                <a:solidFill>
-                  <a:srgbClr val="FF0000"/>
-                </a:solidFill>
-              </a:rPr>
-              <a:t>A Bad Fit: Wrong Model</a:t>
-            </a:r>
-          </a:p>
-        </p:txBody>
-      </p:sp>
-      <p:sp>
-        <p:nvSpPr>
-          <p:cNvPr id="16" name="TextBox 15"/>
-          <p:cNvSpPr txBox="1"/>
-          <p:nvPr/>
-        </p:nvSpPr>
-        <p:spPr>
-          <a:xfrm>
-            <a:off x="6551406" y="1583228"/>
-            <a:ext cx="2927148" cy="523220"/>
-          </a:xfrm>
-          <a:prstGeom prst="rect">
-            <a:avLst/>
-          </a:prstGeom>
-          <a:noFill/>
-        </p:spPr>
-        <p:txBody>
-          <a:bodyPr wrap="none" rtlCol="0">
-            <a:spAutoFit/>
-          </a:bodyPr>
-          <a:lstStyle/>
-          <a:p>
-            <a:r>
-              <a:rPr lang="en-US" sz="2800" dirty="0">
-                <a:solidFill>
-                  <a:srgbClr val="FF0000"/>
-                </a:solidFill>
-              </a:rPr>
-              <a:t>The Wrong Model!</a:t>
-            </a:r>
-          </a:p>
-        </p:txBody>
-      </p:sp>
-    </p:spTree>
-    <p:extLst>
-      <p:ext uri="{BB962C8B-B14F-4D97-AF65-F5344CB8AC3E}">
-        <p14:creationId xmlns:p14="http://schemas.microsoft.com/office/powerpoint/2010/main" val="1288000009"/>
-      </p:ext>
-    </p:extLst>
-  </p:cSld>
-  <p:clrMapOvr>
-    <a:masterClrMapping/>
-  </p:clrMapOvr>
-</p:sld>
-</file>
-
-<file path=ppt/slides/slide40.xml><?xml version="1.0" encoding="utf-8"?>
-<p:sld xmlns:a="http://schemas.openxmlformats.org/drawingml/2006/main" xmlns:r="http://schemas.openxmlformats.org/officeDocument/2006/relationships" xmlns:p="http://schemas.openxmlformats.org/presentationml/2006/main">
-  <p:cSld>
-    <p:spTree>
-      <p:nvGrpSpPr>
-        <p:cNvPr id="1" name=""/>
-        <p:cNvGrpSpPr/>
-        <p:nvPr/>
-      </p:nvGrpSpPr>
-      <p:grpSpPr>
-        <a:xfrm>
-          <a:off x="0" y="0"/>
-          <a:ext cx="0" cy="0"/>
-          <a:chOff x="0" y="0"/>
-          <a:chExt cx="0" cy="0"/>
-        </a:xfrm>
-      </p:grpSpPr>
-      <p:sp>
-        <p:nvSpPr>
-          <p:cNvPr id="2" name="Title 1"/>
-          <p:cNvSpPr>
-            <a:spLocks noGrp="1"/>
-          </p:cNvSpPr>
-          <p:nvPr>
-            <p:ph type="title"/>
-          </p:nvPr>
-        </p:nvSpPr>
-        <p:spPr/>
-        <p:txBody>
-          <a:bodyPr/>
-          <a:lstStyle/>
-          <a:p>
             <a:pPr algn="ctr"/>
             <a:r>
               <a:rPr lang="en-US" dirty="0"/>
@@ -13676,7 +18509,7 @@
 </p:sld>
 </file>
 
-<file path=ppt/slides/slide41.xml><?xml version="1.0" encoding="utf-8"?>
+<file path=ppt/slides/slide51.xml><?xml version="1.0" encoding="utf-8"?>
 <p:sld xmlns:a="http://schemas.openxmlformats.org/drawingml/2006/main" xmlns:r="http://schemas.openxmlformats.org/officeDocument/2006/relationships" xmlns:p="http://schemas.openxmlformats.org/presentationml/2006/main">
   <p:cSld>
     <p:spTree>
@@ -13753,7 +18586,7 @@
 </p:sld>
 </file>
 
-<file path=ppt/slides/slide42.xml><?xml version="1.0" encoding="utf-8"?>
+<file path=ppt/slides/slide52.xml><?xml version="1.0" encoding="utf-8"?>
 <p:sld xmlns:a="http://schemas.openxmlformats.org/drawingml/2006/main" xmlns:r="http://schemas.openxmlformats.org/officeDocument/2006/relationships" xmlns:p="http://schemas.openxmlformats.org/presentationml/2006/main">
   <p:cSld>
     <p:spTree>
@@ -13830,7 +18663,7 @@
 </p:sld>
 </file>
 
-<file path=ppt/slides/slide43.xml><?xml version="1.0" encoding="utf-8"?>
+<file path=ppt/slides/slide53.xml><?xml version="1.0" encoding="utf-8"?>
 <p:sld xmlns:a="http://schemas.openxmlformats.org/drawingml/2006/main" xmlns:r="http://schemas.openxmlformats.org/officeDocument/2006/relationships" xmlns:p="http://schemas.openxmlformats.org/presentationml/2006/main">
   <p:cSld>
     <p:spTree>
@@ -13971,139 +18804,6 @@
 </p:sld>
 </file>
 
-<file path=ppt/slides/slide5.xml><?xml version="1.0" encoding="utf-8"?>
-<p:sld xmlns:a="http://schemas.openxmlformats.org/drawingml/2006/main" xmlns:r="http://schemas.openxmlformats.org/officeDocument/2006/relationships" xmlns:p="http://schemas.openxmlformats.org/presentationml/2006/main">
-  <p:cSld>
-    <p:spTree>
-      <p:nvGrpSpPr>
-        <p:cNvPr id="1" name=""/>
-        <p:cNvGrpSpPr/>
-        <p:nvPr/>
-      </p:nvGrpSpPr>
-      <p:grpSpPr>
-        <a:xfrm>
-          <a:off x="0" y="0"/>
-          <a:ext cx="0" cy="0"/>
-          <a:chOff x="0" y="0"/>
-          <a:chExt cx="0" cy="0"/>
-        </a:xfrm>
-      </p:grpSpPr>
-      <p:sp>
-        <p:nvSpPr>
-          <p:cNvPr id="2" name="Title 1"/>
-          <p:cNvSpPr>
-            <a:spLocks noGrp="1"/>
-          </p:cNvSpPr>
-          <p:nvPr>
-            <p:ph type="title"/>
-          </p:nvPr>
-        </p:nvSpPr>
-        <p:spPr/>
-        <p:txBody>
-          <a:bodyPr/>
-          <a:lstStyle/>
-          <a:p>
-            <a:r>
-              <a:rPr lang="en-US" dirty="0"/>
-              <a:t>You’ve probably seen this: Someone is a bit too enthusiastic with Excel</a:t>
-            </a:r>
-          </a:p>
-        </p:txBody>
-      </p:sp>
-      <p:sp>
-        <p:nvSpPr>
-          <p:cNvPr id="16" name="TextBox 15"/>
-          <p:cNvSpPr txBox="1"/>
-          <p:nvPr/>
-        </p:nvSpPr>
-        <p:spPr>
-          <a:xfrm>
-            <a:off x="4283616" y="1784291"/>
-            <a:ext cx="2872581" cy="830997"/>
-          </a:xfrm>
-          <a:prstGeom prst="rect">
-            <a:avLst/>
-          </a:prstGeom>
-          <a:noFill/>
-        </p:spPr>
-        <p:txBody>
-          <a:bodyPr wrap="none" rtlCol="0">
-            <a:spAutoFit/>
-          </a:bodyPr>
-          <a:lstStyle/>
-          <a:p>
-            <a:r>
-              <a:rPr lang="en-US" sz="4800" dirty="0">
-                <a:solidFill>
-                  <a:srgbClr val="FF0000"/>
-                </a:solidFill>
-              </a:rPr>
-              <a:t>Overfitting</a:t>
-            </a:r>
-          </a:p>
-        </p:txBody>
-      </p:sp>
-      <p:pic>
-        <p:nvPicPr>
-          <p:cNvPr id="3" name="Picture 2"/>
-          <p:cNvPicPr>
-            <a:picLocks noChangeAspect="1"/>
-          </p:cNvPicPr>
-          <p:nvPr/>
-        </p:nvPicPr>
-        <p:blipFill>
-          <a:blip r:embed="rId2"/>
-          <a:stretch>
-            <a:fillRect/>
-          </a:stretch>
-        </p:blipFill>
-        <p:spPr>
-          <a:xfrm>
-            <a:off x="565653" y="3016251"/>
-            <a:ext cx="4584589" cy="2755631"/>
-          </a:xfrm>
-          <a:prstGeom prst="rect">
-            <a:avLst/>
-          </a:prstGeom>
-        </p:spPr>
-      </p:pic>
-      <p:pic>
-        <p:nvPicPr>
-          <p:cNvPr id="4" name="Picture 3"/>
-          <p:cNvPicPr>
-            <a:picLocks noChangeAspect="1"/>
-          </p:cNvPicPr>
-          <p:nvPr/>
-        </p:nvPicPr>
-        <p:blipFill>
-          <a:blip r:embed="rId3"/>
-          <a:stretch>
-            <a:fillRect/>
-          </a:stretch>
-        </p:blipFill>
-        <p:spPr>
-          <a:xfrm>
-            <a:off x="5901446" y="2949771"/>
-            <a:ext cx="4584589" cy="2755631"/>
-          </a:xfrm>
-          <a:prstGeom prst="rect">
-            <a:avLst/>
-          </a:prstGeom>
-        </p:spPr>
-      </p:pic>
-    </p:spTree>
-    <p:extLst>
-      <p:ext uri="{BB962C8B-B14F-4D97-AF65-F5344CB8AC3E}">
-        <p14:creationId xmlns:p14="http://schemas.microsoft.com/office/powerpoint/2010/main" val="417111455"/>
-      </p:ext>
-    </p:extLst>
-  </p:cSld>
-  <p:clrMapOvr>
-    <a:masterClrMapping/>
-  </p:clrMapOvr>
-</p:sld>
-</file>
-
 <file path=ppt/slides/slide6.xml><?xml version="1.0" encoding="utf-8"?>
 <p:sld xmlns:a="http://schemas.openxmlformats.org/drawingml/2006/main" xmlns:r="http://schemas.openxmlformats.org/officeDocument/2006/relationships" xmlns:p="http://schemas.openxmlformats.org/presentationml/2006/main">
   <p:cSld>
@@ -14123,7 +18823,13 @@
       </p:grpSpPr>
       <p:sp>
         <p:nvSpPr>
-          <p:cNvPr id="2" name="Title 1"/>
+          <p:cNvPr id="2" name="Title 1">
+            <a:extLst>
+              <a:ext uri="{FF2B5EF4-FFF2-40B4-BE49-F238E27FC236}">
+                <a16:creationId xmlns:a16="http://schemas.microsoft.com/office/drawing/2014/main" id="{366B49A0-AD0B-2549-8B78-3C011BE3B1BC}"/>
+              </a:ext>
+            </a:extLst>
+          </p:cNvPr>
           <p:cNvSpPr>
             <a:spLocks noGrp="1"/>
           </p:cNvSpPr>
@@ -14138,135 +18844,967 @@
           <a:p>
             <a:r>
               <a:rPr lang="en-US" dirty="0"/>
-              <a:t>Under fitting</a:t>
+              <a:t>What is A Good Model?</a:t>
             </a:r>
           </a:p>
         </p:txBody>
       </p:sp>
       <p:sp>
         <p:nvSpPr>
-          <p:cNvPr id="16" name="TextBox 15"/>
-          <p:cNvSpPr txBox="1"/>
-          <p:nvPr/>
+          <p:cNvPr id="5" name="Content Placeholder 4">
+            <a:extLst>
+              <a:ext uri="{FF2B5EF4-FFF2-40B4-BE49-F238E27FC236}">
+                <a16:creationId xmlns:a16="http://schemas.microsoft.com/office/drawing/2014/main" id="{054E4606-4D5C-6A48-961D-8722848556E0}"/>
+              </a:ext>
+            </a:extLst>
+          </p:cNvPr>
+          <p:cNvSpPr>
+            <a:spLocks noGrp="1"/>
+          </p:cNvSpPr>
+          <p:nvPr>
+            <p:ph idx="1"/>
+          </p:nvPr>
         </p:nvSpPr>
         <p:spPr>
           <a:xfrm>
-            <a:off x="1656675" y="2025380"/>
-            <a:ext cx="2043893" cy="523220"/>
+            <a:off x="1981200" y="3346504"/>
+            <a:ext cx="8229600" cy="2597096"/>
           </a:xfrm>
-          <a:prstGeom prst="rect">
-            <a:avLst/>
-          </a:prstGeom>
-          <a:noFill/>
         </p:spPr>
         <p:txBody>
-          <a:bodyPr wrap="none" rtlCol="0">
-            <a:spAutoFit/>
-          </a:bodyPr>
+          <a:bodyPr/>
           <a:lstStyle/>
           <a:p>
             <a:r>
-              <a:rPr lang="en-US" sz="2800" dirty="0">
-                <a:solidFill>
-                  <a:srgbClr val="FF0000"/>
-                </a:solidFill>
-              </a:rPr>
-              <a:t>Under fitting</a:t>
+              <a:rPr lang="en-US" dirty="0"/>
+              <a:t>Fits measurement data</a:t>
+            </a:r>
+          </a:p>
+          <a:p>
+            <a:r>
+              <a:rPr lang="en-US" dirty="0"/>
+              <a:t>Simple (e.g., few parameters)</a:t>
+            </a:r>
+          </a:p>
+          <a:p>
+            <a:r>
+              <a:rPr lang="en-US" dirty="0"/>
+              <a:t>Generalizes to new measurement data</a:t>
             </a:r>
           </a:p>
         </p:txBody>
       </p:sp>
-      <p:pic>
-        <p:nvPicPr>
-          <p:cNvPr id="8" name="Picture 7"/>
-          <p:cNvPicPr>
-            <a:picLocks noChangeAspect="1"/>
-          </p:cNvPicPr>
-          <p:nvPr/>
-        </p:nvPicPr>
-        <p:blipFill>
-          <a:blip r:embed="rId2"/>
-          <a:stretch>
-            <a:fillRect/>
-          </a:stretch>
-        </p:blipFill>
-        <p:spPr>
-          <a:xfrm>
-            <a:off x="838200" y="2883292"/>
-            <a:ext cx="4572396" cy="2743438"/>
-          </a:xfrm>
-          <a:prstGeom prst="rect">
-            <a:avLst/>
-          </a:prstGeom>
-        </p:spPr>
-      </p:pic>
-      <p:pic>
-        <p:nvPicPr>
-          <p:cNvPr id="10" name="Picture 9"/>
-          <p:cNvPicPr>
-            <a:picLocks noChangeAspect="1"/>
-          </p:cNvPicPr>
-          <p:nvPr/>
-        </p:nvPicPr>
-        <p:blipFill>
-          <a:blip r:embed="rId3"/>
-          <a:stretch>
-            <a:fillRect/>
-          </a:stretch>
-        </p:blipFill>
-        <p:spPr>
-          <a:xfrm>
-            <a:off x="6219515" y="2883292"/>
-            <a:ext cx="4572396" cy="2743438"/>
-          </a:xfrm>
-          <a:prstGeom prst="rect">
-            <a:avLst/>
-          </a:prstGeom>
-        </p:spPr>
-      </p:pic>
       <p:sp>
         <p:nvSpPr>
-          <p:cNvPr id="12" name="TextBox 11"/>
-          <p:cNvSpPr txBox="1"/>
-          <p:nvPr/>
+          <p:cNvPr id="4" name="Slide Number Placeholder 3">
+            <a:extLst>
+              <a:ext uri="{FF2B5EF4-FFF2-40B4-BE49-F238E27FC236}">
+                <a16:creationId xmlns:a16="http://schemas.microsoft.com/office/drawing/2014/main" id="{6F803CC8-BF4F-7441-9A3A-FA1980AF0F28}"/>
+              </a:ext>
+            </a:extLst>
+          </p:cNvPr>
+          <p:cNvSpPr>
+            <a:spLocks noGrp="1"/>
+          </p:cNvSpPr>
+          <p:nvPr>
+            <p:ph type="sldNum" sz="quarter" idx="11"/>
+          </p:nvPr>
         </p:nvSpPr>
-        <p:spPr>
-          <a:xfrm>
-            <a:off x="7360021" y="2025380"/>
-            <a:ext cx="2255105" cy="523220"/>
-          </a:xfrm>
-          <a:prstGeom prst="rect">
-            <a:avLst/>
-          </a:prstGeom>
-          <a:noFill/>
-        </p:spPr>
+        <p:spPr/>
         <p:txBody>
-          <a:bodyPr wrap="none" rtlCol="0">
-            <a:spAutoFit/>
-          </a:bodyPr>
+          <a:bodyPr/>
           <a:lstStyle/>
           <a:p>
-            <a:r>
-              <a:rPr lang="en-US" sz="2800" dirty="0">
-                <a:solidFill>
-                  <a:srgbClr val="FF0000"/>
-                </a:solidFill>
-              </a:rPr>
-              <a:t>More Realistic</a:t>
-            </a:r>
+            <a:pPr>
+              <a:defRPr/>
+            </a:pPr>
+            <a:fld id="{3EF4E9CC-9D91-476E-91FD-5BEEC1642931}" type="slidenum">
+              <a:rPr lang="en-US" altLang="x-none" smtClean="0"/>
+              <a:pPr>
+                <a:defRPr/>
+              </a:pPr>
+              <a:t>6</a:t>
+            </a:fld>
+            <a:endParaRPr lang="en-US" altLang="x-none"/>
           </a:p>
         </p:txBody>
       </p:sp>
+      <p:grpSp>
+        <p:nvGrpSpPr>
+          <p:cNvPr id="7" name="Group 6">
+            <a:extLst>
+              <a:ext uri="{FF2B5EF4-FFF2-40B4-BE49-F238E27FC236}">
+                <a16:creationId xmlns:a16="http://schemas.microsoft.com/office/drawing/2014/main" id="{FD8C89F4-8C72-7246-9A27-8B5D87A0C4C7}"/>
+              </a:ext>
+            </a:extLst>
+          </p:cNvPr>
+          <p:cNvGrpSpPr/>
+          <p:nvPr/>
+        </p:nvGrpSpPr>
+        <p:grpSpPr>
+          <a:xfrm>
+            <a:off x="5784731" y="1189136"/>
+            <a:ext cx="2768538" cy="1935064"/>
+            <a:chOff x="3708462" y="1741834"/>
+            <a:chExt cx="2768538" cy="1935064"/>
+          </a:xfrm>
+        </p:grpSpPr>
+        <p:grpSp>
+          <p:nvGrpSpPr>
+            <p:cNvPr id="9" name="Group 8">
+              <a:extLst>
+                <a:ext uri="{FF2B5EF4-FFF2-40B4-BE49-F238E27FC236}">
+                  <a16:creationId xmlns:a16="http://schemas.microsoft.com/office/drawing/2014/main" id="{78D9B0C3-0CF3-124E-81EE-8022B405DD02}"/>
+                </a:ext>
+              </a:extLst>
+            </p:cNvPr>
+            <p:cNvGrpSpPr/>
+            <p:nvPr/>
+          </p:nvGrpSpPr>
+          <p:grpSpPr>
+            <a:xfrm>
+              <a:off x="5181600" y="2133600"/>
+              <a:ext cx="1295400" cy="1543298"/>
+              <a:chOff x="4544460" y="1327807"/>
+              <a:chExt cx="3715620" cy="5149193"/>
+            </a:xfrm>
+          </p:grpSpPr>
+          <p:pic>
+            <p:nvPicPr>
+              <p:cNvPr id="15" name="Picture 14">
+                <a:extLst>
+                  <a:ext uri="{FF2B5EF4-FFF2-40B4-BE49-F238E27FC236}">
+                    <a16:creationId xmlns:a16="http://schemas.microsoft.com/office/drawing/2014/main" id="{53E4CAE5-FFC4-B44B-AB78-CF1626AE5EA7}"/>
+                  </a:ext>
+                </a:extLst>
+              </p:cNvPr>
+              <p:cNvPicPr>
+                <a:picLocks noChangeAspect="1"/>
+              </p:cNvPicPr>
+              <p:nvPr/>
+            </p:nvPicPr>
+            <p:blipFill>
+              <a:blip r:embed="rId2"/>
+              <a:stretch>
+                <a:fillRect/>
+              </a:stretch>
+            </p:blipFill>
+            <p:spPr>
+              <a:xfrm>
+                <a:off x="4583430" y="3756452"/>
+                <a:ext cx="3676650" cy="2720548"/>
+              </a:xfrm>
+              <a:prstGeom prst="rect">
+                <a:avLst/>
+              </a:prstGeom>
+            </p:spPr>
+          </p:pic>
+          <p:pic>
+            <p:nvPicPr>
+              <p:cNvPr id="16" name="Picture 15">
+                <a:extLst>
+                  <a:ext uri="{FF2B5EF4-FFF2-40B4-BE49-F238E27FC236}">
+                    <a16:creationId xmlns:a16="http://schemas.microsoft.com/office/drawing/2014/main" id="{4D8102E8-6E98-2442-A23D-6B663973E0BC}"/>
+                  </a:ext>
+                </a:extLst>
+              </p:cNvPr>
+              <p:cNvPicPr>
+                <a:picLocks noChangeAspect="1"/>
+              </p:cNvPicPr>
+              <p:nvPr/>
+            </p:nvPicPr>
+            <p:blipFill>
+              <a:blip r:embed="rId3"/>
+              <a:stretch>
+                <a:fillRect/>
+              </a:stretch>
+            </p:blipFill>
+            <p:spPr>
+              <a:xfrm>
+                <a:off x="4544460" y="1327807"/>
+                <a:ext cx="3661949" cy="2463800"/>
+              </a:xfrm>
+              <a:prstGeom prst="rect">
+                <a:avLst/>
+              </a:prstGeom>
+            </p:spPr>
+          </p:pic>
+        </p:grpSp>
+        <p:grpSp>
+          <p:nvGrpSpPr>
+            <p:cNvPr id="10" name="Group 9">
+              <a:extLst>
+                <a:ext uri="{FF2B5EF4-FFF2-40B4-BE49-F238E27FC236}">
+                  <a16:creationId xmlns:a16="http://schemas.microsoft.com/office/drawing/2014/main" id="{8424FC17-A4D2-EA4B-B474-C73B13382F6F}"/>
+                </a:ext>
+              </a:extLst>
+            </p:cNvPr>
+            <p:cNvGrpSpPr/>
+            <p:nvPr/>
+          </p:nvGrpSpPr>
+          <p:grpSpPr>
+            <a:xfrm>
+              <a:off x="3708462" y="2130748"/>
+              <a:ext cx="1371600" cy="1526733"/>
+              <a:chOff x="4692836" y="1499471"/>
+              <a:chExt cx="3705915" cy="5018901"/>
+            </a:xfrm>
+          </p:grpSpPr>
+          <p:pic>
+            <p:nvPicPr>
+              <p:cNvPr id="13" name="Picture 12">
+                <a:extLst>
+                  <a:ext uri="{FF2B5EF4-FFF2-40B4-BE49-F238E27FC236}">
+                    <a16:creationId xmlns:a16="http://schemas.microsoft.com/office/drawing/2014/main" id="{8E5AB6D7-4FB4-5E46-B1FD-335C650ABFC8}"/>
+                  </a:ext>
+                </a:extLst>
+              </p:cNvPr>
+              <p:cNvPicPr>
+                <a:picLocks noChangeAspect="1"/>
+              </p:cNvPicPr>
+              <p:nvPr/>
+            </p:nvPicPr>
+            <p:blipFill>
+              <a:blip r:embed="rId4"/>
+              <a:stretch>
+                <a:fillRect/>
+              </a:stretch>
+            </p:blipFill>
+            <p:spPr>
+              <a:xfrm>
+                <a:off x="4692836" y="1499471"/>
+                <a:ext cx="3689350" cy="2560843"/>
+              </a:xfrm>
+              <a:prstGeom prst="rect">
+                <a:avLst/>
+              </a:prstGeom>
+            </p:spPr>
+          </p:pic>
+          <p:pic>
+            <p:nvPicPr>
+              <p:cNvPr id="14" name="Picture 13">
+                <a:extLst>
+                  <a:ext uri="{FF2B5EF4-FFF2-40B4-BE49-F238E27FC236}">
+                    <a16:creationId xmlns:a16="http://schemas.microsoft.com/office/drawing/2014/main" id="{2AF39154-5CE1-CD48-A263-27156D12007A}"/>
+                  </a:ext>
+                </a:extLst>
+              </p:cNvPr>
+              <p:cNvPicPr>
+                <a:picLocks noChangeAspect="1"/>
+              </p:cNvPicPr>
+              <p:nvPr/>
+            </p:nvPicPr>
+            <p:blipFill>
+              <a:blip r:embed="rId5"/>
+              <a:stretch>
+                <a:fillRect/>
+              </a:stretch>
+            </p:blipFill>
+            <p:spPr>
+              <a:xfrm>
+                <a:off x="4722101" y="4027184"/>
+                <a:ext cx="3676650" cy="2491188"/>
+              </a:xfrm>
+              <a:prstGeom prst="rect">
+                <a:avLst/>
+              </a:prstGeom>
+            </p:spPr>
+          </p:pic>
+        </p:grpSp>
+        <p:sp>
+          <p:nvSpPr>
+            <p:cNvPr id="11" name="TextBox 10">
+              <a:extLst>
+                <a:ext uri="{FF2B5EF4-FFF2-40B4-BE49-F238E27FC236}">
+                  <a16:creationId xmlns:a16="http://schemas.microsoft.com/office/drawing/2014/main" id="{4FE70BA2-AB03-0F4E-BD38-073EFA9EB59B}"/>
+                </a:ext>
+              </a:extLst>
+            </p:cNvPr>
+            <p:cNvSpPr txBox="1"/>
+            <p:nvPr/>
+          </p:nvSpPr>
+          <p:spPr>
+            <a:xfrm>
+              <a:off x="3810000" y="1752600"/>
+              <a:ext cx="790473" cy="369332"/>
+            </a:xfrm>
+            <a:prstGeom prst="rect">
+              <a:avLst/>
+            </a:prstGeom>
+            <a:noFill/>
+          </p:spPr>
+          <p:txBody>
+            <a:bodyPr wrap="none" rtlCol="0">
+              <a:spAutoFit/>
+            </a:bodyPr>
+            <a:lstStyle/>
+            <a:p>
+              <a:r>
+                <a:rPr lang="en-US" dirty="0"/>
+                <a:t>Data 1</a:t>
+              </a:r>
+            </a:p>
+          </p:txBody>
+        </p:sp>
+        <p:sp>
+          <p:nvSpPr>
+            <p:cNvPr id="12" name="TextBox 11">
+              <a:extLst>
+                <a:ext uri="{FF2B5EF4-FFF2-40B4-BE49-F238E27FC236}">
+                  <a16:creationId xmlns:a16="http://schemas.microsoft.com/office/drawing/2014/main" id="{A2674EA3-EB2C-7644-9105-8849537DDB7B}"/>
+                </a:ext>
+              </a:extLst>
+            </p:cNvPr>
+            <p:cNvSpPr txBox="1"/>
+            <p:nvPr/>
+          </p:nvSpPr>
+          <p:spPr>
+            <a:xfrm>
+              <a:off x="5252752" y="1741834"/>
+              <a:ext cx="790473" cy="369332"/>
+            </a:xfrm>
+            <a:prstGeom prst="rect">
+              <a:avLst/>
+            </a:prstGeom>
+            <a:noFill/>
+          </p:spPr>
+          <p:txBody>
+            <a:bodyPr wrap="none" rtlCol="0">
+              <a:spAutoFit/>
+            </a:bodyPr>
+            <a:lstStyle/>
+            <a:p>
+              <a:r>
+                <a:rPr lang="en-US" dirty="0"/>
+                <a:t>Data 2</a:t>
+              </a:r>
+            </a:p>
+          </p:txBody>
+        </p:sp>
+      </p:grpSp>
+      <mc:AlternateContent xmlns:mc="http://schemas.openxmlformats.org/markup-compatibility/2006">
+        <mc:Choice xmlns:a14="http://schemas.microsoft.com/office/drawing/2010/main" Requires="a14">
+          <p:sp>
+            <p:nvSpPr>
+              <p:cNvPr id="17" name="TextBox 16">
+                <a:extLst>
+                  <a:ext uri="{FF2B5EF4-FFF2-40B4-BE49-F238E27FC236}">
+                    <a16:creationId xmlns:a16="http://schemas.microsoft.com/office/drawing/2014/main" id="{94893980-7764-0C4B-84A6-271C0B2B3574}"/>
+                  </a:ext>
+                </a:extLst>
+              </p:cNvPr>
+              <p:cNvSpPr txBox="1"/>
+              <p:nvPr/>
+            </p:nvSpPr>
+            <p:spPr>
+              <a:xfrm>
+                <a:off x="4499696" y="1811623"/>
+                <a:ext cx="1163780" cy="276999"/>
+              </a:xfrm>
+              <a:prstGeom prst="rect">
+                <a:avLst/>
+              </a:prstGeom>
+              <a:noFill/>
+            </p:spPr>
+            <p:txBody>
+              <a:bodyPr wrap="none" lIns="0" tIns="0" rIns="0" bIns="0" rtlCol="0">
+                <a:spAutoFit/>
+              </a:bodyPr>
+              <a:lstStyle/>
+              <a:p>
+                <a:pPr/>
+                <a14:m>
+                  <m:oMathPara xmlns:m="http://schemas.openxmlformats.org/officeDocument/2006/math">
+                    <m:oMathParaPr>
+                      <m:jc m:val="centerGroup"/>
+                    </m:oMathParaPr>
+                    <m:oMath xmlns:m="http://schemas.openxmlformats.org/officeDocument/2006/math">
+                      <m:r>
+                        <a:rPr lang="en-US" i="1">
+                          <a:latin typeface="Cambria Math" panose="02040503050406030204" pitchFamily="18" charset="0"/>
+                        </a:rPr>
+                        <m:t>𝑦</m:t>
+                      </m:r>
+                      <m:r>
+                        <a:rPr lang="en-US" i="1">
+                          <a:latin typeface="Cambria Math" panose="02040503050406030204" pitchFamily="18" charset="0"/>
+                        </a:rPr>
+                        <m:t>=</m:t>
+                      </m:r>
+                      <m:r>
+                        <a:rPr lang="en-US" i="1">
+                          <a:latin typeface="Cambria Math" panose="02040503050406030204" pitchFamily="18" charset="0"/>
+                        </a:rPr>
+                        <m:t>𝑎𝑥</m:t>
+                      </m:r>
+                      <m:r>
+                        <a:rPr lang="en-US" i="1">
+                          <a:latin typeface="Cambria Math" panose="02040503050406030204" pitchFamily="18" charset="0"/>
+                        </a:rPr>
+                        <m:t>+</m:t>
+                      </m:r>
+                      <m:r>
+                        <a:rPr lang="en-US" i="1">
+                          <a:latin typeface="Cambria Math" panose="02040503050406030204" pitchFamily="18" charset="0"/>
+                        </a:rPr>
+                        <m:t>𝑏</m:t>
+                      </m:r>
+                    </m:oMath>
+                  </m:oMathPara>
+                </a14:m>
+                <a:endParaRPr lang="en-US" dirty="0"/>
+              </a:p>
+            </p:txBody>
+          </p:sp>
+        </mc:Choice>
+        <mc:Fallback>
+          <p:sp>
+            <p:nvSpPr>
+              <p:cNvPr id="17" name="TextBox 16">
+                <a:extLst>
+                  <a:ext uri="{FF2B5EF4-FFF2-40B4-BE49-F238E27FC236}">
+                    <a16:creationId xmlns:a16="http://schemas.microsoft.com/office/drawing/2014/main" id="{94893980-7764-0C4B-84A6-271C0B2B3574}"/>
+                  </a:ext>
+                </a:extLst>
+              </p:cNvPr>
+              <p:cNvSpPr txBox="1">
+                <a:spLocks noRot="1" noChangeAspect="1" noMove="1" noResize="1" noEditPoints="1" noAdjustHandles="1" noChangeArrowheads="1" noChangeShapeType="1" noTextEdit="1"/>
+              </p:cNvSpPr>
+              <p:nvPr/>
+            </p:nvSpPr>
+            <p:spPr>
+              <a:xfrm>
+                <a:off x="4499696" y="1811623"/>
+                <a:ext cx="1163780" cy="276999"/>
+              </a:xfrm>
+              <a:prstGeom prst="rect">
+                <a:avLst/>
+              </a:prstGeom>
+              <a:blipFill>
+                <a:blip r:embed="rId6"/>
+                <a:stretch>
+                  <a:fillRect l="-3226" r="-3226" b="-27273"/>
+                </a:stretch>
+              </a:blipFill>
+            </p:spPr>
+            <p:txBody>
+              <a:bodyPr/>
+              <a:lstStyle/>
+              <a:p>
+                <a:r>
+                  <a:rPr lang="en-US">
+                    <a:noFill/>
+                  </a:rPr>
+                  <a:t> </a:t>
+                </a:r>
+              </a:p>
+            </p:txBody>
+          </p:sp>
+        </mc:Fallback>
+      </mc:AlternateContent>
+      <mc:AlternateContent xmlns:mc="http://schemas.openxmlformats.org/markup-compatibility/2006">
+        <mc:Choice xmlns:a14="http://schemas.microsoft.com/office/drawing/2010/main" Requires="a14">
+          <p:sp>
+            <p:nvSpPr>
+              <p:cNvPr id="18" name="TextBox 17">
+                <a:extLst>
+                  <a:ext uri="{FF2B5EF4-FFF2-40B4-BE49-F238E27FC236}">
+                    <a16:creationId xmlns:a16="http://schemas.microsoft.com/office/drawing/2014/main" id="{D2BFFD0E-4F9F-0742-B446-3DDE63BD08E9}"/>
+                  </a:ext>
+                </a:extLst>
+              </p:cNvPr>
+              <p:cNvSpPr txBox="1"/>
+              <p:nvPr/>
+            </p:nvSpPr>
+            <p:spPr>
+              <a:xfrm>
+                <a:off x="2133600" y="2511323"/>
+                <a:ext cx="3529876" cy="276999"/>
+              </a:xfrm>
+              <a:prstGeom prst="rect">
+                <a:avLst/>
+              </a:prstGeom>
+              <a:noFill/>
+            </p:spPr>
+            <p:txBody>
+              <a:bodyPr wrap="none" lIns="0" tIns="0" rIns="0" bIns="0" rtlCol="0">
+                <a:spAutoFit/>
+              </a:bodyPr>
+              <a:lstStyle/>
+              <a:p>
+                <a:pPr/>
+                <a14:m>
+                  <m:oMathPara xmlns:m="http://schemas.openxmlformats.org/officeDocument/2006/math">
+                    <m:oMathParaPr>
+                      <m:jc m:val="centerGroup"/>
+                    </m:oMathParaPr>
+                    <m:oMath xmlns:m="http://schemas.openxmlformats.org/officeDocument/2006/math">
+                      <m:r>
+                        <a:rPr lang="en-US" i="1">
+                          <a:latin typeface="Cambria Math" panose="02040503050406030204" pitchFamily="18" charset="0"/>
+                        </a:rPr>
+                        <m:t>𝑦</m:t>
+                      </m:r>
+                      <m:r>
+                        <a:rPr lang="en-US" i="1">
+                          <a:latin typeface="Cambria Math" panose="02040503050406030204" pitchFamily="18" charset="0"/>
+                        </a:rPr>
+                        <m:t>=</m:t>
+                      </m:r>
+                      <m:sSub>
+                        <m:sSubPr>
+                          <m:ctrlPr>
+                            <a:rPr lang="en-US" i="1">
+                              <a:latin typeface="Cambria Math" panose="02040503050406030204" pitchFamily="18" charset="0"/>
+                            </a:rPr>
+                          </m:ctrlPr>
+                        </m:sSubPr>
+                        <m:e>
+                          <m:r>
+                            <a:rPr lang="en-US" i="1">
+                              <a:latin typeface="Cambria Math" panose="02040503050406030204" pitchFamily="18" charset="0"/>
+                            </a:rPr>
+                            <m:t>𝑎</m:t>
+                          </m:r>
+                        </m:e>
+                        <m:sub>
+                          <m:r>
+                            <a:rPr lang="en-US" i="1">
+                              <a:latin typeface="Cambria Math" panose="02040503050406030204" pitchFamily="18" charset="0"/>
+                            </a:rPr>
+                            <m:t>1</m:t>
+                          </m:r>
+                        </m:sub>
+                      </m:sSub>
+                      <m:r>
+                        <a:rPr lang="en-US" i="1">
+                          <a:latin typeface="Cambria Math" panose="02040503050406030204" pitchFamily="18" charset="0"/>
+                        </a:rPr>
+                        <m:t>𝑥</m:t>
+                      </m:r>
+                      <m:r>
+                        <a:rPr lang="en-US" i="1">
+                          <a:latin typeface="Cambria Math" panose="02040503050406030204" pitchFamily="18" charset="0"/>
+                        </a:rPr>
+                        <m:t>+</m:t>
+                      </m:r>
+                      <m:sSub>
+                        <m:sSubPr>
+                          <m:ctrlPr>
+                            <a:rPr lang="en-US" i="1">
+                              <a:latin typeface="Cambria Math" panose="02040503050406030204" pitchFamily="18" charset="0"/>
+                            </a:rPr>
+                          </m:ctrlPr>
+                        </m:sSubPr>
+                        <m:e>
+                          <m:r>
+                            <a:rPr lang="en-US" i="1">
+                              <a:latin typeface="Cambria Math" panose="02040503050406030204" pitchFamily="18" charset="0"/>
+                            </a:rPr>
+                            <m:t>𝑎</m:t>
+                          </m:r>
+                        </m:e>
+                        <m:sub>
+                          <m:r>
+                            <a:rPr lang="en-US" i="1">
+                              <a:latin typeface="Cambria Math" panose="02040503050406030204" pitchFamily="18" charset="0"/>
+                            </a:rPr>
+                            <m:t>2</m:t>
+                          </m:r>
+                        </m:sub>
+                      </m:sSub>
+                      <m:sSup>
+                        <m:sSupPr>
+                          <m:ctrlPr>
+                            <a:rPr lang="en-US" i="1">
+                              <a:latin typeface="Cambria Math" panose="02040503050406030204" pitchFamily="18" charset="0"/>
+                            </a:rPr>
+                          </m:ctrlPr>
+                        </m:sSupPr>
+                        <m:e>
+                          <m:r>
+                            <a:rPr lang="en-US" i="1">
+                              <a:latin typeface="Cambria Math" panose="02040503050406030204" pitchFamily="18" charset="0"/>
+                            </a:rPr>
+                            <m:t>𝑥</m:t>
+                          </m:r>
+                        </m:e>
+                        <m:sup>
+                          <m:r>
+                            <a:rPr lang="en-US" i="1">
+                              <a:latin typeface="Cambria Math" panose="02040503050406030204" pitchFamily="18" charset="0"/>
+                            </a:rPr>
+                            <m:t>2</m:t>
+                          </m:r>
+                        </m:sup>
+                      </m:sSup>
+                      <m:r>
+                        <a:rPr lang="en-US" i="1">
+                          <a:latin typeface="Cambria Math" panose="02040503050406030204" pitchFamily="18" charset="0"/>
+                        </a:rPr>
+                        <m:t>+</m:t>
+                      </m:r>
+                      <m:sSub>
+                        <m:sSubPr>
+                          <m:ctrlPr>
+                            <a:rPr lang="en-US" i="1">
+                              <a:latin typeface="Cambria Math" panose="02040503050406030204" pitchFamily="18" charset="0"/>
+                            </a:rPr>
+                          </m:ctrlPr>
+                        </m:sSubPr>
+                        <m:e>
+                          <m:r>
+                            <a:rPr lang="en-US" i="1">
+                              <a:latin typeface="Cambria Math" panose="02040503050406030204" pitchFamily="18" charset="0"/>
+                            </a:rPr>
+                            <m:t>𝑎</m:t>
+                          </m:r>
+                        </m:e>
+                        <m:sub>
+                          <m:r>
+                            <a:rPr lang="en-US" i="1">
+                              <a:latin typeface="Cambria Math" panose="02040503050406030204" pitchFamily="18" charset="0"/>
+                            </a:rPr>
+                            <m:t>3</m:t>
+                          </m:r>
+                        </m:sub>
+                      </m:sSub>
+                      <m:sSup>
+                        <m:sSupPr>
+                          <m:ctrlPr>
+                            <a:rPr lang="en-US" i="1">
+                              <a:latin typeface="Cambria Math" panose="02040503050406030204" pitchFamily="18" charset="0"/>
+                            </a:rPr>
+                          </m:ctrlPr>
+                        </m:sSupPr>
+                        <m:e>
+                          <m:r>
+                            <a:rPr lang="en-US" i="1">
+                              <a:latin typeface="Cambria Math" panose="02040503050406030204" pitchFamily="18" charset="0"/>
+                            </a:rPr>
+                            <m:t>𝑥</m:t>
+                          </m:r>
+                        </m:e>
+                        <m:sup>
+                          <m:r>
+                            <a:rPr lang="en-US" i="1">
+                              <a:latin typeface="Cambria Math" panose="02040503050406030204" pitchFamily="18" charset="0"/>
+                            </a:rPr>
+                            <m:t>3</m:t>
+                          </m:r>
+                        </m:sup>
+                      </m:sSup>
+                      <m:r>
+                        <a:rPr lang="en-US" i="1">
+                          <a:latin typeface="Cambria Math" panose="02040503050406030204" pitchFamily="18" charset="0"/>
+                        </a:rPr>
+                        <m:t>+</m:t>
+                      </m:r>
+                      <m:sSub>
+                        <m:sSubPr>
+                          <m:ctrlPr>
+                            <a:rPr lang="en-US" i="1">
+                              <a:latin typeface="Cambria Math" panose="02040503050406030204" pitchFamily="18" charset="0"/>
+                            </a:rPr>
+                          </m:ctrlPr>
+                        </m:sSubPr>
+                        <m:e>
+                          <m:r>
+                            <a:rPr lang="en-US" i="1">
+                              <a:latin typeface="Cambria Math" panose="02040503050406030204" pitchFamily="18" charset="0"/>
+                            </a:rPr>
+                            <m:t>𝑎</m:t>
+                          </m:r>
+                        </m:e>
+                        <m:sub>
+                          <m:r>
+                            <a:rPr lang="en-US" i="1">
+                              <a:latin typeface="Cambria Math" panose="02040503050406030204" pitchFamily="18" charset="0"/>
+                            </a:rPr>
+                            <m:t>4</m:t>
+                          </m:r>
+                        </m:sub>
+                      </m:sSub>
+                      <m:sSup>
+                        <m:sSupPr>
+                          <m:ctrlPr>
+                            <a:rPr lang="en-US" i="1">
+                              <a:latin typeface="Cambria Math" panose="02040503050406030204" pitchFamily="18" charset="0"/>
+                            </a:rPr>
+                          </m:ctrlPr>
+                        </m:sSupPr>
+                        <m:e>
+                          <m:r>
+                            <a:rPr lang="en-US" i="1">
+                              <a:latin typeface="Cambria Math" panose="02040503050406030204" pitchFamily="18" charset="0"/>
+                            </a:rPr>
+                            <m:t>𝑥</m:t>
+                          </m:r>
+                        </m:e>
+                        <m:sup>
+                          <m:r>
+                            <a:rPr lang="en-US" i="1">
+                              <a:latin typeface="Cambria Math" panose="02040503050406030204" pitchFamily="18" charset="0"/>
+                            </a:rPr>
+                            <m:t>4</m:t>
+                          </m:r>
+                        </m:sup>
+                      </m:sSup>
+                      <m:r>
+                        <a:rPr lang="en-US" i="1">
+                          <a:latin typeface="Cambria Math" panose="02040503050406030204" pitchFamily="18" charset="0"/>
+                        </a:rPr>
+                        <m:t>+</m:t>
+                      </m:r>
+                      <m:r>
+                        <a:rPr lang="en-US" i="1">
+                          <a:latin typeface="Cambria Math" panose="02040503050406030204" pitchFamily="18" charset="0"/>
+                        </a:rPr>
+                        <m:t>𝑏</m:t>
+                      </m:r>
+                    </m:oMath>
+                  </m:oMathPara>
+                </a14:m>
+                <a:endParaRPr lang="en-US" dirty="0"/>
+              </a:p>
+            </p:txBody>
+          </p:sp>
+        </mc:Choice>
+        <mc:Fallback>
+          <p:sp>
+            <p:nvSpPr>
+              <p:cNvPr id="18" name="TextBox 17">
+                <a:extLst>
+                  <a:ext uri="{FF2B5EF4-FFF2-40B4-BE49-F238E27FC236}">
+                    <a16:creationId xmlns:a16="http://schemas.microsoft.com/office/drawing/2014/main" id="{D2BFFD0E-4F9F-0742-B446-3DDE63BD08E9}"/>
+                  </a:ext>
+                </a:extLst>
+              </p:cNvPr>
+              <p:cNvSpPr txBox="1">
+                <a:spLocks noRot="1" noChangeAspect="1" noMove="1" noResize="1" noEditPoints="1" noAdjustHandles="1" noChangeArrowheads="1" noChangeShapeType="1" noTextEdit="1"/>
+              </p:cNvSpPr>
+              <p:nvPr/>
+            </p:nvSpPr>
+            <p:spPr>
+              <a:xfrm>
+                <a:off x="2133600" y="2511323"/>
+                <a:ext cx="3529876" cy="276999"/>
+              </a:xfrm>
+              <a:prstGeom prst="rect">
+                <a:avLst/>
+              </a:prstGeom>
+              <a:blipFill>
+                <a:blip r:embed="rId7"/>
+                <a:stretch>
+                  <a:fillRect l="-1079" t="-4348" r="-719" b="-21739"/>
+                </a:stretch>
+              </a:blipFill>
+            </p:spPr>
+            <p:txBody>
+              <a:bodyPr/>
+              <a:lstStyle/>
+              <a:p>
+                <a:r>
+                  <a:rPr lang="en-US">
+                    <a:noFill/>
+                  </a:rPr>
+                  <a:t> </a:t>
+                </a:r>
+              </a:p>
+            </p:txBody>
+          </p:sp>
+        </mc:Fallback>
+      </mc:AlternateContent>
     </p:spTree>
     <p:extLst>
       <p:ext uri="{BB962C8B-B14F-4D97-AF65-F5344CB8AC3E}">
-        <p14:creationId xmlns:p14="http://schemas.microsoft.com/office/powerpoint/2010/main" val="626356990"/>
+        <p14:creationId xmlns:p14="http://schemas.microsoft.com/office/powerpoint/2010/main" val="1990681424"/>
       </p:ext>
     </p:extLst>
   </p:cSld>
   <p:clrMapOvr>
     <a:masterClrMapping/>
   </p:clrMapOvr>
+  <p:timing>
+    <p:tnLst>
+      <p:par>
+        <p:cTn id="1" dur="indefinite" restart="never" nodeType="tmRoot">
+          <p:childTnLst>
+            <p:seq concurrent="1" nextAc="seek">
+              <p:cTn id="2" dur="indefinite" nodeType="mainSeq">
+                <p:childTnLst>
+                  <p:par>
+                    <p:cTn id="3" fill="hold">
+                      <p:stCondLst>
+                        <p:cond delay="indefinite"/>
+                      </p:stCondLst>
+                      <p:childTnLst>
+                        <p:par>
+                          <p:cTn id="4" fill="hold">
+                            <p:stCondLst>
+                              <p:cond delay="0"/>
+                            </p:stCondLst>
+                            <p:childTnLst>
+                              <p:par>
+                                <p:cTn id="5" presetID="1" presetClass="entr" presetSubtype="0" fill="hold" grpId="0" nodeType="clickEffect">
+                                  <p:stCondLst>
+                                    <p:cond delay="0"/>
+                                  </p:stCondLst>
+                                  <p:childTnLst>
+                                    <p:set>
+                                      <p:cBhvr>
+                                        <p:cTn id="6" dur="1" fill="hold">
+                                          <p:stCondLst>
+                                            <p:cond delay="0"/>
+                                          </p:stCondLst>
+                                        </p:cTn>
+                                        <p:tgtEl>
+                                          <p:spTgt spid="5">
+                                            <p:txEl>
+                                              <p:pRg st="0" end="0"/>
+                                            </p:txEl>
+                                          </p:spTgt>
+                                        </p:tgtEl>
+                                        <p:attrNameLst>
+                                          <p:attrName>style.visibility</p:attrName>
+                                        </p:attrNameLst>
+                                      </p:cBhvr>
+                                      <p:to>
+                                        <p:strVal val="visible"/>
+                                      </p:to>
+                                    </p:set>
+                                  </p:childTnLst>
+                                </p:cTn>
+                              </p:par>
+                            </p:childTnLst>
+                          </p:cTn>
+                        </p:par>
+                      </p:childTnLst>
+                    </p:cTn>
+                  </p:par>
+                  <p:par>
+                    <p:cTn id="7" fill="hold">
+                      <p:stCondLst>
+                        <p:cond delay="indefinite"/>
+                      </p:stCondLst>
+                      <p:childTnLst>
+                        <p:par>
+                          <p:cTn id="8" fill="hold">
+                            <p:stCondLst>
+                              <p:cond delay="0"/>
+                            </p:stCondLst>
+                            <p:childTnLst>
+                              <p:par>
+                                <p:cTn id="9" presetID="1" presetClass="entr" presetSubtype="0" fill="hold" grpId="0" nodeType="clickEffect">
+                                  <p:stCondLst>
+                                    <p:cond delay="0"/>
+                                  </p:stCondLst>
+                                  <p:childTnLst>
+                                    <p:set>
+                                      <p:cBhvr>
+                                        <p:cTn id="10" dur="1" fill="hold">
+                                          <p:stCondLst>
+                                            <p:cond delay="0"/>
+                                          </p:stCondLst>
+                                        </p:cTn>
+                                        <p:tgtEl>
+                                          <p:spTgt spid="5">
+                                            <p:txEl>
+                                              <p:pRg st="1" end="1"/>
+                                            </p:txEl>
+                                          </p:spTgt>
+                                        </p:tgtEl>
+                                        <p:attrNameLst>
+                                          <p:attrName>style.visibility</p:attrName>
+                                        </p:attrNameLst>
+                                      </p:cBhvr>
+                                      <p:to>
+                                        <p:strVal val="visible"/>
+                                      </p:to>
+                                    </p:set>
+                                  </p:childTnLst>
+                                </p:cTn>
+                              </p:par>
+                            </p:childTnLst>
+                          </p:cTn>
+                        </p:par>
+                      </p:childTnLst>
+                    </p:cTn>
+                  </p:par>
+                  <p:par>
+                    <p:cTn id="11" fill="hold">
+                      <p:stCondLst>
+                        <p:cond delay="indefinite"/>
+                      </p:stCondLst>
+                      <p:childTnLst>
+                        <p:par>
+                          <p:cTn id="12" fill="hold">
+                            <p:stCondLst>
+                              <p:cond delay="0"/>
+                            </p:stCondLst>
+                            <p:childTnLst>
+                              <p:par>
+                                <p:cTn id="13" presetID="1" presetClass="entr" presetSubtype="0" fill="hold" grpId="0" nodeType="clickEffect">
+                                  <p:stCondLst>
+                                    <p:cond delay="0"/>
+                                  </p:stCondLst>
+                                  <p:childTnLst>
+                                    <p:set>
+                                      <p:cBhvr>
+                                        <p:cTn id="14" dur="1" fill="hold">
+                                          <p:stCondLst>
+                                            <p:cond delay="0"/>
+                                          </p:stCondLst>
+                                        </p:cTn>
+                                        <p:tgtEl>
+                                          <p:spTgt spid="5">
+                                            <p:txEl>
+                                              <p:pRg st="2" end="2"/>
+                                            </p:txEl>
+                                          </p:spTgt>
+                                        </p:tgtEl>
+                                        <p:attrNameLst>
+                                          <p:attrName>style.visibility</p:attrName>
+                                        </p:attrNameLst>
+                                      </p:cBhvr>
+                                      <p:to>
+                                        <p:strVal val="visible"/>
+                                      </p:to>
+                                    </p:set>
+                                  </p:childTnLst>
+                                </p:cTn>
+                              </p:par>
+                            </p:childTnLst>
+                          </p:cTn>
+                        </p:par>
+                      </p:childTnLst>
+                    </p:cTn>
+                  </p:par>
+                </p:childTnLst>
+              </p:cTn>
+              <p:prevCondLst>
+                <p:cond evt="onPrev" delay="0">
+                  <p:tgtEl>
+                    <p:sldTgt/>
+                  </p:tgtEl>
+                </p:cond>
+              </p:prevCondLst>
+              <p:nextCondLst>
+                <p:cond evt="onNext" delay="0">
+                  <p:tgtEl>
+                    <p:sldTgt/>
+                  </p:tgtEl>
+                </p:cond>
+              </p:nextCondLst>
+            </p:seq>
+          </p:childTnLst>
+        </p:cTn>
+      </p:par>
+    </p:tnLst>
+    <p:bldLst>
+      <p:bldP spid="5" grpId="0" build="p"/>
+    </p:bldLst>
+  </p:timing>
 </p:sld>
 </file>
 
@@ -14289,7 +19827,13 @@
       </p:grpSpPr>
       <p:sp>
         <p:nvSpPr>
-          <p:cNvPr id="2" name="Title 1"/>
+          <p:cNvPr id="2" name="Title 1">
+            <a:extLst>
+              <a:ext uri="{FF2B5EF4-FFF2-40B4-BE49-F238E27FC236}">
+                <a16:creationId xmlns:a16="http://schemas.microsoft.com/office/drawing/2014/main" id="{366B49A0-AD0B-2549-8B78-3C011BE3B1BC}"/>
+              </a:ext>
+            </a:extLst>
+          </p:cNvPr>
           <p:cNvSpPr>
             <a:spLocks noGrp="1"/>
           </p:cNvSpPr>
@@ -14299,8 +19843,8 @@
         </p:nvSpPr>
         <p:spPr>
           <a:xfrm>
-            <a:off x="192101" y="365125"/>
-            <a:ext cx="11802673" cy="1325563"/>
+            <a:off x="838200" y="-135619"/>
+            <a:ext cx="10515600" cy="1325563"/>
           </a:xfrm>
         </p:spPr>
         <p:txBody>
@@ -14309,14 +19853,55 @@
           <a:p>
             <a:r>
               <a:rPr lang="en-US" dirty="0"/>
-              <a:t>Types of Questions Asked when Fitting: Chapter 9</a:t>
-            </a:r>
+              <a:t>What is A Good Model?</a:t>
+            </a:r>
+          </a:p>
+        </p:txBody>
+      </p:sp>
+      <p:sp>
+        <p:nvSpPr>
+          <p:cNvPr id="4" name="Slide Number Placeholder 3">
+            <a:extLst>
+              <a:ext uri="{FF2B5EF4-FFF2-40B4-BE49-F238E27FC236}">
+                <a16:creationId xmlns:a16="http://schemas.microsoft.com/office/drawing/2014/main" id="{6F803CC8-BF4F-7441-9A3A-FA1980AF0F28}"/>
+              </a:ext>
+            </a:extLst>
+          </p:cNvPr>
+          <p:cNvSpPr>
+            <a:spLocks noGrp="1"/>
+          </p:cNvSpPr>
+          <p:nvPr>
+            <p:ph type="sldNum" sz="quarter" idx="11"/>
+          </p:nvPr>
+        </p:nvSpPr>
+        <p:spPr/>
+        <p:txBody>
+          <a:bodyPr/>
+          <a:lstStyle/>
+          <a:p>
+            <a:pPr>
+              <a:defRPr/>
+            </a:pPr>
+            <a:fld id="{3EF4E9CC-9D91-476E-91FD-5BEEC1642931}" type="slidenum">
+              <a:rPr lang="en-US" altLang="x-none" smtClean="0"/>
+              <a:pPr>
+                <a:defRPr/>
+              </a:pPr>
+              <a:t>7</a:t>
+            </a:fld>
+            <a:endParaRPr lang="en-US" altLang="x-none"/>
           </a:p>
         </p:txBody>
       </p:sp>
       <p:pic>
         <p:nvPicPr>
-          <p:cNvPr id="4" name="Picture 3"/>
+          <p:cNvPr id="6" name="Picture 5">
+            <a:extLst>
+              <a:ext uri="{FF2B5EF4-FFF2-40B4-BE49-F238E27FC236}">
+                <a16:creationId xmlns:a16="http://schemas.microsoft.com/office/drawing/2014/main" id="{DE981302-315D-E74A-A553-0A6FBD3C50C8}"/>
+              </a:ext>
+            </a:extLst>
+          </p:cNvPr>
           <p:cNvPicPr>
             <a:picLocks noChangeAspect="1"/>
           </p:cNvPicPr>
@@ -14330,24 +19915,748 @@
         </p:blipFill>
         <p:spPr>
           <a:xfrm>
-            <a:off x="1724025" y="1913572"/>
-            <a:ext cx="8743950" cy="3762375"/>
+            <a:off x="1981200" y="3992358"/>
+            <a:ext cx="3689350" cy="2560843"/>
           </a:xfrm>
           <a:prstGeom prst="rect">
             <a:avLst/>
           </a:prstGeom>
         </p:spPr>
       </p:pic>
+      <p:pic>
+        <p:nvPicPr>
+          <p:cNvPr id="8" name="Picture 7">
+            <a:extLst>
+              <a:ext uri="{FF2B5EF4-FFF2-40B4-BE49-F238E27FC236}">
+                <a16:creationId xmlns:a16="http://schemas.microsoft.com/office/drawing/2014/main" id="{C1AB12E0-D3F6-DC43-A672-A80579A59AC2}"/>
+              </a:ext>
+            </a:extLst>
+          </p:cNvPr>
+          <p:cNvPicPr>
+            <a:picLocks noChangeAspect="1"/>
+          </p:cNvPicPr>
+          <p:nvPr/>
+        </p:nvPicPr>
+        <p:blipFill>
+          <a:blip r:embed="rId3"/>
+          <a:stretch>
+            <a:fillRect/>
+          </a:stretch>
+        </p:blipFill>
+        <p:spPr>
+          <a:xfrm>
+            <a:off x="6246101" y="4027184"/>
+            <a:ext cx="3676650" cy="2491188"/>
+          </a:xfrm>
+          <a:prstGeom prst="rect">
+            <a:avLst/>
+          </a:prstGeom>
+        </p:spPr>
+      </p:pic>
+      <p:pic>
+        <p:nvPicPr>
+          <p:cNvPr id="12" name="Picture 11">
+            <a:extLst>
+              <a:ext uri="{FF2B5EF4-FFF2-40B4-BE49-F238E27FC236}">
+                <a16:creationId xmlns:a16="http://schemas.microsoft.com/office/drawing/2014/main" id="{58A2C1F4-9088-E041-ACE0-55B112732753}"/>
+              </a:ext>
+            </a:extLst>
+          </p:cNvPr>
+          <p:cNvPicPr>
+            <a:picLocks noChangeAspect="1"/>
+          </p:cNvPicPr>
+          <p:nvPr/>
+        </p:nvPicPr>
+        <p:blipFill>
+          <a:blip r:embed="rId4"/>
+          <a:stretch>
+            <a:fillRect/>
+          </a:stretch>
+        </p:blipFill>
+        <p:spPr>
+          <a:xfrm>
+            <a:off x="2034540" y="1224718"/>
+            <a:ext cx="3657600" cy="2432883"/>
+          </a:xfrm>
+          <a:prstGeom prst="rect">
+            <a:avLst/>
+          </a:prstGeom>
+        </p:spPr>
+      </p:pic>
+      <p:sp>
+        <p:nvSpPr>
+          <p:cNvPr id="13" name="TextBox 12">
+            <a:extLst>
+              <a:ext uri="{FF2B5EF4-FFF2-40B4-BE49-F238E27FC236}">
+                <a16:creationId xmlns:a16="http://schemas.microsoft.com/office/drawing/2014/main" id="{D9AAEA94-7EA8-8D41-90A9-E4A837F7F8E1}"/>
+              </a:ext>
+            </a:extLst>
+          </p:cNvPr>
+          <p:cNvSpPr txBox="1"/>
+          <p:nvPr/>
+        </p:nvSpPr>
+        <p:spPr>
+          <a:xfrm>
+            <a:off x="2590800" y="849868"/>
+            <a:ext cx="1622624" cy="369332"/>
+          </a:xfrm>
+          <a:prstGeom prst="rect">
+            <a:avLst/>
+          </a:prstGeom>
+          <a:noFill/>
+        </p:spPr>
+        <p:txBody>
+          <a:bodyPr wrap="none" rtlCol="0">
+            <a:spAutoFit/>
+          </a:bodyPr>
+          <a:lstStyle/>
+          <a:p>
+            <a:r>
+              <a:rPr lang="en-US" dirty="0"/>
+              <a:t>Measured Data</a:t>
+            </a:r>
+          </a:p>
+        </p:txBody>
+      </p:sp>
+      <mc:AlternateContent xmlns:mc="http://schemas.openxmlformats.org/markup-compatibility/2006">
+        <mc:Choice xmlns:a14="http://schemas.microsoft.com/office/drawing/2010/main" Requires="a14">
+          <p:sp>
+            <p:nvSpPr>
+              <p:cNvPr id="16" name="TextBox 15">
+                <a:extLst>
+                  <a:ext uri="{FF2B5EF4-FFF2-40B4-BE49-F238E27FC236}">
+                    <a16:creationId xmlns:a16="http://schemas.microsoft.com/office/drawing/2014/main" id="{63BE622E-ED45-4542-8C2A-774346433871}"/>
+                  </a:ext>
+                </a:extLst>
+              </p:cNvPr>
+              <p:cNvSpPr txBox="1"/>
+              <p:nvPr/>
+            </p:nvSpPr>
+            <p:spPr>
+              <a:xfrm>
+                <a:off x="2438400" y="3657601"/>
+                <a:ext cx="1163780" cy="276999"/>
+              </a:xfrm>
+              <a:prstGeom prst="rect">
+                <a:avLst/>
+              </a:prstGeom>
+              <a:noFill/>
+            </p:spPr>
+            <p:txBody>
+              <a:bodyPr wrap="none" lIns="0" tIns="0" rIns="0" bIns="0" rtlCol="0">
+                <a:spAutoFit/>
+              </a:bodyPr>
+              <a:lstStyle/>
+              <a:p>
+                <a:pPr/>
+                <a14:m>
+                  <m:oMathPara xmlns:m="http://schemas.openxmlformats.org/officeDocument/2006/math">
+                    <m:oMathParaPr>
+                      <m:jc m:val="centerGroup"/>
+                    </m:oMathParaPr>
+                    <m:oMath xmlns:m="http://schemas.openxmlformats.org/officeDocument/2006/math">
+                      <m:r>
+                        <a:rPr lang="en-US" i="1">
+                          <a:latin typeface="Cambria Math" panose="02040503050406030204" pitchFamily="18" charset="0"/>
+                        </a:rPr>
+                        <m:t>𝑦</m:t>
+                      </m:r>
+                      <m:r>
+                        <a:rPr lang="en-US" i="1">
+                          <a:latin typeface="Cambria Math" panose="02040503050406030204" pitchFamily="18" charset="0"/>
+                        </a:rPr>
+                        <m:t>=</m:t>
+                      </m:r>
+                      <m:r>
+                        <a:rPr lang="en-US" i="1">
+                          <a:latin typeface="Cambria Math" panose="02040503050406030204" pitchFamily="18" charset="0"/>
+                        </a:rPr>
+                        <m:t>𝑎𝑥</m:t>
+                      </m:r>
+                      <m:r>
+                        <a:rPr lang="en-US" i="1">
+                          <a:latin typeface="Cambria Math" panose="02040503050406030204" pitchFamily="18" charset="0"/>
+                        </a:rPr>
+                        <m:t>+</m:t>
+                      </m:r>
+                      <m:r>
+                        <a:rPr lang="en-US" i="1">
+                          <a:latin typeface="Cambria Math" panose="02040503050406030204" pitchFamily="18" charset="0"/>
+                        </a:rPr>
+                        <m:t>𝑏</m:t>
+                      </m:r>
+                    </m:oMath>
+                  </m:oMathPara>
+                </a14:m>
+                <a:endParaRPr lang="en-US" dirty="0"/>
+              </a:p>
+            </p:txBody>
+          </p:sp>
+        </mc:Choice>
+        <mc:Fallback>
+          <p:sp>
+            <p:nvSpPr>
+              <p:cNvPr id="16" name="TextBox 15">
+                <a:extLst>
+                  <a:ext uri="{FF2B5EF4-FFF2-40B4-BE49-F238E27FC236}">
+                    <a16:creationId xmlns:a16="http://schemas.microsoft.com/office/drawing/2014/main" id="{63BE622E-ED45-4542-8C2A-774346433871}"/>
+                  </a:ext>
+                </a:extLst>
+              </p:cNvPr>
+              <p:cNvSpPr txBox="1">
+                <a:spLocks noRot="1" noChangeAspect="1" noMove="1" noResize="1" noEditPoints="1" noAdjustHandles="1" noChangeArrowheads="1" noChangeShapeType="1" noTextEdit="1"/>
+              </p:cNvSpPr>
+              <p:nvPr/>
+            </p:nvSpPr>
+            <p:spPr>
+              <a:xfrm>
+                <a:off x="2438400" y="3657601"/>
+                <a:ext cx="1163780" cy="276999"/>
+              </a:xfrm>
+              <a:prstGeom prst="rect">
+                <a:avLst/>
+              </a:prstGeom>
+              <a:blipFill>
+                <a:blip r:embed="rId5"/>
+                <a:stretch>
+                  <a:fillRect l="-4348" r="-3261" b="-22727"/>
+                </a:stretch>
+              </a:blipFill>
+            </p:spPr>
+            <p:txBody>
+              <a:bodyPr/>
+              <a:lstStyle/>
+              <a:p>
+                <a:r>
+                  <a:rPr lang="en-US">
+                    <a:noFill/>
+                  </a:rPr>
+                  <a:t> </a:t>
+                </a:r>
+              </a:p>
+            </p:txBody>
+          </p:sp>
+        </mc:Fallback>
+      </mc:AlternateContent>
+      <mc:AlternateContent xmlns:mc="http://schemas.openxmlformats.org/markup-compatibility/2006">
+        <mc:Choice xmlns:a14="http://schemas.microsoft.com/office/drawing/2010/main" Requires="a14">
+          <p:sp>
+            <p:nvSpPr>
+              <p:cNvPr id="17" name="TextBox 16">
+                <a:extLst>
+                  <a:ext uri="{FF2B5EF4-FFF2-40B4-BE49-F238E27FC236}">
+                    <a16:creationId xmlns:a16="http://schemas.microsoft.com/office/drawing/2014/main" id="{A2502A45-E84E-BD44-8D2F-18B81E658EFD}"/>
+                  </a:ext>
+                </a:extLst>
+              </p:cNvPr>
+              <p:cNvSpPr txBox="1"/>
+              <p:nvPr/>
+            </p:nvSpPr>
+            <p:spPr>
+              <a:xfrm>
+                <a:off x="6477000" y="3652997"/>
+                <a:ext cx="3529876" cy="276999"/>
+              </a:xfrm>
+              <a:prstGeom prst="rect">
+                <a:avLst/>
+              </a:prstGeom>
+              <a:noFill/>
+            </p:spPr>
+            <p:txBody>
+              <a:bodyPr wrap="none" lIns="0" tIns="0" rIns="0" bIns="0" rtlCol="0">
+                <a:spAutoFit/>
+              </a:bodyPr>
+              <a:lstStyle/>
+              <a:p>
+                <a:pPr/>
+                <a14:m>
+                  <m:oMathPara xmlns:m="http://schemas.openxmlformats.org/officeDocument/2006/math">
+                    <m:oMathParaPr>
+                      <m:jc m:val="centerGroup"/>
+                    </m:oMathParaPr>
+                    <m:oMath xmlns:m="http://schemas.openxmlformats.org/officeDocument/2006/math">
+                      <m:r>
+                        <a:rPr lang="en-US" i="1">
+                          <a:latin typeface="Cambria Math" panose="02040503050406030204" pitchFamily="18" charset="0"/>
+                        </a:rPr>
+                        <m:t>𝑦</m:t>
+                      </m:r>
+                      <m:r>
+                        <a:rPr lang="en-US" i="1">
+                          <a:latin typeface="Cambria Math" panose="02040503050406030204" pitchFamily="18" charset="0"/>
+                        </a:rPr>
+                        <m:t>=</m:t>
+                      </m:r>
+                      <m:sSub>
+                        <m:sSubPr>
+                          <m:ctrlPr>
+                            <a:rPr lang="en-US" i="1">
+                              <a:latin typeface="Cambria Math" panose="02040503050406030204" pitchFamily="18" charset="0"/>
+                            </a:rPr>
+                          </m:ctrlPr>
+                        </m:sSubPr>
+                        <m:e>
+                          <m:r>
+                            <a:rPr lang="en-US" i="1">
+                              <a:latin typeface="Cambria Math" panose="02040503050406030204" pitchFamily="18" charset="0"/>
+                            </a:rPr>
+                            <m:t>𝑎</m:t>
+                          </m:r>
+                        </m:e>
+                        <m:sub>
+                          <m:r>
+                            <a:rPr lang="en-US" i="1">
+                              <a:latin typeface="Cambria Math" panose="02040503050406030204" pitchFamily="18" charset="0"/>
+                            </a:rPr>
+                            <m:t>1</m:t>
+                          </m:r>
+                        </m:sub>
+                      </m:sSub>
+                      <m:r>
+                        <a:rPr lang="en-US" i="1">
+                          <a:latin typeface="Cambria Math" panose="02040503050406030204" pitchFamily="18" charset="0"/>
+                        </a:rPr>
+                        <m:t>𝑥</m:t>
+                      </m:r>
+                      <m:r>
+                        <a:rPr lang="en-US" i="1">
+                          <a:latin typeface="Cambria Math" panose="02040503050406030204" pitchFamily="18" charset="0"/>
+                        </a:rPr>
+                        <m:t>+</m:t>
+                      </m:r>
+                      <m:sSub>
+                        <m:sSubPr>
+                          <m:ctrlPr>
+                            <a:rPr lang="en-US" i="1">
+                              <a:latin typeface="Cambria Math" panose="02040503050406030204" pitchFamily="18" charset="0"/>
+                            </a:rPr>
+                          </m:ctrlPr>
+                        </m:sSubPr>
+                        <m:e>
+                          <m:r>
+                            <a:rPr lang="en-US" i="1">
+                              <a:latin typeface="Cambria Math" panose="02040503050406030204" pitchFamily="18" charset="0"/>
+                            </a:rPr>
+                            <m:t>𝑎</m:t>
+                          </m:r>
+                        </m:e>
+                        <m:sub>
+                          <m:r>
+                            <a:rPr lang="en-US" i="1">
+                              <a:latin typeface="Cambria Math" panose="02040503050406030204" pitchFamily="18" charset="0"/>
+                            </a:rPr>
+                            <m:t>2</m:t>
+                          </m:r>
+                        </m:sub>
+                      </m:sSub>
+                      <m:sSup>
+                        <m:sSupPr>
+                          <m:ctrlPr>
+                            <a:rPr lang="en-US" i="1">
+                              <a:latin typeface="Cambria Math" panose="02040503050406030204" pitchFamily="18" charset="0"/>
+                            </a:rPr>
+                          </m:ctrlPr>
+                        </m:sSupPr>
+                        <m:e>
+                          <m:r>
+                            <a:rPr lang="en-US" i="1">
+                              <a:latin typeface="Cambria Math" panose="02040503050406030204" pitchFamily="18" charset="0"/>
+                            </a:rPr>
+                            <m:t>𝑥</m:t>
+                          </m:r>
+                        </m:e>
+                        <m:sup>
+                          <m:r>
+                            <a:rPr lang="en-US" i="1">
+                              <a:latin typeface="Cambria Math" panose="02040503050406030204" pitchFamily="18" charset="0"/>
+                            </a:rPr>
+                            <m:t>2</m:t>
+                          </m:r>
+                        </m:sup>
+                      </m:sSup>
+                      <m:r>
+                        <a:rPr lang="en-US" i="1">
+                          <a:latin typeface="Cambria Math" panose="02040503050406030204" pitchFamily="18" charset="0"/>
+                        </a:rPr>
+                        <m:t>+</m:t>
+                      </m:r>
+                      <m:sSub>
+                        <m:sSubPr>
+                          <m:ctrlPr>
+                            <a:rPr lang="en-US" i="1">
+                              <a:latin typeface="Cambria Math" panose="02040503050406030204" pitchFamily="18" charset="0"/>
+                            </a:rPr>
+                          </m:ctrlPr>
+                        </m:sSubPr>
+                        <m:e>
+                          <m:r>
+                            <a:rPr lang="en-US" i="1">
+                              <a:latin typeface="Cambria Math" panose="02040503050406030204" pitchFamily="18" charset="0"/>
+                            </a:rPr>
+                            <m:t>𝑎</m:t>
+                          </m:r>
+                        </m:e>
+                        <m:sub>
+                          <m:r>
+                            <a:rPr lang="en-US" i="1">
+                              <a:latin typeface="Cambria Math" panose="02040503050406030204" pitchFamily="18" charset="0"/>
+                            </a:rPr>
+                            <m:t>3</m:t>
+                          </m:r>
+                        </m:sub>
+                      </m:sSub>
+                      <m:sSup>
+                        <m:sSupPr>
+                          <m:ctrlPr>
+                            <a:rPr lang="en-US" i="1">
+                              <a:latin typeface="Cambria Math" panose="02040503050406030204" pitchFamily="18" charset="0"/>
+                            </a:rPr>
+                          </m:ctrlPr>
+                        </m:sSupPr>
+                        <m:e>
+                          <m:r>
+                            <a:rPr lang="en-US" i="1">
+                              <a:latin typeface="Cambria Math" panose="02040503050406030204" pitchFamily="18" charset="0"/>
+                            </a:rPr>
+                            <m:t>𝑥</m:t>
+                          </m:r>
+                        </m:e>
+                        <m:sup>
+                          <m:r>
+                            <a:rPr lang="en-US" i="1">
+                              <a:latin typeface="Cambria Math" panose="02040503050406030204" pitchFamily="18" charset="0"/>
+                            </a:rPr>
+                            <m:t>3</m:t>
+                          </m:r>
+                        </m:sup>
+                      </m:sSup>
+                      <m:r>
+                        <a:rPr lang="en-US" i="1">
+                          <a:latin typeface="Cambria Math" panose="02040503050406030204" pitchFamily="18" charset="0"/>
+                        </a:rPr>
+                        <m:t>+</m:t>
+                      </m:r>
+                      <m:sSub>
+                        <m:sSubPr>
+                          <m:ctrlPr>
+                            <a:rPr lang="en-US" i="1">
+                              <a:latin typeface="Cambria Math" panose="02040503050406030204" pitchFamily="18" charset="0"/>
+                            </a:rPr>
+                          </m:ctrlPr>
+                        </m:sSubPr>
+                        <m:e>
+                          <m:r>
+                            <a:rPr lang="en-US" i="1">
+                              <a:latin typeface="Cambria Math" panose="02040503050406030204" pitchFamily="18" charset="0"/>
+                            </a:rPr>
+                            <m:t>𝑎</m:t>
+                          </m:r>
+                        </m:e>
+                        <m:sub>
+                          <m:r>
+                            <a:rPr lang="en-US" i="1">
+                              <a:latin typeface="Cambria Math" panose="02040503050406030204" pitchFamily="18" charset="0"/>
+                            </a:rPr>
+                            <m:t>4</m:t>
+                          </m:r>
+                        </m:sub>
+                      </m:sSub>
+                      <m:sSup>
+                        <m:sSupPr>
+                          <m:ctrlPr>
+                            <a:rPr lang="en-US" i="1">
+                              <a:latin typeface="Cambria Math" panose="02040503050406030204" pitchFamily="18" charset="0"/>
+                            </a:rPr>
+                          </m:ctrlPr>
+                        </m:sSupPr>
+                        <m:e>
+                          <m:r>
+                            <a:rPr lang="en-US" i="1">
+                              <a:latin typeface="Cambria Math" panose="02040503050406030204" pitchFamily="18" charset="0"/>
+                            </a:rPr>
+                            <m:t>𝑥</m:t>
+                          </m:r>
+                        </m:e>
+                        <m:sup>
+                          <m:r>
+                            <a:rPr lang="en-US" i="1">
+                              <a:latin typeface="Cambria Math" panose="02040503050406030204" pitchFamily="18" charset="0"/>
+                            </a:rPr>
+                            <m:t>4</m:t>
+                          </m:r>
+                        </m:sup>
+                      </m:sSup>
+                      <m:r>
+                        <a:rPr lang="en-US" i="1">
+                          <a:latin typeface="Cambria Math" panose="02040503050406030204" pitchFamily="18" charset="0"/>
+                        </a:rPr>
+                        <m:t>+</m:t>
+                      </m:r>
+                      <m:r>
+                        <a:rPr lang="en-US" i="1">
+                          <a:latin typeface="Cambria Math" panose="02040503050406030204" pitchFamily="18" charset="0"/>
+                        </a:rPr>
+                        <m:t>𝑏</m:t>
+                      </m:r>
+                    </m:oMath>
+                  </m:oMathPara>
+                </a14:m>
+                <a:endParaRPr lang="en-US" dirty="0"/>
+              </a:p>
+            </p:txBody>
+          </p:sp>
+        </mc:Choice>
+        <mc:Fallback>
+          <p:sp>
+            <p:nvSpPr>
+              <p:cNvPr id="17" name="TextBox 16">
+                <a:extLst>
+                  <a:ext uri="{FF2B5EF4-FFF2-40B4-BE49-F238E27FC236}">
+                    <a16:creationId xmlns:a16="http://schemas.microsoft.com/office/drawing/2014/main" id="{A2502A45-E84E-BD44-8D2F-18B81E658EFD}"/>
+                  </a:ext>
+                </a:extLst>
+              </p:cNvPr>
+              <p:cNvSpPr txBox="1">
+                <a:spLocks noRot="1" noChangeAspect="1" noMove="1" noResize="1" noEditPoints="1" noAdjustHandles="1" noChangeArrowheads="1" noChangeShapeType="1" noTextEdit="1"/>
+              </p:cNvSpPr>
+              <p:nvPr/>
+            </p:nvSpPr>
+            <p:spPr>
+              <a:xfrm>
+                <a:off x="6477000" y="3652997"/>
+                <a:ext cx="3529876" cy="276999"/>
+              </a:xfrm>
+              <a:prstGeom prst="rect">
+                <a:avLst/>
+              </a:prstGeom>
+              <a:blipFill>
+                <a:blip r:embed="rId6"/>
+                <a:stretch>
+                  <a:fillRect l="-1075" t="-9524" r="-717" b="-28571"/>
+                </a:stretch>
+              </a:blipFill>
+            </p:spPr>
+            <p:txBody>
+              <a:bodyPr/>
+              <a:lstStyle/>
+              <a:p>
+                <a:r>
+                  <a:rPr lang="en-US">
+                    <a:noFill/>
+                  </a:rPr>
+                  <a:t> </a:t>
+                </a:r>
+              </a:p>
+            </p:txBody>
+          </p:sp>
+        </mc:Fallback>
+      </mc:AlternateContent>
     </p:spTree>
     <p:extLst>
       <p:ext uri="{BB962C8B-B14F-4D97-AF65-F5344CB8AC3E}">
-        <p14:creationId xmlns:p14="http://schemas.microsoft.com/office/powerpoint/2010/main" val="1005931164"/>
+        <p14:creationId xmlns:p14="http://schemas.microsoft.com/office/powerpoint/2010/main" val="23797044"/>
       </p:ext>
     </p:extLst>
   </p:cSld>
   <p:clrMapOvr>
     <a:masterClrMapping/>
   </p:clrMapOvr>
+  <p:timing>
+    <p:tnLst>
+      <p:par>
+        <p:cTn id="1" dur="indefinite" restart="never" nodeType="tmRoot">
+          <p:childTnLst>
+            <p:seq concurrent="1" nextAc="seek">
+              <p:cTn id="2" dur="indefinite" nodeType="mainSeq">
+                <p:childTnLst>
+                  <p:par>
+                    <p:cTn id="3" fill="hold">
+                      <p:stCondLst>
+                        <p:cond delay="indefinite"/>
+                      </p:stCondLst>
+                      <p:childTnLst>
+                        <p:par>
+                          <p:cTn id="4" fill="hold">
+                            <p:stCondLst>
+                              <p:cond delay="0"/>
+                            </p:stCondLst>
+                            <p:childTnLst>
+                              <p:par>
+                                <p:cTn id="5" presetID="1" presetClass="entr" presetSubtype="0" fill="hold" nodeType="clickEffect">
+                                  <p:stCondLst>
+                                    <p:cond delay="0"/>
+                                  </p:stCondLst>
+                                  <p:childTnLst>
+                                    <p:set>
+                                      <p:cBhvr>
+                                        <p:cTn id="6" dur="1" fill="hold">
+                                          <p:stCondLst>
+                                            <p:cond delay="0"/>
+                                          </p:stCondLst>
+                                        </p:cTn>
+                                        <p:tgtEl>
+                                          <p:spTgt spid="6"/>
+                                        </p:tgtEl>
+                                        <p:attrNameLst>
+                                          <p:attrName>style.visibility</p:attrName>
+                                        </p:attrNameLst>
+                                      </p:cBhvr>
+                                      <p:to>
+                                        <p:strVal val="visible"/>
+                                      </p:to>
+                                    </p:set>
+                                  </p:childTnLst>
+                                </p:cTn>
+                              </p:par>
+                            </p:childTnLst>
+                          </p:cTn>
+                        </p:par>
+                      </p:childTnLst>
+                    </p:cTn>
+                  </p:par>
+                  <p:par>
+                    <p:cTn id="7" fill="hold">
+                      <p:stCondLst>
+                        <p:cond delay="indefinite"/>
+                      </p:stCondLst>
+                      <p:childTnLst>
+                        <p:par>
+                          <p:cTn id="8" fill="hold">
+                            <p:stCondLst>
+                              <p:cond delay="0"/>
+                            </p:stCondLst>
+                            <p:childTnLst>
+                              <p:par>
+                                <p:cTn id="9" presetID="1" presetClass="entr" presetSubtype="0" fill="hold" nodeType="clickEffect">
+                                  <p:stCondLst>
+                                    <p:cond delay="0"/>
+                                  </p:stCondLst>
+                                  <p:childTnLst>
+                                    <p:set>
+                                      <p:cBhvr>
+                                        <p:cTn id="10" dur="1" fill="hold">
+                                          <p:stCondLst>
+                                            <p:cond delay="0"/>
+                                          </p:stCondLst>
+                                        </p:cTn>
+                                        <p:tgtEl>
+                                          <p:spTgt spid="8"/>
+                                        </p:tgtEl>
+                                        <p:attrNameLst>
+                                          <p:attrName>style.visibility</p:attrName>
+                                        </p:attrNameLst>
+                                      </p:cBhvr>
+                                      <p:to>
+                                        <p:strVal val="visible"/>
+                                      </p:to>
+                                    </p:set>
+                                  </p:childTnLst>
+                                </p:cTn>
+                              </p:par>
+                            </p:childTnLst>
+                          </p:cTn>
+                        </p:par>
+                      </p:childTnLst>
+                    </p:cTn>
+                  </p:par>
+                  <p:par>
+                    <p:cTn id="11" fill="hold">
+                      <p:stCondLst>
+                        <p:cond delay="indefinite"/>
+                      </p:stCondLst>
+                      <p:childTnLst>
+                        <p:par>
+                          <p:cTn id="12" fill="hold">
+                            <p:stCondLst>
+                              <p:cond delay="0"/>
+                            </p:stCondLst>
+                            <p:childTnLst>
+                              <p:par>
+                                <p:cTn id="13" presetID="1" presetClass="entr" presetSubtype="0" fill="hold" grpId="0" nodeType="clickEffect">
+                                  <p:stCondLst>
+                                    <p:cond delay="0"/>
+                                  </p:stCondLst>
+                                  <p:childTnLst>
+                                    <p:set>
+                                      <p:cBhvr>
+                                        <p:cTn id="14" dur="1" fill="hold">
+                                          <p:stCondLst>
+                                            <p:cond delay="0"/>
+                                          </p:stCondLst>
+                                        </p:cTn>
+                                        <p:tgtEl>
+                                          <p:spTgt spid="16"/>
+                                        </p:tgtEl>
+                                        <p:attrNameLst>
+                                          <p:attrName>style.visibility</p:attrName>
+                                        </p:attrNameLst>
+                                      </p:cBhvr>
+                                      <p:to>
+                                        <p:strVal val="visible"/>
+                                      </p:to>
+                                    </p:set>
+                                  </p:childTnLst>
+                                </p:cTn>
+                              </p:par>
+                              <p:par>
+                                <p:cTn id="15" presetID="1" presetClass="entr" presetSubtype="0" fill="hold" grpId="0" nodeType="withEffect">
+                                  <p:stCondLst>
+                                    <p:cond delay="0"/>
+                                  </p:stCondLst>
+                                  <p:childTnLst>
+                                    <p:set>
+                                      <p:cBhvr>
+                                        <p:cTn id="16" dur="1" fill="hold">
+                                          <p:stCondLst>
+                                            <p:cond delay="0"/>
+                                          </p:stCondLst>
+                                        </p:cTn>
+                                        <p:tgtEl>
+                                          <p:spTgt spid="17"/>
+                                        </p:tgtEl>
+                                        <p:attrNameLst>
+                                          <p:attrName>style.visibility</p:attrName>
+                                        </p:attrNameLst>
+                                      </p:cBhvr>
+                                      <p:to>
+                                        <p:strVal val="visible"/>
+                                      </p:to>
+                                    </p:set>
+                                  </p:childTnLst>
+                                </p:cTn>
+                              </p:par>
+                            </p:childTnLst>
+                          </p:cTn>
+                        </p:par>
+                      </p:childTnLst>
+                    </p:cTn>
+                  </p:par>
+                </p:childTnLst>
+              </p:cTn>
+              <p:prevCondLst>
+                <p:cond evt="onPrev" delay="0">
+                  <p:tgtEl>
+                    <p:sldTgt/>
+                  </p:tgtEl>
+                </p:cond>
+              </p:prevCondLst>
+              <p:nextCondLst>
+                <p:cond evt="onNext" delay="0">
+                  <p:tgtEl>
+                    <p:sldTgt/>
+                  </p:tgtEl>
+                </p:cond>
+              </p:nextCondLst>
+            </p:seq>
+          </p:childTnLst>
+        </p:cTn>
+      </p:par>
+    </p:tnLst>
+    <p:bldLst>
+      <p:bldP spid="16" grpId="0"/>
+      <p:bldP spid="17" grpId="0"/>
+    </p:bldLst>
+  </p:timing>
 </p:sld>
 </file>
 
@@ -14370,7 +20679,13 @@
       </p:grpSpPr>
       <p:sp>
         <p:nvSpPr>
-          <p:cNvPr id="2" name="Title 1"/>
+          <p:cNvPr id="2" name="Title 1">
+            <a:extLst>
+              <a:ext uri="{FF2B5EF4-FFF2-40B4-BE49-F238E27FC236}">
+                <a16:creationId xmlns:a16="http://schemas.microsoft.com/office/drawing/2014/main" id="{B1B3F639-8931-F946-AD38-83276F603444}"/>
+              </a:ext>
+            </a:extLst>
+          </p:cNvPr>
           <p:cNvSpPr>
             <a:spLocks noGrp="1"/>
           </p:cNvSpPr>
@@ -14380,24 +20695,67 @@
         </p:nvSpPr>
         <p:spPr>
           <a:xfrm>
-            <a:off x="278801" y="365125"/>
-            <a:ext cx="5723965" cy="1325563"/>
+            <a:off x="1981200" y="228600"/>
+            <a:ext cx="6934200" cy="838200"/>
           </a:xfrm>
         </p:spPr>
         <p:txBody>
+          <a:bodyPr>
+            <a:normAutofit fontScale="90000"/>
+          </a:bodyPr>
+          <a:lstStyle/>
+          <a:p>
+            <a:r>
+              <a:rPr lang="en-US" dirty="0"/>
+              <a:t>Generalizing Model to New Data</a:t>
+            </a:r>
+          </a:p>
+        </p:txBody>
+      </p:sp>
+      <p:sp>
+        <p:nvSpPr>
+          <p:cNvPr id="3" name="Slide Number Placeholder 2">
+            <a:extLst>
+              <a:ext uri="{FF2B5EF4-FFF2-40B4-BE49-F238E27FC236}">
+                <a16:creationId xmlns:a16="http://schemas.microsoft.com/office/drawing/2014/main" id="{FFBDC8BA-DAE2-6344-82C2-D259AD2955B2}"/>
+              </a:ext>
+            </a:extLst>
+          </p:cNvPr>
+          <p:cNvSpPr>
+            <a:spLocks noGrp="1"/>
+          </p:cNvSpPr>
+          <p:nvPr>
+            <p:ph type="sldNum" sz="quarter" idx="11"/>
+          </p:nvPr>
+        </p:nvSpPr>
+        <p:spPr/>
+        <p:txBody>
           <a:bodyPr/>
           <a:lstStyle/>
           <a:p>
-            <a:r>
-              <a:rPr lang="en-US" dirty="0"/>
-              <a:t>Model Fitting Work flow</a:t>
-            </a:r>
+            <a:pPr>
+              <a:defRPr/>
+            </a:pPr>
+            <a:fld id="{2E4304A7-0FB2-4094-BC1E-DB17183AD0C1}" type="slidenum">
+              <a:rPr lang="en-US" altLang="x-none" smtClean="0"/>
+              <a:pPr>
+                <a:defRPr/>
+              </a:pPr>
+              <a:t>8</a:t>
+            </a:fld>
+            <a:endParaRPr lang="en-US" altLang="x-none"/>
           </a:p>
         </p:txBody>
       </p:sp>
       <p:pic>
         <p:nvPicPr>
-          <p:cNvPr id="4" name="Picture 3"/>
+          <p:cNvPr id="5" name="Picture 4">
+            <a:extLst>
+              <a:ext uri="{FF2B5EF4-FFF2-40B4-BE49-F238E27FC236}">
+                <a16:creationId xmlns:a16="http://schemas.microsoft.com/office/drawing/2014/main" id="{E044AC2C-0AC1-C54B-B899-405761C86910}"/>
+              </a:ext>
+            </a:extLst>
+          </p:cNvPr>
           <p:cNvPicPr>
             <a:picLocks noChangeAspect="1"/>
           </p:cNvPicPr>
@@ -14411,24 +20769,458 @@
         </p:blipFill>
         <p:spPr>
           <a:xfrm>
-            <a:off x="3571539" y="1490835"/>
-            <a:ext cx="4397187" cy="5189328"/>
+            <a:off x="6107430" y="3756452"/>
+            <a:ext cx="3676650" cy="2720548"/>
           </a:xfrm>
           <a:prstGeom prst="rect">
             <a:avLst/>
           </a:prstGeom>
         </p:spPr>
       </p:pic>
+      <p:pic>
+        <p:nvPicPr>
+          <p:cNvPr id="7" name="Picture 6">
+            <a:extLst>
+              <a:ext uri="{FF2B5EF4-FFF2-40B4-BE49-F238E27FC236}">
+                <a16:creationId xmlns:a16="http://schemas.microsoft.com/office/drawing/2014/main" id="{75D19C58-5184-744D-A000-A8CD941229B1}"/>
+              </a:ext>
+            </a:extLst>
+          </p:cNvPr>
+          <p:cNvPicPr>
+            <a:picLocks noChangeAspect="1"/>
+          </p:cNvPicPr>
+          <p:nvPr/>
+        </p:nvPicPr>
+        <p:blipFill>
+          <a:blip r:embed="rId3"/>
+          <a:stretch>
+            <a:fillRect/>
+          </a:stretch>
+        </p:blipFill>
+        <p:spPr>
+          <a:xfrm>
+            <a:off x="1977390" y="3775502"/>
+            <a:ext cx="3661949" cy="2463800"/>
+          </a:xfrm>
+          <a:prstGeom prst="rect">
+            <a:avLst/>
+          </a:prstGeom>
+        </p:spPr>
+      </p:pic>
+      <p:pic>
+        <p:nvPicPr>
+          <p:cNvPr id="6" name="Picture 5">
+            <a:extLst>
+              <a:ext uri="{FF2B5EF4-FFF2-40B4-BE49-F238E27FC236}">
+                <a16:creationId xmlns:a16="http://schemas.microsoft.com/office/drawing/2014/main" id="{DF2F63C2-ECAF-8D49-B2BB-A2A05E4889AC}"/>
+              </a:ext>
+            </a:extLst>
+          </p:cNvPr>
+          <p:cNvPicPr>
+            <a:picLocks noChangeAspect="1"/>
+          </p:cNvPicPr>
+          <p:nvPr/>
+        </p:nvPicPr>
+        <p:blipFill>
+          <a:blip r:embed="rId4"/>
+          <a:stretch>
+            <a:fillRect/>
+          </a:stretch>
+        </p:blipFill>
+        <p:spPr>
+          <a:xfrm>
+            <a:off x="2133600" y="1166210"/>
+            <a:ext cx="3657600" cy="2708366"/>
+          </a:xfrm>
+          <a:prstGeom prst="rect">
+            <a:avLst/>
+          </a:prstGeom>
+        </p:spPr>
+      </p:pic>
+      <p:grpSp>
+        <p:nvGrpSpPr>
+          <p:cNvPr id="8" name="Group 7">
+            <a:extLst>
+              <a:ext uri="{FF2B5EF4-FFF2-40B4-BE49-F238E27FC236}">
+                <a16:creationId xmlns:a16="http://schemas.microsoft.com/office/drawing/2014/main" id="{9E909492-B6F5-414A-BE22-5F9BE4CFD646}"/>
+              </a:ext>
+            </a:extLst>
+          </p:cNvPr>
+          <p:cNvGrpSpPr/>
+          <p:nvPr/>
+        </p:nvGrpSpPr>
+        <p:grpSpPr>
+          <a:xfrm>
+            <a:off x="9203450" y="381000"/>
+            <a:ext cx="1235951" cy="1412972"/>
+            <a:chOff x="4692836" y="1499471"/>
+            <a:chExt cx="3705915" cy="5018901"/>
+          </a:xfrm>
+        </p:grpSpPr>
+        <p:pic>
+          <p:nvPicPr>
+            <p:cNvPr id="9" name="Picture 8">
+              <a:extLst>
+                <a:ext uri="{FF2B5EF4-FFF2-40B4-BE49-F238E27FC236}">
+                  <a16:creationId xmlns:a16="http://schemas.microsoft.com/office/drawing/2014/main" id="{9670DEAF-09D3-0D4B-BBAB-A349B336DC0B}"/>
+                </a:ext>
+              </a:extLst>
+            </p:cNvPr>
+            <p:cNvPicPr>
+              <a:picLocks noChangeAspect="1"/>
+            </p:cNvPicPr>
+            <p:nvPr/>
+          </p:nvPicPr>
+          <p:blipFill>
+            <a:blip r:embed="rId5"/>
+            <a:stretch>
+              <a:fillRect/>
+            </a:stretch>
+          </p:blipFill>
+          <p:spPr>
+            <a:xfrm>
+              <a:off x="4692836" y="1499471"/>
+              <a:ext cx="3689350" cy="2560843"/>
+            </a:xfrm>
+            <a:prstGeom prst="rect">
+              <a:avLst/>
+            </a:prstGeom>
+          </p:spPr>
+        </p:pic>
+        <p:pic>
+          <p:nvPicPr>
+            <p:cNvPr id="10" name="Picture 9">
+              <a:extLst>
+                <a:ext uri="{FF2B5EF4-FFF2-40B4-BE49-F238E27FC236}">
+                  <a16:creationId xmlns:a16="http://schemas.microsoft.com/office/drawing/2014/main" id="{03C6C602-BA49-6843-9B72-8D2B1EBF9177}"/>
+                </a:ext>
+              </a:extLst>
+            </p:cNvPr>
+            <p:cNvPicPr>
+              <a:picLocks noChangeAspect="1"/>
+            </p:cNvPicPr>
+            <p:nvPr/>
+          </p:nvPicPr>
+          <p:blipFill>
+            <a:blip r:embed="rId6"/>
+            <a:stretch>
+              <a:fillRect/>
+            </a:stretch>
+          </p:blipFill>
+          <p:spPr>
+            <a:xfrm>
+              <a:off x="4722101" y="4027184"/>
+              <a:ext cx="3676650" cy="2491188"/>
+            </a:xfrm>
+            <a:prstGeom prst="rect">
+              <a:avLst/>
+            </a:prstGeom>
+          </p:spPr>
+        </p:pic>
+      </p:grpSp>
+      <p:sp>
+        <p:nvSpPr>
+          <p:cNvPr id="11" name="TextBox 10">
+            <a:extLst>
+              <a:ext uri="{FF2B5EF4-FFF2-40B4-BE49-F238E27FC236}">
+                <a16:creationId xmlns:a16="http://schemas.microsoft.com/office/drawing/2014/main" id="{8949F44F-AE4F-2540-9EE8-28EF73E12988}"/>
+              </a:ext>
+            </a:extLst>
+          </p:cNvPr>
+          <p:cNvSpPr txBox="1"/>
+          <p:nvPr/>
+        </p:nvSpPr>
+        <p:spPr>
+          <a:xfrm>
+            <a:off x="3403835" y="869051"/>
+            <a:ext cx="989117" cy="461665"/>
+          </a:xfrm>
+          <a:prstGeom prst="rect">
+            <a:avLst/>
+          </a:prstGeom>
+          <a:noFill/>
+        </p:spPr>
+        <p:txBody>
+          <a:bodyPr wrap="none" rtlCol="0">
+            <a:spAutoFit/>
+          </a:bodyPr>
+          <a:lstStyle/>
+          <a:p>
+            <a:r>
+              <a:rPr lang="en-US" sz="2400" dirty="0"/>
+              <a:t>Data 2</a:t>
+            </a:r>
+          </a:p>
+        </p:txBody>
+      </p:sp>
+      <p:sp>
+        <p:nvSpPr>
+          <p:cNvPr id="4" name="TextBox 3">
+            <a:extLst>
+              <a:ext uri="{FF2B5EF4-FFF2-40B4-BE49-F238E27FC236}">
+                <a16:creationId xmlns:a16="http://schemas.microsoft.com/office/drawing/2014/main" id="{BA72A347-901F-BF45-8870-27889BF6B4F4}"/>
+              </a:ext>
+            </a:extLst>
+          </p:cNvPr>
+          <p:cNvSpPr txBox="1"/>
+          <p:nvPr/>
+        </p:nvSpPr>
+        <p:spPr>
+          <a:xfrm>
+            <a:off x="5867400" y="2743201"/>
+            <a:ext cx="4188006" cy="461665"/>
+          </a:xfrm>
+          <a:prstGeom prst="rect">
+            <a:avLst/>
+          </a:prstGeom>
+          <a:noFill/>
+        </p:spPr>
+        <p:txBody>
+          <a:bodyPr wrap="none" rtlCol="0">
+            <a:spAutoFit/>
+          </a:bodyPr>
+          <a:lstStyle/>
+          <a:p>
+            <a:r>
+              <a:rPr lang="en-US" sz="2400" dirty="0"/>
+              <a:t>Which is the better model now?</a:t>
+            </a:r>
+          </a:p>
+        </p:txBody>
+      </p:sp>
     </p:spTree>
     <p:extLst>
       <p:ext uri="{BB962C8B-B14F-4D97-AF65-F5344CB8AC3E}">
-        <p14:creationId xmlns:p14="http://schemas.microsoft.com/office/powerpoint/2010/main" val="1685283647"/>
+        <p14:creationId xmlns:p14="http://schemas.microsoft.com/office/powerpoint/2010/main" val="3360753436"/>
       </p:ext>
     </p:extLst>
   </p:cSld>
   <p:clrMapOvr>
     <a:masterClrMapping/>
   </p:clrMapOvr>
+  <p:timing>
+    <p:tnLst>
+      <p:par>
+        <p:cTn id="1" dur="indefinite" restart="never" nodeType="tmRoot">
+          <p:childTnLst>
+            <p:seq concurrent="1" nextAc="seek">
+              <p:cTn id="2" dur="indefinite" nodeType="mainSeq">
+                <p:childTnLst>
+                  <p:par>
+                    <p:cTn id="3" fill="hold">
+                      <p:stCondLst>
+                        <p:cond delay="indefinite"/>
+                      </p:stCondLst>
+                      <p:childTnLst>
+                        <p:par>
+                          <p:cTn id="4" fill="hold">
+                            <p:stCondLst>
+                              <p:cond delay="0"/>
+                            </p:stCondLst>
+                            <p:childTnLst>
+                              <p:par>
+                                <p:cTn id="5" presetID="1" presetClass="entr" presetSubtype="0" fill="hold" nodeType="clickEffect">
+                                  <p:stCondLst>
+                                    <p:cond delay="0"/>
+                                  </p:stCondLst>
+                                  <p:childTnLst>
+                                    <p:set>
+                                      <p:cBhvr>
+                                        <p:cTn id="6" dur="1" fill="hold">
+                                          <p:stCondLst>
+                                            <p:cond delay="0"/>
+                                          </p:stCondLst>
+                                        </p:cTn>
+                                        <p:tgtEl>
+                                          <p:spTgt spid="6"/>
+                                        </p:tgtEl>
+                                        <p:attrNameLst>
+                                          <p:attrName>style.visibility</p:attrName>
+                                        </p:attrNameLst>
+                                      </p:cBhvr>
+                                      <p:to>
+                                        <p:strVal val="visible"/>
+                                      </p:to>
+                                    </p:set>
+                                  </p:childTnLst>
+                                </p:cTn>
+                              </p:par>
+                              <p:par>
+                                <p:cTn id="7" presetID="1" presetClass="entr" presetSubtype="0" fill="hold" grpId="0" nodeType="withEffect">
+                                  <p:stCondLst>
+                                    <p:cond delay="0"/>
+                                  </p:stCondLst>
+                                  <p:childTnLst>
+                                    <p:set>
+                                      <p:cBhvr>
+                                        <p:cTn id="8" dur="1" fill="hold">
+                                          <p:stCondLst>
+                                            <p:cond delay="0"/>
+                                          </p:stCondLst>
+                                        </p:cTn>
+                                        <p:tgtEl>
+                                          <p:spTgt spid="11"/>
+                                        </p:tgtEl>
+                                        <p:attrNameLst>
+                                          <p:attrName>style.visibility</p:attrName>
+                                        </p:attrNameLst>
+                                      </p:cBhvr>
+                                      <p:to>
+                                        <p:strVal val="visible"/>
+                                      </p:to>
+                                    </p:set>
+                                  </p:childTnLst>
+                                </p:cTn>
+                              </p:par>
+                            </p:childTnLst>
+                          </p:cTn>
+                        </p:par>
+                      </p:childTnLst>
+                    </p:cTn>
+                  </p:par>
+                  <p:par>
+                    <p:cTn id="9" fill="hold">
+                      <p:stCondLst>
+                        <p:cond delay="indefinite"/>
+                      </p:stCondLst>
+                      <p:childTnLst>
+                        <p:par>
+                          <p:cTn id="10" fill="hold">
+                            <p:stCondLst>
+                              <p:cond delay="0"/>
+                            </p:stCondLst>
+                            <p:childTnLst>
+                              <p:par>
+                                <p:cTn id="11" presetID="1" presetClass="entr" presetSubtype="0" fill="hold" nodeType="clickEffect">
+                                  <p:stCondLst>
+                                    <p:cond delay="0"/>
+                                  </p:stCondLst>
+                                  <p:childTnLst>
+                                    <p:set>
+                                      <p:cBhvr>
+                                        <p:cTn id="12" dur="1" fill="hold">
+                                          <p:stCondLst>
+                                            <p:cond delay="0"/>
+                                          </p:stCondLst>
+                                        </p:cTn>
+                                        <p:tgtEl>
+                                          <p:spTgt spid="7"/>
+                                        </p:tgtEl>
+                                        <p:attrNameLst>
+                                          <p:attrName>style.visibility</p:attrName>
+                                        </p:attrNameLst>
+                                      </p:cBhvr>
+                                      <p:to>
+                                        <p:strVal val="visible"/>
+                                      </p:to>
+                                    </p:set>
+                                  </p:childTnLst>
+                                </p:cTn>
+                              </p:par>
+                              <p:par>
+                                <p:cTn id="13" presetID="1" presetClass="entr" presetSubtype="0" fill="hold" nodeType="withEffect">
+                                  <p:stCondLst>
+                                    <p:cond delay="0"/>
+                                  </p:stCondLst>
+                                  <p:childTnLst>
+                                    <p:set>
+                                      <p:cBhvr>
+                                        <p:cTn id="14" dur="1" fill="hold">
+                                          <p:stCondLst>
+                                            <p:cond delay="0"/>
+                                          </p:stCondLst>
+                                        </p:cTn>
+                                        <p:tgtEl>
+                                          <p:spTgt spid="5"/>
+                                        </p:tgtEl>
+                                        <p:attrNameLst>
+                                          <p:attrName>style.visibility</p:attrName>
+                                        </p:attrNameLst>
+                                      </p:cBhvr>
+                                      <p:to>
+                                        <p:strVal val="visible"/>
+                                      </p:to>
+                                    </p:set>
+                                  </p:childTnLst>
+                                </p:cTn>
+                              </p:par>
+                            </p:childTnLst>
+                          </p:cTn>
+                        </p:par>
+                      </p:childTnLst>
+                    </p:cTn>
+                  </p:par>
+                  <p:par>
+                    <p:cTn id="15" fill="hold">
+                      <p:stCondLst>
+                        <p:cond delay="indefinite"/>
+                      </p:stCondLst>
+                      <p:childTnLst>
+                        <p:par>
+                          <p:cTn id="16" fill="hold">
+                            <p:stCondLst>
+                              <p:cond delay="0"/>
+                            </p:stCondLst>
+                            <p:childTnLst>
+                              <p:par>
+                                <p:cTn id="17" presetID="1" presetClass="entr" presetSubtype="0" fill="hold" grpId="0" nodeType="clickEffect">
+                                  <p:stCondLst>
+                                    <p:cond delay="0"/>
+                                  </p:stCondLst>
+                                  <p:childTnLst>
+                                    <p:set>
+                                      <p:cBhvr>
+                                        <p:cTn id="18" dur="1" fill="hold">
+                                          <p:stCondLst>
+                                            <p:cond delay="0"/>
+                                          </p:stCondLst>
+                                        </p:cTn>
+                                        <p:tgtEl>
+                                          <p:spTgt spid="4"/>
+                                        </p:tgtEl>
+                                        <p:attrNameLst>
+                                          <p:attrName>style.visibility</p:attrName>
+                                        </p:attrNameLst>
+                                      </p:cBhvr>
+                                      <p:to>
+                                        <p:strVal val="visible"/>
+                                      </p:to>
+                                    </p:set>
+                                  </p:childTnLst>
+                                </p:cTn>
+                              </p:par>
+                            </p:childTnLst>
+                          </p:cTn>
+                        </p:par>
+                      </p:childTnLst>
+                    </p:cTn>
+                  </p:par>
+                </p:childTnLst>
+              </p:cTn>
+              <p:prevCondLst>
+                <p:cond evt="onPrev" delay="0">
+                  <p:tgtEl>
+                    <p:sldTgt/>
+                  </p:tgtEl>
+                </p:cond>
+              </p:prevCondLst>
+              <p:nextCondLst>
+                <p:cond evt="onNext" delay="0">
+                  <p:tgtEl>
+                    <p:sldTgt/>
+                  </p:tgtEl>
+                </p:cond>
+              </p:nextCondLst>
+            </p:seq>
+          </p:childTnLst>
+        </p:cTn>
+      </p:par>
+    </p:tnLst>
+    <p:bldLst>
+      <p:bldP spid="11" grpId="0"/>
+      <p:bldP spid="4" grpId="0"/>
+    </p:bldLst>
+  </p:timing>
 </p:sld>
 </file>
 
@@ -14451,7 +21243,13 @@
       </p:grpSpPr>
       <p:sp>
         <p:nvSpPr>
-          <p:cNvPr id="2" name="Title 1"/>
+          <p:cNvPr id="2" name="Title 1">
+            <a:extLst>
+              <a:ext uri="{FF2B5EF4-FFF2-40B4-BE49-F238E27FC236}">
+                <a16:creationId xmlns:a16="http://schemas.microsoft.com/office/drawing/2014/main" id="{DFFDC267-7803-814F-9685-90A17482A92E}"/>
+              </a:ext>
+            </a:extLst>
+          </p:cNvPr>
           <p:cNvSpPr>
             <a:spLocks noGrp="1"/>
           </p:cNvSpPr>
@@ -14461,8 +21259,8 @@
         </p:nvSpPr>
         <p:spPr>
           <a:xfrm>
-            <a:off x="278801" y="365125"/>
-            <a:ext cx="5723965" cy="1325563"/>
+            <a:off x="1752600" y="381000"/>
+            <a:ext cx="8458200" cy="838200"/>
           </a:xfrm>
         </p:spPr>
         <p:txBody>
@@ -14470,158 +21268,56 @@
           <a:lstStyle/>
           <a:p>
             <a:r>
-              <a:rPr lang="en-US" dirty="0"/>
-              <a:t>Fitting Models</a:t>
+              <a:rPr lang="en-US" sz="3200" dirty="0"/>
+              <a:t>We Never Know if a Real World Model is Correct!</a:t>
             </a:r>
           </a:p>
         </p:txBody>
       </p:sp>
-      <mc:AlternateContent xmlns:mc="http://schemas.openxmlformats.org/markup-compatibility/2006" xmlns:a14="http://schemas.microsoft.com/office/drawing/2010/main">
-        <mc:Choice Requires="a14">
-          <p:sp>
-            <p:nvSpPr>
-              <p:cNvPr id="3" name="TextBox 2"/>
-              <p:cNvSpPr txBox="1"/>
-              <p:nvPr/>
-            </p:nvSpPr>
-            <p:spPr>
-              <a:xfrm>
-                <a:off x="494852" y="2011680"/>
-                <a:ext cx="3608680" cy="1200329"/>
-              </a:xfrm>
-              <a:prstGeom prst="rect">
-                <a:avLst/>
-              </a:prstGeom>
-              <a:noFill/>
-            </p:spPr>
-            <p:txBody>
-              <a:bodyPr wrap="none" rtlCol="0">
-                <a:spAutoFit/>
-              </a:bodyPr>
-              <a:lstStyle/>
-              <a:p>
-                <a:r>
-                  <a:rPr lang="en-US" sz="2400" dirty="0"/>
-                  <a:t>Consider the simple model:</a:t>
-                </a:r>
-              </a:p>
-              <a:p>
-                <a:endParaRPr lang="en-US" sz="2400" dirty="0"/>
-              </a:p>
-              <a:p>
-                <a:pPr/>
-                <a14:m>
-                  <m:oMathPara xmlns:m="http://schemas.openxmlformats.org/officeDocument/2006/math">
-                    <m:oMathParaPr>
-                      <m:jc m:val="centerGroup"/>
-                    </m:oMathParaPr>
-                    <m:oMath xmlns:m="http://schemas.openxmlformats.org/officeDocument/2006/math">
-                      <m:sSub>
-                        <m:sSubPr>
-                          <m:ctrlPr>
-                            <a:rPr lang="en-US" sz="2400" b="0" i="1" smtClean="0">
-                              <a:latin typeface="Cambria Math" panose="02040503050406030204" pitchFamily="18" charset="0"/>
-                            </a:rPr>
-                          </m:ctrlPr>
-                        </m:sSubPr>
-                        <m:e>
-                          <m:r>
-                            <a:rPr lang="en-US" sz="2400" b="0" i="1" smtClean="0">
-                              <a:latin typeface="Cambria Math" panose="02040503050406030204" pitchFamily="18" charset="0"/>
-                            </a:rPr>
-                            <m:t>𝑆</m:t>
-                          </m:r>
-                        </m:e>
-                        <m:sub>
-                          <m:r>
-                            <a:rPr lang="en-US" sz="2400" b="0" i="1" smtClean="0">
-                              <a:latin typeface="Cambria Math" panose="02040503050406030204" pitchFamily="18" charset="0"/>
-                            </a:rPr>
-                            <m:t>1</m:t>
-                          </m:r>
-                        </m:sub>
-                      </m:sSub>
-                      <m:r>
-                        <a:rPr lang="en-US" sz="2400" b="0" i="1" smtClean="0">
-                          <a:latin typeface="Cambria Math" panose="02040503050406030204" pitchFamily="18" charset="0"/>
-                        </a:rPr>
-                        <m:t>→ </m:t>
-                      </m:r>
-                      <m:sSub>
-                        <m:sSubPr>
-                          <m:ctrlPr>
-                            <a:rPr lang="en-US" sz="2400" b="0" i="1" smtClean="0">
-                              <a:latin typeface="Cambria Math" panose="02040503050406030204" pitchFamily="18" charset="0"/>
-                            </a:rPr>
-                          </m:ctrlPr>
-                        </m:sSubPr>
-                        <m:e>
-                          <m:r>
-                            <a:rPr lang="en-US" sz="2400" b="0" i="1" smtClean="0">
-                              <a:latin typeface="Cambria Math" panose="02040503050406030204" pitchFamily="18" charset="0"/>
-                            </a:rPr>
-                            <m:t>𝑆</m:t>
-                          </m:r>
-                        </m:e>
-                        <m:sub>
-                          <m:r>
-                            <a:rPr lang="en-US" sz="2400" b="0" i="1" smtClean="0">
-                              <a:latin typeface="Cambria Math" panose="02040503050406030204" pitchFamily="18" charset="0"/>
-                            </a:rPr>
-                            <m:t>2</m:t>
-                          </m:r>
-                        </m:sub>
-                      </m:sSub>
-                    </m:oMath>
-                  </m:oMathPara>
-                </a14:m>
-                <a:endParaRPr lang="en-US" sz="2000" dirty="0"/>
-              </a:p>
-            </p:txBody>
-          </p:sp>
-        </mc:Choice>
-        <mc:Fallback xmlns="">
-          <p:sp>
-            <p:nvSpPr>
-              <p:cNvPr id="3" name="TextBox 2"/>
-              <p:cNvSpPr txBox="1">
-                <a:spLocks noRot="1" noChangeAspect="1" noMove="1" noResize="1" noEditPoints="1" noAdjustHandles="1" noChangeArrowheads="1" noChangeShapeType="1" noTextEdit="1"/>
-              </p:cNvSpPr>
-              <p:nvPr/>
-            </p:nvSpPr>
-            <p:spPr>
-              <a:xfrm>
-                <a:off x="494852" y="2011680"/>
-                <a:ext cx="3608680" cy="1200329"/>
-              </a:xfrm>
-              <a:prstGeom prst="rect">
-                <a:avLst/>
-              </a:prstGeom>
-              <a:blipFill>
-                <a:blip r:embed="rId2"/>
-                <a:stretch>
-                  <a:fillRect l="-2534" t="-4061" r="-1520"/>
-                </a:stretch>
-              </a:blipFill>
-            </p:spPr>
-            <p:txBody>
-              <a:bodyPr/>
-              <a:lstStyle/>
-              <a:p>
-                <a:r>
-                  <a:rPr lang="en-US">
-                    <a:noFill/>
-                  </a:rPr>
-                  <a:t> </a:t>
-                </a:r>
-              </a:p>
-            </p:txBody>
-          </p:sp>
-        </mc:Fallback>
-      </mc:AlternateContent>
+      <p:sp>
+        <p:nvSpPr>
+          <p:cNvPr id="4" name="Slide Number Placeholder 3">
+            <a:extLst>
+              <a:ext uri="{FF2B5EF4-FFF2-40B4-BE49-F238E27FC236}">
+                <a16:creationId xmlns:a16="http://schemas.microsoft.com/office/drawing/2014/main" id="{1420EF48-F017-5749-B9FD-ED775E8CBB20}"/>
+              </a:ext>
+            </a:extLst>
+          </p:cNvPr>
+          <p:cNvSpPr>
+            <a:spLocks noGrp="1"/>
+          </p:cNvSpPr>
+          <p:nvPr>
+            <p:ph type="sldNum" sz="quarter" idx="11"/>
+          </p:nvPr>
+        </p:nvSpPr>
+        <p:spPr/>
+        <p:txBody>
+          <a:bodyPr/>
+          <a:lstStyle/>
+          <a:p>
+            <a:pPr>
+              <a:defRPr/>
+            </a:pPr>
+            <a:fld id="{3EF4E9CC-9D91-476E-91FD-5BEEC1642931}" type="slidenum">
+              <a:rPr lang="en-US" altLang="x-none" smtClean="0"/>
+              <a:pPr>
+                <a:defRPr/>
+              </a:pPr>
+              <a:t>9</a:t>
+            </a:fld>
+            <a:endParaRPr lang="en-US" altLang="x-none"/>
+          </a:p>
+        </p:txBody>
+      </p:sp>
       <p:pic>
         <p:nvPicPr>
-          <p:cNvPr id="5" name="Picture 4"/>
+          <p:cNvPr id="6" name="Picture 5">
+            <a:extLst>
+              <a:ext uri="{FF2B5EF4-FFF2-40B4-BE49-F238E27FC236}">
+                <a16:creationId xmlns:a16="http://schemas.microsoft.com/office/drawing/2014/main" id="{14159C52-1D44-1B41-9AB2-B981376306C6}"/>
+              </a:ext>
+            </a:extLst>
+          </p:cNvPr>
           <p:cNvPicPr>
             <a:picLocks noChangeAspect="1"/>
           </p:cNvPicPr>
@@ -14635,179 +21331,296 @@
         </p:blipFill>
         <p:spPr>
           <a:xfrm>
-            <a:off x="4217670" y="1488309"/>
-            <a:ext cx="7048500" cy="4505325"/>
+            <a:off x="5981701" y="4025900"/>
+            <a:ext cx="3613233" cy="2549524"/>
           </a:xfrm>
           <a:prstGeom prst="rect">
             <a:avLst/>
           </a:prstGeom>
         </p:spPr>
       </p:pic>
-      <mc:AlternateContent xmlns:mc="http://schemas.openxmlformats.org/markup-compatibility/2006" xmlns:a14="http://schemas.microsoft.com/office/drawing/2010/main">
-        <mc:Choice Requires="a14">
-          <p:sp>
-            <p:nvSpPr>
-              <p:cNvPr id="6" name="TextBox 5"/>
-              <p:cNvSpPr txBox="1"/>
-              <p:nvPr/>
-            </p:nvSpPr>
-            <p:spPr>
-              <a:xfrm>
-                <a:off x="594317" y="4246581"/>
-                <a:ext cx="2546466" cy="523220"/>
-              </a:xfrm>
-              <a:prstGeom prst="rect">
-                <a:avLst/>
-              </a:prstGeom>
-              <a:noFill/>
-            </p:spPr>
-            <p:txBody>
-              <a:bodyPr wrap="none" rtlCol="0">
-                <a:spAutoFit/>
-              </a:bodyPr>
-              <a:lstStyle/>
-              <a:p>
-                <a:pPr/>
-                <a14:m>
-                  <m:oMathPara xmlns:m="http://schemas.openxmlformats.org/officeDocument/2006/math">
-                    <m:oMathParaPr>
-                      <m:jc m:val="centerGroup"/>
-                    </m:oMathParaPr>
-                    <m:oMath xmlns:m="http://schemas.openxmlformats.org/officeDocument/2006/math">
-                      <m:sSub>
-                        <m:sSubPr>
-                          <m:ctrlPr>
-                            <a:rPr lang="en-US" sz="2800" b="0" i="1" smtClean="0">
-                              <a:latin typeface="Cambria Math" panose="02040503050406030204" pitchFamily="18" charset="0"/>
-                            </a:rPr>
-                          </m:ctrlPr>
-                        </m:sSubPr>
-                        <m:e>
-                          <m:r>
-                            <a:rPr lang="en-US" sz="2800" b="0" i="1" smtClean="0">
-                              <a:latin typeface="Cambria Math" panose="02040503050406030204" pitchFamily="18" charset="0"/>
-                            </a:rPr>
-                            <m:t>𝑒</m:t>
-                          </m:r>
-                        </m:e>
-                        <m:sub>
-                          <m:r>
-                            <a:rPr lang="en-US" sz="2800" b="0" i="1" smtClean="0">
-                              <a:latin typeface="Cambria Math" panose="02040503050406030204" pitchFamily="18" charset="0"/>
-                            </a:rPr>
-                            <m:t>𝑖</m:t>
-                          </m:r>
-                        </m:sub>
-                      </m:sSub>
-                      <m:r>
-                        <a:rPr lang="en-US" sz="2800" b="0" i="1" smtClean="0">
-                          <a:latin typeface="Cambria Math" panose="02040503050406030204" pitchFamily="18" charset="0"/>
-                        </a:rPr>
-                        <m:t>=</m:t>
-                      </m:r>
-                      <m:r>
-                        <a:rPr lang="en-US" sz="2800" b="0" i="1" smtClean="0">
-                          <a:latin typeface="Cambria Math" panose="02040503050406030204" pitchFamily="18" charset="0"/>
-                        </a:rPr>
-                        <m:t>𝑟𝑒𝑠𝑖𝑑𝑢𝑎𝑙𝑠</m:t>
-                      </m:r>
-                    </m:oMath>
-                  </m:oMathPara>
-                </a14:m>
-                <a:endParaRPr lang="en-US" sz="2800" dirty="0"/>
-              </a:p>
-            </p:txBody>
-          </p:sp>
-        </mc:Choice>
-        <mc:Fallback xmlns="">
-          <p:sp>
-            <p:nvSpPr>
-              <p:cNvPr id="6" name="TextBox 5"/>
-              <p:cNvSpPr txBox="1">
-                <a:spLocks noRot="1" noChangeAspect="1" noMove="1" noResize="1" noEditPoints="1" noAdjustHandles="1" noChangeArrowheads="1" noChangeShapeType="1" noTextEdit="1"/>
-              </p:cNvSpPr>
-              <p:nvPr/>
-            </p:nvSpPr>
-            <p:spPr>
-              <a:xfrm>
-                <a:off x="594317" y="4246581"/>
-                <a:ext cx="2546466" cy="523220"/>
-              </a:xfrm>
-              <a:prstGeom prst="rect">
-                <a:avLst/>
-              </a:prstGeom>
-              <a:blipFill>
-                <a:blip r:embed="rId4"/>
-                <a:stretch>
-                  <a:fillRect/>
-                </a:stretch>
-              </a:blipFill>
-            </p:spPr>
-            <p:txBody>
-              <a:bodyPr/>
-              <a:lstStyle/>
-              <a:p>
-                <a:r>
-                  <a:rPr lang="en-US">
-                    <a:noFill/>
-                  </a:rPr>
-                  <a:t> </a:t>
-                </a:r>
-              </a:p>
-            </p:txBody>
-          </p:sp>
-        </mc:Fallback>
-      </mc:AlternateContent>
+      <p:pic>
+        <p:nvPicPr>
+          <p:cNvPr id="10" name="Picture 9">
+            <a:extLst>
+              <a:ext uri="{FF2B5EF4-FFF2-40B4-BE49-F238E27FC236}">
+                <a16:creationId xmlns:a16="http://schemas.microsoft.com/office/drawing/2014/main" id="{A5A43ED5-7728-2C44-9319-47B9523B0052}"/>
+              </a:ext>
+            </a:extLst>
+          </p:cNvPr>
+          <p:cNvPicPr>
+            <a:picLocks noChangeAspect="1"/>
+          </p:cNvPicPr>
+          <p:nvPr/>
+        </p:nvPicPr>
+        <p:blipFill>
+          <a:blip r:embed="rId4"/>
+          <a:stretch>
+            <a:fillRect/>
+          </a:stretch>
+        </p:blipFill>
+        <p:spPr>
+          <a:xfrm>
+            <a:off x="1981201" y="4017694"/>
+            <a:ext cx="3599145" cy="2438400"/>
+          </a:xfrm>
+          <a:prstGeom prst="rect">
+            <a:avLst/>
+          </a:prstGeom>
+        </p:spPr>
+      </p:pic>
+      <p:pic>
+        <p:nvPicPr>
+          <p:cNvPr id="12" name="Picture 11">
+            <a:extLst>
+              <a:ext uri="{FF2B5EF4-FFF2-40B4-BE49-F238E27FC236}">
+                <a16:creationId xmlns:a16="http://schemas.microsoft.com/office/drawing/2014/main" id="{52049F54-3479-864E-8988-C50B37D2FE03}"/>
+              </a:ext>
+            </a:extLst>
+          </p:cNvPr>
+          <p:cNvPicPr>
+            <a:picLocks noChangeAspect="1"/>
+          </p:cNvPicPr>
+          <p:nvPr/>
+        </p:nvPicPr>
+        <p:blipFill>
+          <a:blip r:embed="rId5"/>
+          <a:stretch>
+            <a:fillRect/>
+          </a:stretch>
+        </p:blipFill>
+        <p:spPr>
+          <a:xfrm>
+            <a:off x="3962401" y="1524000"/>
+            <a:ext cx="3621587" cy="2425700"/>
+          </a:xfrm>
+          <a:prstGeom prst="rect">
+            <a:avLst/>
+          </a:prstGeom>
+        </p:spPr>
+      </p:pic>
       <p:sp>
         <p:nvSpPr>
-          <p:cNvPr id="7" name="Rounded Rectangle 6"/>
-          <p:cNvSpPr/>
+          <p:cNvPr id="13" name="TextBox 12">
+            <a:extLst>
+              <a:ext uri="{FF2B5EF4-FFF2-40B4-BE49-F238E27FC236}">
+                <a16:creationId xmlns:a16="http://schemas.microsoft.com/office/drawing/2014/main" id="{CF461A46-230F-EC42-9042-B311BA58B137}"/>
+              </a:ext>
+            </a:extLst>
+          </p:cNvPr>
+          <p:cNvSpPr txBox="1"/>
           <p:nvPr/>
         </p:nvSpPr>
         <p:spPr>
           <a:xfrm>
-            <a:off x="408792" y="4077148"/>
-            <a:ext cx="3076687" cy="968188"/>
+            <a:off x="3449984" y="986136"/>
+            <a:ext cx="4516236" cy="461665"/>
           </a:xfrm>
-          <a:prstGeom prst="roundRect">
+          <a:prstGeom prst="rect">
             <a:avLst/>
           </a:prstGeom>
           <a:noFill/>
-          <a:ln w="28575"/>
         </p:spPr>
-        <p:style>
-          <a:lnRef idx="2">
-            <a:schemeClr val="accent2"/>
-          </a:lnRef>
-          <a:fillRef idx="1">
-            <a:schemeClr val="lt1"/>
-          </a:fillRef>
-          <a:effectRef idx="0">
-            <a:schemeClr val="accent2"/>
-          </a:effectRef>
-          <a:fontRef idx="minor">
-            <a:schemeClr val="dk1"/>
-          </a:fontRef>
-        </p:style>
         <p:txBody>
-          <a:bodyPr rtlCol="0" anchor="ctr"/>
+          <a:bodyPr wrap="none" rtlCol="0">
+            <a:spAutoFit/>
+          </a:bodyPr>
           <a:lstStyle/>
           <a:p>
-            <a:pPr algn="ctr"/>
-            <a:endParaRPr lang="en-US"/>
+            <a:r>
+              <a:rPr lang="en-US" sz="2400" dirty="0"/>
+              <a:t>Data Without Measurement Errors</a:t>
+            </a:r>
           </a:p>
         </p:txBody>
       </p:sp>
     </p:spTree>
     <p:extLst>
       <p:ext uri="{BB962C8B-B14F-4D97-AF65-F5344CB8AC3E}">
-        <p14:creationId xmlns:p14="http://schemas.microsoft.com/office/powerpoint/2010/main" val="1200635942"/>
+        <p14:creationId xmlns:p14="http://schemas.microsoft.com/office/powerpoint/2010/main" val="1624417886"/>
       </p:ext>
     </p:extLst>
   </p:cSld>
   <p:clrMapOvr>
     <a:masterClrMapping/>
   </p:clrMapOvr>
+  <p:timing>
+    <p:tnLst>
+      <p:par>
+        <p:cTn id="1" dur="indefinite" restart="never" nodeType="tmRoot">
+          <p:childTnLst>
+            <p:seq concurrent="1" nextAc="seek">
+              <p:cTn id="2" dur="indefinite" nodeType="mainSeq">
+                <p:childTnLst>
+                  <p:par>
+                    <p:cTn id="3" fill="hold">
+                      <p:stCondLst>
+                        <p:cond delay="indefinite"/>
+                      </p:stCondLst>
+                      <p:childTnLst>
+                        <p:par>
+                          <p:cTn id="4" fill="hold">
+                            <p:stCondLst>
+                              <p:cond delay="0"/>
+                            </p:stCondLst>
+                            <p:childTnLst>
+                              <p:par>
+                                <p:cTn id="5" presetID="1" presetClass="entr" presetSubtype="0" fill="hold" grpId="0" nodeType="clickEffect">
+                                  <p:stCondLst>
+                                    <p:cond delay="0"/>
+                                  </p:stCondLst>
+                                  <p:childTnLst>
+                                    <p:set>
+                                      <p:cBhvr>
+                                        <p:cTn id="6" dur="1" fill="hold">
+                                          <p:stCondLst>
+                                            <p:cond delay="0"/>
+                                          </p:stCondLst>
+                                        </p:cTn>
+                                        <p:tgtEl>
+                                          <p:spTgt spid="13"/>
+                                        </p:tgtEl>
+                                        <p:attrNameLst>
+                                          <p:attrName>style.visibility</p:attrName>
+                                        </p:attrNameLst>
+                                      </p:cBhvr>
+                                      <p:to>
+                                        <p:strVal val="visible"/>
+                                      </p:to>
+                                    </p:set>
+                                  </p:childTnLst>
+                                </p:cTn>
+                              </p:par>
+                              <p:par>
+                                <p:cTn id="7" presetID="1" presetClass="entr" presetSubtype="0" fill="hold" nodeType="withEffect">
+                                  <p:stCondLst>
+                                    <p:cond delay="0"/>
+                                  </p:stCondLst>
+                                  <p:childTnLst>
+                                    <p:set>
+                                      <p:cBhvr>
+                                        <p:cTn id="8" dur="1" fill="hold">
+                                          <p:stCondLst>
+                                            <p:cond delay="0"/>
+                                          </p:stCondLst>
+                                        </p:cTn>
+                                        <p:tgtEl>
+                                          <p:spTgt spid="12"/>
+                                        </p:tgtEl>
+                                        <p:attrNameLst>
+                                          <p:attrName>style.visibility</p:attrName>
+                                        </p:attrNameLst>
+                                      </p:cBhvr>
+                                      <p:to>
+                                        <p:strVal val="visible"/>
+                                      </p:to>
+                                    </p:set>
+                                  </p:childTnLst>
+                                </p:cTn>
+                              </p:par>
+                            </p:childTnLst>
+                          </p:cTn>
+                        </p:par>
+                      </p:childTnLst>
+                    </p:cTn>
+                  </p:par>
+                  <p:par>
+                    <p:cTn id="9" fill="hold">
+                      <p:stCondLst>
+                        <p:cond delay="indefinite"/>
+                      </p:stCondLst>
+                      <p:childTnLst>
+                        <p:par>
+                          <p:cTn id="10" fill="hold">
+                            <p:stCondLst>
+                              <p:cond delay="0"/>
+                            </p:stCondLst>
+                            <p:childTnLst>
+                              <p:par>
+                                <p:cTn id="11" presetID="1" presetClass="entr" presetSubtype="0" fill="hold" nodeType="clickEffect">
+                                  <p:stCondLst>
+                                    <p:cond delay="0"/>
+                                  </p:stCondLst>
+                                  <p:childTnLst>
+                                    <p:set>
+                                      <p:cBhvr>
+                                        <p:cTn id="12" dur="1" fill="hold">
+                                          <p:stCondLst>
+                                            <p:cond delay="0"/>
+                                          </p:stCondLst>
+                                        </p:cTn>
+                                        <p:tgtEl>
+                                          <p:spTgt spid="6"/>
+                                        </p:tgtEl>
+                                        <p:attrNameLst>
+                                          <p:attrName>style.visibility</p:attrName>
+                                        </p:attrNameLst>
+                                      </p:cBhvr>
+                                      <p:to>
+                                        <p:strVal val="visible"/>
+                                      </p:to>
+                                    </p:set>
+                                  </p:childTnLst>
+                                </p:cTn>
+                              </p:par>
+                              <p:par>
+                                <p:cTn id="13" presetID="1" presetClass="entr" presetSubtype="0" fill="hold" nodeType="withEffect">
+                                  <p:stCondLst>
+                                    <p:cond delay="0"/>
+                                  </p:stCondLst>
+                                  <p:childTnLst>
+                                    <p:set>
+                                      <p:cBhvr>
+                                        <p:cTn id="14" dur="1" fill="hold">
+                                          <p:stCondLst>
+                                            <p:cond delay="0"/>
+                                          </p:stCondLst>
+                                        </p:cTn>
+                                        <p:tgtEl>
+                                          <p:spTgt spid="10"/>
+                                        </p:tgtEl>
+                                        <p:attrNameLst>
+                                          <p:attrName>style.visibility</p:attrName>
+                                        </p:attrNameLst>
+                                      </p:cBhvr>
+                                      <p:to>
+                                        <p:strVal val="visible"/>
+                                      </p:to>
+                                    </p:set>
+                                  </p:childTnLst>
+                                </p:cTn>
+                              </p:par>
+                            </p:childTnLst>
+                          </p:cTn>
+                        </p:par>
+                      </p:childTnLst>
+                    </p:cTn>
+                  </p:par>
+                </p:childTnLst>
+              </p:cTn>
+              <p:prevCondLst>
+                <p:cond evt="onPrev" delay="0">
+                  <p:tgtEl>
+                    <p:sldTgt/>
+                  </p:tgtEl>
+                </p:cond>
+              </p:prevCondLst>
+              <p:nextCondLst>
+                <p:cond evt="onNext" delay="0">
+                  <p:tgtEl>
+                    <p:sldTgt/>
+                  </p:tgtEl>
+                </p:cond>
+              </p:nextCondLst>
+            </p:seq>
+          </p:childTnLst>
+        </p:cTn>
+      </p:par>
+    </p:tnLst>
+    <p:bldLst>
+      <p:bldP spid="13" grpId="0"/>
+    </p:bldLst>
+  </p:timing>
 </p:sld>
 </file>
 
